--- a/Licenta2020ApuscasiteiSilviuAlexandru/Prezentare_Licenta_CryptoManagement (1).pptx
+++ b/Licenta2020ApuscasiteiSilviuAlexandru/Prezentare_Licenta_CryptoManagement (1).pptx
@@ -5,24 +5,25 @@
     <p:sldMasterId id="2147483660" r:id="rId4"/>
   </p:sldMasterIdLst>
   <p:notesMasterIdLst>
-    <p:notesMasterId r:id="rId17"/>
+    <p:notesMasterId r:id="rId18"/>
   </p:notesMasterIdLst>
   <p:handoutMasterIdLst>
-    <p:handoutMasterId r:id="rId18"/>
+    <p:handoutMasterId r:id="rId19"/>
   </p:handoutMasterIdLst>
   <p:sldIdLst>
     <p:sldId id="256" r:id="rId5"/>
-    <p:sldId id="283" r:id="rId6"/>
-    <p:sldId id="284" r:id="rId7"/>
-    <p:sldId id="295" r:id="rId8"/>
-    <p:sldId id="292" r:id="rId9"/>
-    <p:sldId id="285" r:id="rId10"/>
-    <p:sldId id="286" r:id="rId11"/>
-    <p:sldId id="297" r:id="rId12"/>
-    <p:sldId id="289" r:id="rId13"/>
-    <p:sldId id="290" r:id="rId14"/>
-    <p:sldId id="291" r:id="rId15"/>
-    <p:sldId id="294" r:id="rId16"/>
+    <p:sldId id="298" r:id="rId6"/>
+    <p:sldId id="283" r:id="rId7"/>
+    <p:sldId id="284" r:id="rId8"/>
+    <p:sldId id="295" r:id="rId9"/>
+    <p:sldId id="292" r:id="rId10"/>
+    <p:sldId id="285" r:id="rId11"/>
+    <p:sldId id="286" r:id="rId12"/>
+    <p:sldId id="297" r:id="rId13"/>
+    <p:sldId id="289" r:id="rId14"/>
+    <p:sldId id="290" r:id="rId15"/>
+    <p:sldId id="291" r:id="rId16"/>
+    <p:sldId id="294" r:id="rId17"/>
   </p:sldIdLst>
   <p:sldSz cx="12192000" cy="6858000"/>
   <p:notesSz cx="6858000" cy="9144000"/>
@@ -127,6 +128,7 @@
         <p14:section name="Welcome" id="{E75E278A-FF0E-49A4-B170-79828D63BBAD}">
           <p14:sldIdLst>
             <p14:sldId id="256"/>
+            <p14:sldId id="298"/>
             <p14:sldId id="283"/>
             <p14:sldId id="284"/>
             <p14:sldId id="295"/>
@@ -173,7 +175,9 @@
 <p1510:revInfo xmlns:a="http://schemas.openxmlformats.org/drawingml/2006/main" xmlns:r="http://schemas.openxmlformats.org/officeDocument/2006/relationships" xmlns:p1510="http://schemas.microsoft.com/office/powerpoint/2015/10/main">
   <p1510:revLst>
     <p1510:client id="{67C5DAB2-29C6-636D-2FE5-DDDB85E1BCA7}" v="4" dt="2020-02-09T11:01:33.061"/>
-    <p1510:client id="{DFC257EE-6288-7A2B-4C36-B78DA2246739}" v="438" dt="2020-02-12T09:51:21.925"/>
+    <p1510:client id="{83D84EDB-D5D1-B9CC-1093-CEEEBBE68E7C}" v="46" dt="2020-02-12T17:36:41.886"/>
+    <p1510:client id="{959DAC46-E23D-1577-9B6B-DD8EE3435022}" v="758" dt="2020-02-12T17:14:42.906"/>
+    <p1510:client id="{DFC257EE-6288-7A2B-4C36-B78DA2246739}" v="439" dt="2020-02-12T11:43:02.159"/>
   </p1510:revLst>
 </p1510:revInfo>
 </file>
@@ -227,7 +231,7 @@
             </a:lvl1pPr>
           </a:lstStyle>
           <a:p>
-            <a:endParaRPr lang="en-US" dirty="0"/>
+            <a:endParaRPr lang="en-US"/>
           </a:p>
         </p:txBody>
       </p:sp>
@@ -262,7 +266,7 @@
               <a:rPr lang="en-US" smtClean="0"/>
               <a:t>2/12/2020</a:t>
             </a:fld>
-            <a:endParaRPr lang="en-US" dirty="0"/>
+            <a:endParaRPr lang="en-US"/>
           </a:p>
         </p:txBody>
       </p:sp>
@@ -293,7 +297,7 @@
             </a:lvl1pPr>
           </a:lstStyle>
           <a:p>
-            <a:endParaRPr lang="en-US" dirty="0"/>
+            <a:endParaRPr lang="en-US"/>
           </a:p>
         </p:txBody>
       </p:sp>
@@ -328,7 +332,7 @@
               <a:rPr lang="en-US" smtClean="0"/>
               <a:t>‹#›</a:t>
             </a:fld>
-            <a:endParaRPr lang="en-US" dirty="0"/>
+            <a:endParaRPr lang="en-US"/>
           </a:p>
         </p:txBody>
       </p:sp>
@@ -392,7 +396,7 @@
             </a:lvl1pPr>
           </a:lstStyle>
           <a:p>
-            <a:endParaRPr lang="en-US" dirty="0"/>
+            <a:endParaRPr lang="en-US"/>
           </a:p>
         </p:txBody>
       </p:sp>
@@ -427,7 +431,7 @@
               <a:rPr lang="en-US" smtClean="0"/>
               <a:t>2/12/2020</a:t>
             </a:fld>
-            <a:endParaRPr lang="en-US" dirty="0"/>
+            <a:endParaRPr lang="en-US"/>
           </a:p>
         </p:txBody>
       </p:sp>
@@ -460,7 +464,7 @@
           <a:bodyPr vert="horz" lIns="91440" tIns="45720" rIns="91440" bIns="45720" rtlCol="0" anchor="ctr"/>
           <a:lstStyle/>
           <a:p>
-            <a:endParaRPr lang="en-US" dirty="0"/>
+            <a:endParaRPr lang="en-US"/>
           </a:p>
         </p:txBody>
       </p:sp>
@@ -550,7 +554,7 @@
             </a:lvl1pPr>
           </a:lstStyle>
           <a:p>
-            <a:endParaRPr lang="en-US" dirty="0"/>
+            <a:endParaRPr lang="en-US"/>
           </a:p>
         </p:txBody>
       </p:sp>
@@ -585,7 +589,7 @@
               <a:rPr lang="en-US" smtClean="0"/>
               <a:t>‹#›</a:t>
             </a:fld>
-            <a:endParaRPr lang="en-US" dirty="0"/>
+            <a:endParaRPr lang="en-US"/>
           </a:p>
         </p:txBody>
       </p:sp>
@@ -741,7 +745,7 @@
           <a:bodyPr/>
           <a:lstStyle/>
           <a:p>
-            <a:endParaRPr lang="en-US" dirty="0"/>
+            <a:endParaRPr lang="en-US"/>
           </a:p>
         </p:txBody>
       </p:sp>
@@ -764,7 +768,7 @@
               <a:rPr lang="en-US" smtClean="0"/>
               <a:t>1</a:t>
             </a:fld>
-            <a:endParaRPr lang="en-US" dirty="0"/>
+            <a:endParaRPr lang="en-US"/>
           </a:p>
         </p:txBody>
       </p:sp>
@@ -840,7 +844,7 @@
           <a:lstStyle/>
           <a:p>
             <a:pPr algn="ctr"/>
-            <a:endParaRPr lang="en-US" sz="1800" dirty="0"/>
+            <a:endParaRPr lang="en-US" sz="1800"/>
           </a:p>
         </p:txBody>
       </p:sp>
@@ -863,7 +867,6 @@
               <a:rPr lang="en-US"/>
               <a:t>Click to edit Master title style</a:t>
             </a:r>
-            <a:endParaRPr lang="en-US" dirty="0"/>
           </a:p>
         </p:txBody>
       </p:sp>
@@ -939,7 +942,7 @@
           <a:lstStyle/>
           <a:p>
             <a:pPr algn="ctr"/>
-            <a:endParaRPr lang="en-US" sz="1800" dirty="0"/>
+            <a:endParaRPr lang="en-US" sz="1800"/>
           </a:p>
         </p:txBody>
       </p:sp>
@@ -1014,7 +1017,6 @@
               <a:rPr lang="en-US"/>
               <a:t>Click to edit Master title style</a:t>
             </a:r>
-            <a:endParaRPr lang="en-US" dirty="0"/>
           </a:p>
         </p:txBody>
       </p:sp>
@@ -1179,7 +1181,6 @@
               <a:rPr lang="en-US"/>
               <a:t>Fifth level</a:t>
             </a:r>
-            <a:endParaRPr lang="en-US" dirty="0"/>
           </a:p>
         </p:txBody>
       </p:sp>
@@ -1222,7 +1223,7 @@
               <a:pPr/>
               <a:t>2/12/2020</a:t>
             </a:fld>
-            <a:endParaRPr lang="en-US" dirty="0"/>
+            <a:endParaRPr lang="en-US"/>
           </a:p>
         </p:txBody>
       </p:sp>
@@ -1260,7 +1261,7 @@
             </a:lvl1pPr>
           </a:lstStyle>
           <a:p>
-            <a:endParaRPr lang="en-US" dirty="0"/>
+            <a:endParaRPr lang="en-US"/>
           </a:p>
         </p:txBody>
       </p:sp>
@@ -1303,7 +1304,7 @@
               <a:pPr/>
               <a:t>‹#›</a:t>
             </a:fld>
-            <a:endParaRPr lang="en-US" dirty="0"/>
+            <a:endParaRPr lang="en-US"/>
           </a:p>
         </p:txBody>
       </p:sp>
@@ -1379,7 +1380,7 @@
           <a:lstStyle/>
           <a:p>
             <a:pPr algn="ctr"/>
-            <a:endParaRPr lang="en-US" sz="1800" dirty="0"/>
+            <a:endParaRPr lang="en-US" sz="1800"/>
           </a:p>
         </p:txBody>
       </p:sp>
@@ -1425,7 +1426,7 @@
           <a:lstStyle/>
           <a:p>
             <a:pPr algn="ctr"/>
-            <a:endParaRPr lang="en-US" sz="1800" dirty="0"/>
+            <a:endParaRPr lang="en-US" sz="1800"/>
           </a:p>
         </p:txBody>
       </p:sp>
@@ -1463,7 +1464,6 @@
               <a:rPr lang="en-US"/>
               <a:t>Click to edit Master title style</a:t>
             </a:r>
-            <a:endParaRPr lang="en-US" dirty="0"/>
           </a:p>
         </p:txBody>
       </p:sp>
@@ -1629,7 +1629,6 @@
               <a:rPr lang="en-US"/>
               <a:t>Fifth level</a:t>
             </a:r>
-            <a:endParaRPr lang="en-US" dirty="0"/>
           </a:p>
         </p:txBody>
       </p:sp>
@@ -1710,7 +1709,7 @@
           <a:lstStyle/>
           <a:p>
             <a:pPr algn="ctr"/>
-            <a:endParaRPr lang="en-US" sz="1800" dirty="0"/>
+            <a:endParaRPr lang="en-US" sz="1800"/>
           </a:p>
         </p:txBody>
       </p:sp>
@@ -1743,7 +1742,6 @@
               <a:rPr lang="en-US"/>
               <a:t>Click to edit Master title style</a:t>
             </a:r>
-            <a:endParaRPr lang="en-US" dirty="0"/>
           </a:p>
         </p:txBody>
       </p:sp>
@@ -1805,7 +1803,6 @@
               <a:rPr lang="en-US"/>
               <a:t>Fifth level</a:t>
             </a:r>
-            <a:endParaRPr lang="en-US" dirty="0"/>
           </a:p>
         </p:txBody>
       </p:sp>
@@ -1848,7 +1845,7 @@
               <a:pPr/>
               <a:t>2/12/2020</a:t>
             </a:fld>
-            <a:endParaRPr lang="en-US" dirty="0"/>
+            <a:endParaRPr lang="en-US"/>
           </a:p>
         </p:txBody>
       </p:sp>
@@ -1886,7 +1883,7 @@
             </a:lvl1pPr>
           </a:lstStyle>
           <a:p>
-            <a:endParaRPr lang="en-US" dirty="0"/>
+            <a:endParaRPr lang="en-US"/>
           </a:p>
         </p:txBody>
       </p:sp>
@@ -1929,7 +1926,7 @@
               <a:pPr/>
               <a:t>‹#›</a:t>
             </a:fld>
-            <a:endParaRPr lang="en-US" dirty="0"/>
+            <a:endParaRPr lang="en-US"/>
           </a:p>
         </p:txBody>
       </p:sp>
@@ -2326,7 +2323,7 @@
           <a:p>
             <a:pPr algn="ctr"/>
             <a:r>
-              <a:rPr lang="en-US" sz="4800" b="1" dirty="0" err="1">
+              <a:rPr lang="en-US" sz="4800" b="1" err="1">
                 <a:solidFill>
                   <a:schemeClr val="bg1"/>
                 </a:solidFill>
@@ -2335,7 +2332,7 @@
               </a:rPr>
               <a:t>CryptoManagement</a:t>
             </a:r>
-            <a:endParaRPr lang="en-US" sz="4800" b="1" dirty="0">
+            <a:endParaRPr lang="en-US" sz="4800" b="1">
               <a:solidFill>
                 <a:schemeClr val="bg1"/>
               </a:solidFill>
@@ -2362,7 +2359,7 @@
           </a:xfrm>
         </p:spPr>
         <p:txBody>
-          <a:bodyPr>
+          <a:bodyPr vert="horz" lIns="91440" tIns="45720" rIns="91440" bIns="45720" rtlCol="0" anchor="t">
             <a:normAutofit/>
           </a:bodyPr>
           <a:lstStyle/>
@@ -2371,36 +2368,36 @@
               <a:buNone/>
             </a:pPr>
             <a:r>
-              <a:rPr lang="en-US" sz="3600" dirty="0" err="1">
+              <a:rPr lang="en-US" sz="3600" err="1">
                 <a:solidFill>
                   <a:schemeClr val="bg1"/>
                 </a:solidFill>
-                <a:latin typeface="Times New Roman" panose="02020603050405020304" pitchFamily="18" charset="0"/>
-                <a:cs typeface="Times New Roman" panose="02020603050405020304" pitchFamily="18" charset="0"/>
+                <a:latin typeface="Times New Roman"/>
+                <a:cs typeface="Times New Roman"/>
               </a:rPr>
               <a:t>Facultatea</a:t>
             </a:r>
             <a:r>
-              <a:rPr lang="en-US" sz="3600" dirty="0">
+              <a:rPr lang="en-US" sz="3600">
                 <a:solidFill>
                   <a:schemeClr val="bg1"/>
                 </a:solidFill>
-                <a:latin typeface="Times New Roman" panose="02020603050405020304" pitchFamily="18" charset="0"/>
-                <a:cs typeface="Times New Roman" panose="02020603050405020304" pitchFamily="18" charset="0"/>
+                <a:latin typeface="Times New Roman"/>
+                <a:cs typeface="Times New Roman"/>
               </a:rPr>
               <a:t> de </a:t>
             </a:r>
             <a:r>
-              <a:rPr lang="en-US" sz="3600" dirty="0" err="1">
+              <a:rPr lang="en-US" sz="3600" err="1">
                 <a:solidFill>
                   <a:schemeClr val="bg1"/>
                 </a:solidFill>
-                <a:latin typeface="Times New Roman" panose="02020603050405020304" pitchFamily="18" charset="0"/>
-                <a:cs typeface="Times New Roman" panose="02020603050405020304" pitchFamily="18" charset="0"/>
-              </a:rPr>
-              <a:t>Informatica</a:t>
-            </a:r>
-            <a:endParaRPr lang="en-US" sz="3600" dirty="0">
+                <a:latin typeface="Times New Roman"/>
+                <a:cs typeface="Times New Roman"/>
+              </a:rPr>
+              <a:t>Informatică</a:t>
+            </a:r>
+            <a:endParaRPr lang="en-US" sz="3600" err="1">
               <a:solidFill>
                 <a:schemeClr val="bg1"/>
               </a:solidFill>
@@ -2428,7 +2425,7 @@
           </a:prstGeom>
         </p:spPr>
         <p:txBody>
-          <a:bodyPr vert="horz" lIns="91440" tIns="45720" rIns="91440" bIns="45720" rtlCol="0">
+          <a:bodyPr vert="horz" lIns="91440" tIns="45720" rIns="91440" bIns="45720" rtlCol="0" anchor="t">
             <a:normAutofit lnSpcReduction="10000"/>
           </a:bodyPr>
           <a:lstStyle>
@@ -2621,36 +2618,36 @@
           </a:lstStyle>
           <a:p>
             <a:r>
-              <a:rPr lang="en-US" sz="3100" dirty="0" err="1">
+              <a:rPr lang="en-US" sz="3100" err="1">
                 <a:solidFill>
                   <a:schemeClr val="bg1"/>
                 </a:solidFill>
                 <a:latin typeface="Times New Roman"/>
                 <a:cs typeface="Times New Roman"/>
               </a:rPr>
-              <a:t>Apuscasitei</a:t>
-            </a:r>
-            <a:r>
-              <a:rPr lang="en-US" sz="3100" dirty="0">
+              <a:t>Apușcășiței</a:t>
+            </a:r>
+            <a:r>
+              <a:rPr lang="en-US" sz="3100">
                 <a:solidFill>
                   <a:schemeClr val="bg1"/>
                 </a:solidFill>
                 <a:latin typeface="Times New Roman"/>
                 <a:cs typeface="Times New Roman"/>
               </a:rPr>
-              <a:t> </a:t>
-            </a:r>
-            <a:r>
-              <a:rPr lang="en-US" sz="3100" dirty="0" err="1">
+              <a:t> Silviu-</a:t>
+            </a:r>
+            <a:r>
+              <a:rPr lang="en-US" sz="3100" err="1">
                 <a:solidFill>
                   <a:schemeClr val="bg1"/>
                 </a:solidFill>
                 <a:latin typeface="Times New Roman"/>
                 <a:cs typeface="Times New Roman"/>
               </a:rPr>
-              <a:t>Silviu-Alexandru</a:t>
-            </a:r>
-            <a:endParaRPr lang="en-US" sz="3100" dirty="0">
+              <a:t>Alexandru</a:t>
+            </a:r>
+            <a:endParaRPr lang="en-US" sz="3100">
               <a:solidFill>
                 <a:schemeClr val="bg1"/>
               </a:solidFill>
@@ -2660,7 +2657,7 @@
           </a:p>
           <a:p>
             <a:r>
-              <a:rPr lang="en-US" sz="2400" dirty="0">
+              <a:rPr lang="en-US" sz="2400">
                 <a:solidFill>
                   <a:schemeClr val="bg1"/>
                 </a:solidFill>
@@ -2670,7 +2667,7 @@
               <a:t>Prof. </a:t>
             </a:r>
             <a:r>
-              <a:rPr lang="en-US" sz="2400" dirty="0" err="1">
+              <a:rPr lang="en-US" sz="2400" err="1">
                 <a:solidFill>
                   <a:schemeClr val="bg1"/>
                 </a:solidFill>
@@ -2680,7 +2677,7 @@
               <a:t>Colab</a:t>
             </a:r>
             <a:r>
-              <a:rPr lang="en-US" sz="2400" dirty="0">
+              <a:rPr lang="en-US" sz="2400">
                 <a:solidFill>
                   <a:schemeClr val="bg1"/>
                 </a:solidFill>
@@ -2690,7 +2687,7 @@
               <a:t>. Florin </a:t>
             </a:r>
             <a:r>
-              <a:rPr lang="en-US" sz="2400" dirty="0" err="1">
+              <a:rPr lang="en-US" sz="2400" err="1">
                 <a:solidFill>
                   <a:schemeClr val="bg1"/>
                 </a:solidFill>
@@ -2699,7 +2696,7 @@
               </a:rPr>
               <a:t>Olariu</a:t>
             </a:r>
-            <a:endParaRPr lang="en-US" sz="2400" dirty="0">
+            <a:endParaRPr lang="en-US" sz="2400">
               <a:solidFill>
                 <a:schemeClr val="bg1"/>
               </a:solidFill>
@@ -2757,27 +2754,27 @@
           <a:lstStyle/>
           <a:p>
             <a:r>
-              <a:rPr lang="en-US" sz="3600" b="1" dirty="0" err="1">
-                <a:latin typeface="Times New Roman" panose="02020603050405020304" pitchFamily="18" charset="0"/>
-                <a:cs typeface="Times New Roman" panose="02020603050405020304" pitchFamily="18" charset="0"/>
-              </a:rPr>
-              <a:t>Dezvoltare</a:t>
-            </a:r>
-            <a:r>
-              <a:rPr lang="en-US" sz="3600" b="1" dirty="0">
-                <a:latin typeface="Times New Roman" panose="02020603050405020304" pitchFamily="18" charset="0"/>
-                <a:cs typeface="Times New Roman" panose="02020603050405020304" pitchFamily="18" charset="0"/>
-              </a:rPr>
-              <a:t> </a:t>
-            </a:r>
-            <a:r>
-              <a:rPr lang="en-US" sz="3600" b="1" dirty="0" err="1">
-                <a:latin typeface="Times New Roman" panose="02020603050405020304" pitchFamily="18" charset="0"/>
-                <a:cs typeface="Times New Roman" panose="02020603050405020304" pitchFamily="18" charset="0"/>
-              </a:rPr>
-              <a:t>actuala</a:t>
-            </a:r>
-            <a:endParaRPr lang="en-US" sz="3600" b="1" dirty="0">
+              <a:rPr lang="en-US" sz="3600" b="1" err="1">
+                <a:latin typeface="Times New Roman"/>
+                <a:cs typeface="Times New Roman"/>
+              </a:rPr>
+              <a:t>Concluziile</a:t>
+            </a:r>
+            <a:r>
+              <a:rPr lang="en-US" sz="3600" b="1">
+                <a:latin typeface="Times New Roman"/>
+                <a:cs typeface="Times New Roman"/>
+              </a:rPr>
+              <a:t> </a:t>
+            </a:r>
+            <a:r>
+              <a:rPr lang="en-US" sz="3600" b="1" err="1">
+                <a:latin typeface="Times New Roman"/>
+                <a:cs typeface="Times New Roman"/>
+              </a:rPr>
+              <a:t>lucrării</a:t>
+            </a:r>
+            <a:endParaRPr lang="en-US" sz="3600" b="1" err="1">
               <a:latin typeface="Times New Roman" panose="02020603050405020304" pitchFamily="18" charset="0"/>
               <a:cs typeface="Times New Roman" panose="02020603050405020304" pitchFamily="18" charset="0"/>
             </a:endParaRPr>
@@ -2796,326 +2793,645 @@
         </p:nvSpPr>
         <p:spPr>
           <a:xfrm>
-            <a:off x="521207" y="1528457"/>
-            <a:ext cx="10929693" cy="4338175"/>
+            <a:off x="521134" y="1435607"/>
+            <a:ext cx="11036188" cy="5069695"/>
           </a:xfrm>
         </p:spPr>
         <p:txBody>
-          <a:bodyPr>
-            <a:normAutofit/>
+          <a:bodyPr vert="horz" lIns="91440" tIns="45720" rIns="91440" bIns="45720" rtlCol="0" anchor="t">
+            <a:noAutofit/>
           </a:bodyPr>
           <a:lstStyle/>
           <a:p>
-            <a:pPr marL="171450" indent="-171450" fontAlgn="base">
-              <a:buFont typeface="Wingdings" panose="05000000000000000000" pitchFamily="2" charset="2"/>
-              <a:buChar char="q"/>
-            </a:pPr>
-            <a:r>
-              <a:rPr lang="en-US" sz="2400" dirty="0">
-                <a:latin typeface="Times New Roman"/>
-                <a:cs typeface="Times New Roman"/>
-              </a:rPr>
-              <a:t> Un </a:t>
-            </a:r>
-            <a:r>
-              <a:rPr lang="en-US" sz="2400" dirty="0" err="1">
+            <a:r>
+              <a:rPr lang="en-US" sz="2000">
+                <a:latin typeface="Times New Roman"/>
+                <a:cs typeface="Times New Roman"/>
+              </a:rPr>
+              <a:t>	</a:t>
+            </a:r>
+            <a:r>
+              <a:rPr lang="en-US" sz="2400" err="1">
+                <a:latin typeface="Times New Roman"/>
+                <a:cs typeface="Times New Roman"/>
+              </a:rPr>
+              <a:t>Aplicația</a:t>
+            </a:r>
+            <a:r>
+              <a:rPr lang="en-US" sz="2400">
+                <a:latin typeface="Times New Roman"/>
+                <a:cs typeface="Times New Roman"/>
+              </a:rPr>
+              <a:t> </a:t>
+            </a:r>
+            <a:r>
+              <a:rPr lang="en-US" sz="2400" err="1">
+                <a:latin typeface="Times New Roman"/>
+                <a:cs typeface="Times New Roman"/>
+              </a:rPr>
+              <a:t>CryptoManagement</a:t>
+            </a:r>
+            <a:r>
+              <a:rPr lang="en-US" sz="2400">
+                <a:latin typeface="Times New Roman"/>
+                <a:cs typeface="Times New Roman"/>
+              </a:rPr>
+              <a:t> vine </a:t>
+            </a:r>
+            <a:r>
+              <a:rPr lang="en-US" sz="2400" err="1">
+                <a:latin typeface="Times New Roman"/>
+                <a:cs typeface="Times New Roman"/>
+              </a:rPr>
+              <a:t>în</a:t>
+            </a:r>
+            <a:r>
+              <a:rPr lang="en-US" sz="2400">
+                <a:latin typeface="Times New Roman"/>
+                <a:cs typeface="Times New Roman"/>
+              </a:rPr>
+              <a:t> </a:t>
+            </a:r>
+            <a:r>
+              <a:rPr lang="en-US" sz="2400" err="1">
+                <a:latin typeface="Times New Roman"/>
+                <a:cs typeface="Times New Roman"/>
+              </a:rPr>
+              <a:t>ajutorul</a:t>
+            </a:r>
+            <a:r>
+              <a:rPr lang="en-US" sz="2400">
+                <a:latin typeface="Times New Roman"/>
+                <a:cs typeface="Times New Roman"/>
+              </a:rPr>
+              <a:t> </a:t>
+            </a:r>
+            <a:r>
+              <a:rPr lang="en-US" sz="2400" err="1">
+                <a:latin typeface="Times New Roman"/>
+                <a:cs typeface="Times New Roman"/>
+              </a:rPr>
+              <a:t>utilizatorilor</a:t>
+            </a:r>
+            <a:r>
+              <a:rPr lang="en-US" sz="2400">
+                <a:latin typeface="Times New Roman"/>
+                <a:cs typeface="Times New Roman"/>
+              </a:rPr>
+              <a:t>, </a:t>
+            </a:r>
+            <a:r>
+              <a:rPr lang="en-US" sz="2400" err="1">
+                <a:latin typeface="Times New Roman"/>
+                <a:cs typeface="Times New Roman"/>
+              </a:rPr>
+              <a:t>automatizând</a:t>
+            </a:r>
+            <a:r>
+              <a:rPr lang="en-US" sz="2400">
+                <a:latin typeface="Times New Roman"/>
+                <a:cs typeface="Times New Roman"/>
+              </a:rPr>
+              <a:t> un </a:t>
+            </a:r>
+            <a:r>
+              <a:rPr lang="en-US" sz="2400" err="1">
                 <a:latin typeface="Times New Roman"/>
                 <a:cs typeface="Times New Roman"/>
               </a:rPr>
               <a:t>proces</a:t>
             </a:r>
             <a:r>
-              <a:rPr lang="en-US" sz="2400" dirty="0">
-                <a:latin typeface="Times New Roman"/>
-                <a:cs typeface="Times New Roman"/>
-              </a:rPr>
-              <a:t> </a:t>
-            </a:r>
-            <a:r>
-              <a:rPr lang="en-US" sz="2400" dirty="0" err="1">
-                <a:latin typeface="Times New Roman"/>
-                <a:cs typeface="Times New Roman"/>
-              </a:rPr>
-              <a:t>automatizat</a:t>
-            </a:r>
-            <a:r>
-              <a:rPr lang="en-US" sz="2400" dirty="0">
-                <a:latin typeface="Times New Roman"/>
-                <a:cs typeface="Times New Roman"/>
-              </a:rPr>
-              <a:t> </a:t>
-            </a:r>
-            <a:r>
-              <a:rPr lang="en-US" sz="2400" dirty="0" err="1">
+              <a:rPr lang="en-US" sz="2400">
+                <a:latin typeface="Times New Roman"/>
+                <a:cs typeface="Times New Roman"/>
+              </a:rPr>
+              <a:t> care </a:t>
+            </a:r>
+            <a:r>
+              <a:rPr lang="en-US" sz="2400" err="1">
+                <a:latin typeface="Times New Roman"/>
+                <a:cs typeface="Times New Roman"/>
+              </a:rPr>
+              <a:t>poate</a:t>
+            </a:r>
+            <a:r>
+              <a:rPr lang="en-US" sz="2400">
+                <a:latin typeface="Times New Roman"/>
+                <a:cs typeface="Times New Roman"/>
+              </a:rPr>
+              <a:t> fi </a:t>
+            </a:r>
+            <a:r>
+              <a:rPr lang="en-US" sz="2400" err="1">
+                <a:latin typeface="Times New Roman"/>
+                <a:cs typeface="Times New Roman"/>
+              </a:rPr>
+              <a:t>costisitor</a:t>
+            </a:r>
+            <a:r>
+              <a:rPr lang="en-US" sz="2400">
+                <a:latin typeface="Times New Roman"/>
+                <a:cs typeface="Times New Roman"/>
+              </a:rPr>
+              <a:t> </a:t>
+            </a:r>
+            <a:r>
+              <a:rPr lang="en-US" sz="2400" err="1">
+                <a:latin typeface="Times New Roman"/>
+                <a:cs typeface="Times New Roman"/>
+              </a:rPr>
+              <a:t>în</a:t>
+            </a:r>
+            <a:r>
+              <a:rPr lang="en-US" sz="2400">
+                <a:latin typeface="Times New Roman"/>
+                <a:cs typeface="Times New Roman"/>
+              </a:rPr>
+              <a:t> </a:t>
+            </a:r>
+            <a:r>
+              <a:rPr lang="en-US" sz="2400" err="1">
+                <a:latin typeface="Times New Roman"/>
+                <a:cs typeface="Times New Roman"/>
+              </a:rPr>
+              <a:t>privința</a:t>
+            </a:r>
+            <a:r>
+              <a:rPr lang="en-US" sz="2400">
+                <a:latin typeface="Times New Roman"/>
+                <a:cs typeface="Times New Roman"/>
+              </a:rPr>
+              <a:t> </a:t>
+            </a:r>
+            <a:r>
+              <a:rPr lang="en-US" sz="2400" err="1">
+                <a:latin typeface="Times New Roman"/>
+                <a:cs typeface="Times New Roman"/>
+              </a:rPr>
+              <a:t>timpului</a:t>
+            </a:r>
+            <a:r>
+              <a:rPr lang="en-US" sz="2400">
+                <a:latin typeface="Times New Roman"/>
+                <a:cs typeface="Times New Roman"/>
+              </a:rPr>
+              <a:t> </a:t>
+            </a:r>
+            <a:r>
+              <a:rPr lang="en-US" sz="2400" err="1">
                 <a:latin typeface="Times New Roman"/>
                 <a:cs typeface="Times New Roman"/>
               </a:rPr>
               <a:t>si</a:t>
             </a:r>
             <a:r>
-              <a:rPr lang="en-US" sz="2400" dirty="0">
-                <a:latin typeface="Times New Roman"/>
-                <a:cs typeface="Times New Roman"/>
-              </a:rPr>
-              <a:t> </a:t>
-            </a:r>
-            <a:r>
-              <a:rPr lang="en-US" sz="2400" dirty="0" err="1">
-                <a:latin typeface="Times New Roman"/>
-                <a:cs typeface="Times New Roman"/>
-              </a:rPr>
-              <a:t>deployat</a:t>
-            </a:r>
-            <a:r>
-              <a:rPr lang="en-US" sz="2400" dirty="0">
-                <a:latin typeface="Times New Roman"/>
-                <a:cs typeface="Times New Roman"/>
-              </a:rPr>
-              <a:t> </a:t>
-            </a:r>
-            <a:r>
-              <a:rPr lang="en-US" sz="2400" dirty="0" err="1">
-                <a:latin typeface="Times New Roman"/>
-                <a:cs typeface="Times New Roman"/>
-              </a:rPr>
-              <a:t>pe</a:t>
-            </a:r>
-            <a:r>
-              <a:rPr lang="en-US" sz="2400" dirty="0">
-                <a:latin typeface="Times New Roman"/>
-                <a:cs typeface="Times New Roman"/>
-              </a:rPr>
-              <a:t> un server online</a:t>
-            </a:r>
-            <a:endParaRPr lang="en-US" sz="2400" dirty="0"/>
-          </a:p>
-          <a:p>
-            <a:pPr marL="171450" indent="-171450">
-              <a:buFont typeface="Wingdings" panose="05000000000000000000" pitchFamily="2" charset="2"/>
-              <a:buChar char="q"/>
-            </a:pPr>
-            <a:r>
-              <a:rPr lang="en-US" sz="2400" dirty="0">
-                <a:latin typeface="Times New Roman"/>
-                <a:cs typeface="Times New Roman"/>
-              </a:rPr>
-              <a:t> </a:t>
-            </a:r>
-            <a:r>
-              <a:rPr lang="en-US" sz="2400" dirty="0" err="1">
-                <a:latin typeface="Times New Roman"/>
-                <a:cs typeface="Times New Roman"/>
-              </a:rPr>
-              <a:t>Oferirea</a:t>
-            </a:r>
-            <a:r>
-              <a:rPr lang="en-US" sz="2400" dirty="0">
+              <a:rPr lang="en-US" sz="2400">
+                <a:latin typeface="Times New Roman"/>
+                <a:cs typeface="Times New Roman"/>
+              </a:rPr>
+              <a:t> </a:t>
+            </a:r>
+            <a:r>
+              <a:rPr lang="en-US" sz="2400" err="1">
+                <a:latin typeface="Times New Roman"/>
+                <a:cs typeface="Times New Roman"/>
+              </a:rPr>
+              <a:t>oferă</a:t>
+            </a:r>
+            <a:r>
+              <a:rPr lang="en-US" sz="2400">
+                <a:latin typeface="Times New Roman"/>
+                <a:cs typeface="Times New Roman"/>
+              </a:rPr>
+              <a:t> </a:t>
+            </a:r>
+            <a:r>
+              <a:rPr lang="en-US" sz="2400" err="1">
+                <a:latin typeface="Times New Roman"/>
+                <a:cs typeface="Times New Roman"/>
+              </a:rPr>
+              <a:t>acestora</a:t>
+            </a:r>
+            <a:r>
+              <a:rPr lang="en-US" sz="2400">
+                <a:latin typeface="Times New Roman"/>
+                <a:cs typeface="Times New Roman"/>
+              </a:rPr>
+              <a:t> o </a:t>
+            </a:r>
+            <a:r>
+              <a:rPr lang="en-US" sz="2400" err="1">
+                <a:latin typeface="Times New Roman"/>
+                <a:cs typeface="Times New Roman"/>
+              </a:rPr>
+              <a:t>experiență</a:t>
+            </a:r>
+            <a:r>
+              <a:rPr lang="en-US" sz="2400">
+                <a:latin typeface="Times New Roman"/>
+                <a:cs typeface="Times New Roman"/>
+              </a:rPr>
+              <a:t> </a:t>
+            </a:r>
+            <a:r>
+              <a:rPr lang="en-US" sz="2400" err="1">
+                <a:latin typeface="Times New Roman"/>
+                <a:cs typeface="Times New Roman"/>
+              </a:rPr>
+              <a:t>plăcută</a:t>
+            </a:r>
+            <a:r>
+              <a:rPr lang="en-US" sz="2400">
+                <a:latin typeface="Times New Roman"/>
+                <a:cs typeface="Times New Roman"/>
+              </a:rPr>
+              <a:t>, </a:t>
+            </a:r>
+            <a:r>
+              <a:rPr lang="en-US" sz="2400" err="1">
+                <a:latin typeface="Times New Roman"/>
+                <a:cs typeface="Times New Roman"/>
+              </a:rPr>
+              <a:t>atât</a:t>
+            </a:r>
+            <a:r>
+              <a:rPr lang="en-US" sz="2400">
+                <a:latin typeface="Times New Roman"/>
+                <a:cs typeface="Times New Roman"/>
+              </a:rPr>
+              <a:t> </a:t>
+            </a:r>
+            <a:r>
+              <a:rPr lang="en-US" sz="2400" err="1">
+                <a:latin typeface="Times New Roman"/>
+                <a:cs typeface="Times New Roman"/>
+              </a:rPr>
+              <a:t>datorită</a:t>
+            </a:r>
+            <a:r>
+              <a:rPr lang="en-US" sz="2400">
+                <a:latin typeface="Times New Roman"/>
+                <a:cs typeface="Times New Roman"/>
+              </a:rPr>
+              <a:t> </a:t>
+            </a:r>
+            <a:r>
+              <a:rPr lang="en-US" sz="2400" err="1">
+                <a:latin typeface="Times New Roman"/>
+                <a:cs typeface="Times New Roman"/>
+              </a:rPr>
+              <a:t>sugestiilor</a:t>
+            </a:r>
+            <a:r>
+              <a:rPr lang="en-US" sz="2400">
+                <a:latin typeface="Times New Roman"/>
+                <a:cs typeface="Times New Roman"/>
+              </a:rPr>
+              <a:t> pe care </a:t>
+            </a:r>
+            <a:r>
+              <a:rPr lang="en-US" sz="2400" err="1">
+                <a:latin typeface="Times New Roman"/>
+                <a:cs typeface="Times New Roman"/>
+              </a:rPr>
+              <a:t>aceasta</a:t>
+            </a:r>
+            <a:r>
+              <a:rPr lang="en-US" sz="2400">
+                <a:latin typeface="Times New Roman"/>
+                <a:cs typeface="Times New Roman"/>
+              </a:rPr>
+              <a:t> le </a:t>
+            </a:r>
+            <a:r>
+              <a:rPr lang="en-US" sz="2400" err="1">
+                <a:latin typeface="Times New Roman"/>
+                <a:cs typeface="Times New Roman"/>
+              </a:rPr>
+              <a:t>oferă</a:t>
+            </a:r>
+            <a:r>
+              <a:rPr lang="en-US" sz="2400">
+                <a:latin typeface="Times New Roman"/>
+                <a:cs typeface="Times New Roman"/>
+              </a:rPr>
+              <a:t>, </a:t>
+            </a:r>
+            <a:r>
+              <a:rPr lang="en-US" sz="2400" err="1">
+                <a:latin typeface="Times New Roman"/>
+                <a:cs typeface="Times New Roman"/>
+              </a:rPr>
+              <a:t>cât</a:t>
+            </a:r>
+            <a:r>
+              <a:rPr lang="en-US" sz="2400">
+                <a:latin typeface="Times New Roman"/>
+                <a:cs typeface="Times New Roman"/>
+              </a:rPr>
+              <a:t> </a:t>
+            </a:r>
+            <a:r>
+              <a:rPr lang="en-US" sz="2400" err="1">
+                <a:latin typeface="Times New Roman"/>
+                <a:cs typeface="Times New Roman"/>
+              </a:rPr>
+              <a:t>și</a:t>
+            </a:r>
+            <a:r>
+              <a:rPr lang="en-US" sz="2400">
+                <a:latin typeface="Times New Roman"/>
+                <a:cs typeface="Times New Roman"/>
+              </a:rPr>
+              <a:t> </a:t>
+            </a:r>
+            <a:r>
+              <a:rPr lang="en-US" sz="2400" err="1">
+                <a:latin typeface="Times New Roman"/>
+                <a:cs typeface="Times New Roman"/>
+              </a:rPr>
+              <a:t>datorită</a:t>
+            </a:r>
+            <a:r>
+              <a:rPr lang="en-US" sz="2400">
+                <a:latin typeface="Times New Roman"/>
+                <a:cs typeface="Times New Roman"/>
+              </a:rPr>
+              <a:t> </a:t>
+            </a:r>
+            <a:r>
+              <a:rPr lang="en-US" sz="2400" err="1">
+                <a:latin typeface="Times New Roman"/>
+                <a:cs typeface="Times New Roman"/>
+              </a:rPr>
+              <a:t>predicțiilor</a:t>
+            </a:r>
+            <a:r>
+              <a:rPr lang="en-US" sz="2400">
+                <a:latin typeface="Times New Roman"/>
+                <a:cs typeface="Times New Roman"/>
+              </a:rPr>
+              <a:t> </a:t>
+            </a:r>
+            <a:r>
+              <a:rPr lang="en-US" sz="2400" err="1">
+                <a:latin typeface="Times New Roman"/>
+                <a:cs typeface="Times New Roman"/>
+              </a:rPr>
+              <a:t>pentru</a:t>
+            </a:r>
+            <a:r>
+              <a:rPr lang="en-US" sz="2400">
+                <a:latin typeface="Times New Roman"/>
+                <a:cs typeface="Times New Roman"/>
+              </a:rPr>
+              <a:t> </a:t>
+            </a:r>
+            <a:r>
+              <a:rPr lang="en-US" sz="2400" err="1">
+                <a:latin typeface="Times New Roman"/>
+                <a:cs typeface="Times New Roman"/>
+              </a:rPr>
+              <a:t>următoarele</a:t>
+            </a:r>
+            <a:r>
+              <a:rPr lang="en-US" sz="2400">
+                <a:latin typeface="Times New Roman"/>
+                <a:cs typeface="Times New Roman"/>
+              </a:rPr>
+              <a:t> </a:t>
+            </a:r>
+            <a:r>
+              <a:rPr lang="en-US" sz="2400" err="1">
+                <a:latin typeface="Times New Roman"/>
+                <a:cs typeface="Times New Roman"/>
+              </a:rPr>
+              <a:t>valori</a:t>
+            </a:r>
+            <a:r>
+              <a:rPr lang="en-US" sz="2400">
+                <a:latin typeface="Times New Roman"/>
+                <a:cs typeface="Times New Roman"/>
+              </a:rPr>
+              <a:t> ale </a:t>
+            </a:r>
+            <a:r>
+              <a:rPr lang="en-US" sz="2400" err="1">
+                <a:latin typeface="Times New Roman"/>
+                <a:cs typeface="Times New Roman"/>
+              </a:rPr>
+              <a:t>monedei</a:t>
+            </a:r>
+            <a:r>
+              <a:rPr lang="en-US" sz="2400">
+                <a:latin typeface="Times New Roman"/>
+                <a:cs typeface="Times New Roman"/>
+              </a:rPr>
+              <a:t>.</a:t>
+            </a:r>
+          </a:p>
+          <a:p>
+            <a:r>
+              <a:rPr lang="en-US" sz="2400">
+                <a:latin typeface="Times New Roman"/>
+                <a:cs typeface="Times New Roman"/>
+              </a:rPr>
+              <a:t>           Un flow end-to-end care </a:t>
+            </a:r>
+            <a:r>
+              <a:rPr lang="en-US" sz="2400" err="1">
+                <a:latin typeface="Times New Roman"/>
+                <a:cs typeface="Times New Roman"/>
+              </a:rPr>
+              <a:t>pleacă</a:t>
+            </a:r>
+            <a:r>
+              <a:rPr lang="en-US" sz="2400">
+                <a:latin typeface="Times New Roman"/>
+                <a:cs typeface="Times New Roman"/>
+              </a:rPr>
+              <a:t> de la </a:t>
+            </a:r>
+            <a:r>
+              <a:rPr lang="en-US" sz="2400" err="1">
+                <a:latin typeface="Times New Roman"/>
+                <a:cs typeface="Times New Roman"/>
+              </a:rPr>
+              <a:t>interacțiunea</a:t>
+            </a:r>
+            <a:r>
+              <a:rPr lang="en-US" sz="2400">
+                <a:latin typeface="Times New Roman"/>
+                <a:cs typeface="Times New Roman"/>
+              </a:rPr>
+              <a:t> </a:t>
+            </a:r>
+            <a:r>
+              <a:rPr lang="en-US" sz="2400" err="1">
+                <a:latin typeface="Times New Roman"/>
+                <a:cs typeface="Times New Roman"/>
+              </a:rPr>
+              <a:t>utilizatorilor</a:t>
+            </a:r>
+            <a:r>
+              <a:rPr lang="en-US" sz="2400">
+                <a:latin typeface="Times New Roman"/>
+                <a:cs typeface="Times New Roman"/>
+              </a:rPr>
+              <a:t> cu </a:t>
+            </a:r>
+            <a:r>
+              <a:rPr lang="en-US" sz="2400" err="1">
+                <a:latin typeface="Times New Roman"/>
+                <a:cs typeface="Times New Roman"/>
+              </a:rPr>
+              <a:t>aplicația</a:t>
+            </a:r>
+            <a:r>
+              <a:rPr lang="en-US" sz="2400">
+                <a:latin typeface="Times New Roman"/>
+                <a:cs typeface="Times New Roman"/>
+              </a:rPr>
+              <a:t> </a:t>
+            </a:r>
+            <a:r>
+              <a:rPr lang="en-US" sz="2400" err="1">
+                <a:latin typeface="Times New Roman"/>
+                <a:cs typeface="Times New Roman"/>
+              </a:rPr>
+              <a:t>până</a:t>
+            </a:r>
+            <a:r>
+              <a:rPr lang="en-US" sz="2400">
+                <a:latin typeface="Times New Roman"/>
+                <a:cs typeface="Times New Roman"/>
+              </a:rPr>
+              <a:t> la </a:t>
+            </a:r>
+            <a:r>
+              <a:rPr lang="en-US" sz="2400" err="1">
+                <a:latin typeface="Times New Roman"/>
+                <a:cs typeface="Times New Roman"/>
+              </a:rPr>
+              <a:t>componente</a:t>
+            </a:r>
+            <a:r>
+              <a:rPr lang="en-US" sz="2400">
+                <a:latin typeface="Times New Roman"/>
+                <a:cs typeface="Times New Roman"/>
+              </a:rPr>
+              <a:t> care </a:t>
+            </a:r>
+            <a:r>
+              <a:rPr lang="en-US" sz="2400" err="1">
+                <a:latin typeface="Times New Roman"/>
+                <a:cs typeface="Times New Roman"/>
+              </a:rPr>
+              <a:t>includ</a:t>
+            </a:r>
+            <a:r>
+              <a:rPr lang="en-US" sz="2400">
+                <a:latin typeface="Times New Roman"/>
+                <a:cs typeface="Times New Roman"/>
+              </a:rPr>
+              <a:t> </a:t>
+            </a:r>
+            <a:r>
+              <a:rPr lang="en-US" sz="2400" err="1">
+                <a:latin typeface="Times New Roman"/>
+                <a:cs typeface="Times New Roman"/>
+              </a:rPr>
+              <a:t>servere</a:t>
+            </a:r>
+            <a:r>
+              <a:rPr lang="en-US" sz="2400">
+                <a:latin typeface="Times New Roman"/>
+                <a:cs typeface="Times New Roman"/>
+              </a:rPr>
+              <a:t> online </a:t>
+            </a:r>
+            <a:r>
+              <a:rPr lang="en-US" sz="2400" err="1">
+                <a:latin typeface="Times New Roman"/>
+                <a:cs typeface="Times New Roman"/>
+              </a:rPr>
+              <a:t>și</a:t>
+            </a:r>
+            <a:r>
+              <a:rPr lang="en-US" sz="2400">
+                <a:latin typeface="Times New Roman"/>
+                <a:cs typeface="Times New Roman"/>
+              </a:rPr>
+              <a:t> 3-party-uri </a:t>
+            </a:r>
+            <a:r>
+              <a:rPr lang="en-US" sz="2400" err="1">
+                <a:latin typeface="Times New Roman"/>
+                <a:cs typeface="Times New Roman"/>
+              </a:rPr>
+              <a:t>pentru</a:t>
+            </a:r>
+            <a:r>
+              <a:rPr lang="en-US" sz="2400">
+                <a:latin typeface="Times New Roman"/>
+                <a:cs typeface="Times New Roman"/>
+              </a:rPr>
+              <a:t> </a:t>
+            </a:r>
+            <a:r>
+              <a:rPr lang="en-US" sz="2400" err="1">
+                <a:latin typeface="Times New Roman"/>
+                <a:cs typeface="Times New Roman"/>
+              </a:rPr>
+              <a:t>trimiterea</a:t>
+            </a:r>
+            <a:r>
+              <a:rPr lang="en-US" sz="2400">
                 <a:latin typeface="Times New Roman"/>
                 <a:cs typeface="Times New Roman"/>
               </a:rPr>
               <a:t> de </a:t>
             </a:r>
             <a:r>
-              <a:rPr lang="en-US" sz="2400" dirty="0" err="1">
-                <a:latin typeface="Times New Roman"/>
-                <a:cs typeface="Times New Roman"/>
-              </a:rPr>
-              <a:t>sugestii</a:t>
-            </a:r>
-            <a:r>
-              <a:rPr lang="en-US" sz="2400" dirty="0">
-                <a:latin typeface="Times New Roman"/>
-                <a:cs typeface="Times New Roman"/>
-              </a:rPr>
-              <a:t> </a:t>
-            </a:r>
-            <a:r>
-              <a:rPr lang="en-US" sz="2400" dirty="0" err="1">
-                <a:latin typeface="Times New Roman"/>
-                <a:cs typeface="Times New Roman"/>
-              </a:rPr>
-              <a:t>pentru</a:t>
-            </a:r>
-            <a:r>
-              <a:rPr lang="en-US" sz="2400" dirty="0">
-                <a:latin typeface="Times New Roman"/>
-                <a:cs typeface="Times New Roman"/>
-              </a:rPr>
-              <a:t> </a:t>
-            </a:r>
-            <a:r>
-              <a:rPr lang="en-US" sz="2400" dirty="0" err="1">
-                <a:latin typeface="Times New Roman"/>
-                <a:cs typeface="Times New Roman"/>
-              </a:rPr>
-              <a:t>investitii</a:t>
-            </a:r>
-            <a:endParaRPr lang="en-US" sz="2400" dirty="0">
+              <a:rPr lang="en-US" sz="2400" err="1">
+                <a:latin typeface="Times New Roman"/>
+                <a:cs typeface="Times New Roman"/>
+              </a:rPr>
+              <a:t>emailuri</a:t>
+            </a:r>
+            <a:r>
+              <a:rPr lang="en-US" sz="2400">
+                <a:latin typeface="Times New Roman"/>
+                <a:cs typeface="Times New Roman"/>
+              </a:rPr>
+              <a:t>.</a:t>
+            </a:r>
+            <a:br>
+              <a:rPr lang="en-US"/>
+            </a:br>
+            <a:endParaRPr lang="en-US">
+              <a:cs typeface="Segoe UI"/>
+            </a:endParaRPr>
+          </a:p>
+          <a:p>
+            <a:endParaRPr lang="en-US" sz="2400">
               <a:latin typeface="Times New Roman"/>
               <a:cs typeface="Times New Roman"/>
             </a:endParaRPr>
           </a:p>
           <a:p>
-            <a:pPr marL="171450" indent="-171450">
-              <a:buFont typeface="Wingdings" panose="05000000000000000000" pitchFamily="2" charset="2"/>
-              <a:buChar char="q"/>
-            </a:pPr>
-            <a:r>
-              <a:rPr lang="en-US" sz="2400" dirty="0">
-                <a:latin typeface="Times New Roman"/>
-                <a:cs typeface="Times New Roman"/>
-              </a:rPr>
-              <a:t> O </a:t>
-            </a:r>
-            <a:r>
-              <a:rPr lang="en-US" sz="2400" dirty="0" err="1">
-                <a:latin typeface="Times New Roman"/>
-                <a:cs typeface="Times New Roman"/>
-              </a:rPr>
-              <a:t>interfata</a:t>
-            </a:r>
-            <a:r>
-              <a:rPr lang="en-US" sz="2400" dirty="0">
-                <a:latin typeface="Times New Roman"/>
-                <a:cs typeface="Times New Roman"/>
-              </a:rPr>
-              <a:t> </a:t>
-            </a:r>
-            <a:r>
-              <a:rPr lang="en-US" sz="2400" dirty="0" err="1">
-                <a:latin typeface="Times New Roman"/>
-                <a:cs typeface="Times New Roman"/>
-              </a:rPr>
-              <a:t>foarte</a:t>
-            </a:r>
-            <a:r>
-              <a:rPr lang="en-US" sz="2400" dirty="0">
-                <a:latin typeface="Times New Roman"/>
-                <a:cs typeface="Times New Roman"/>
-              </a:rPr>
-              <a:t> </a:t>
-            </a:r>
-            <a:r>
-              <a:rPr lang="en-US" sz="2400" dirty="0" err="1">
-                <a:latin typeface="Times New Roman"/>
-                <a:cs typeface="Times New Roman"/>
-              </a:rPr>
-              <a:t>intuitiva</a:t>
-            </a:r>
-            <a:r>
-              <a:rPr lang="en-US" sz="2400" dirty="0">
-                <a:latin typeface="Times New Roman"/>
-                <a:cs typeface="Times New Roman"/>
-              </a:rPr>
-              <a:t> </a:t>
-            </a:r>
-            <a:r>
-              <a:rPr lang="en-US" sz="2400" dirty="0" err="1">
-                <a:latin typeface="Times New Roman"/>
-                <a:cs typeface="Times New Roman"/>
-              </a:rPr>
-              <a:t>si</a:t>
-            </a:r>
-            <a:r>
-              <a:rPr lang="en-US" sz="2400" dirty="0">
-                <a:latin typeface="Times New Roman"/>
-                <a:cs typeface="Times New Roman"/>
-              </a:rPr>
-              <a:t> </a:t>
-            </a:r>
-            <a:r>
-              <a:rPr lang="en-US" sz="2400" dirty="0" err="1">
-                <a:latin typeface="Times New Roman"/>
-                <a:cs typeface="Times New Roman"/>
-              </a:rPr>
-              <a:t>usor</a:t>
-            </a:r>
-            <a:r>
-              <a:rPr lang="en-US" sz="2400" dirty="0">
-                <a:latin typeface="Times New Roman"/>
-                <a:cs typeface="Times New Roman"/>
-              </a:rPr>
-              <a:t> de </a:t>
-            </a:r>
-            <a:r>
-              <a:rPr lang="en-US" sz="2400" dirty="0" err="1">
-                <a:latin typeface="Times New Roman"/>
-                <a:cs typeface="Times New Roman"/>
-              </a:rPr>
-              <a:t>utilizat</a:t>
-            </a:r>
-            <a:r>
-              <a:rPr lang="en-US" sz="2400" dirty="0">
-                <a:latin typeface="Times New Roman"/>
-                <a:cs typeface="Times New Roman"/>
-              </a:rPr>
-              <a:t> </a:t>
-            </a:r>
-            <a:endParaRPr lang="en-US" sz="2400" dirty="0">
-              <a:cs typeface="Segoe UI"/>
-            </a:endParaRPr>
-          </a:p>
-          <a:p>
-            <a:pPr marL="171450" indent="-171450">
-              <a:buFont typeface="Wingdings" panose="05000000000000000000" pitchFamily="2" charset="2"/>
-              <a:buChar char="q"/>
-            </a:pPr>
-            <a:r>
-              <a:rPr lang="en-US" sz="2400" dirty="0">
-                <a:latin typeface="Times New Roman"/>
-                <a:cs typeface="Times New Roman"/>
-              </a:rPr>
-              <a:t> Un </a:t>
-            </a:r>
-            <a:r>
-              <a:rPr lang="en-US" sz="2400" dirty="0" err="1">
-                <a:latin typeface="Times New Roman"/>
-                <a:cs typeface="Times New Roman"/>
-              </a:rPr>
-              <a:t>algoritm</a:t>
-            </a:r>
-            <a:r>
-              <a:rPr lang="en-US" sz="2400" dirty="0">
-                <a:latin typeface="Times New Roman"/>
-                <a:cs typeface="Times New Roman"/>
-              </a:rPr>
-              <a:t> de machine learning </a:t>
-            </a:r>
-            <a:r>
-              <a:rPr lang="en-US" sz="2400" dirty="0" err="1">
-                <a:latin typeface="Times New Roman"/>
-                <a:cs typeface="Times New Roman"/>
-              </a:rPr>
-              <a:t>pentru</a:t>
-            </a:r>
-            <a:r>
-              <a:rPr lang="en-US" sz="2400" dirty="0">
-                <a:latin typeface="Times New Roman"/>
-                <a:cs typeface="Times New Roman"/>
-              </a:rPr>
-              <a:t> </a:t>
-            </a:r>
-            <a:r>
-              <a:rPr lang="en-US" sz="2400" dirty="0" err="1">
-                <a:latin typeface="Times New Roman"/>
-                <a:cs typeface="Times New Roman"/>
-              </a:rPr>
-              <a:t>predictii</a:t>
-            </a:r>
-            <a:endParaRPr lang="en-US" sz="2400" dirty="0"/>
-          </a:p>
-          <a:p>
-            <a:endParaRPr lang="en-US" dirty="0">
-              <a:latin typeface="Times New Roman" panose="02020603050405020304" pitchFamily="18" charset="0"/>
-              <a:cs typeface="Times New Roman" panose="02020603050405020304" pitchFamily="18" charset="0"/>
-            </a:endParaRPr>
+            <a:br>
+              <a:rPr lang="en-US" sz="2000"/>
+            </a:br>
+            <a:endParaRPr lang="en-US" sz="2000"/>
           </a:p>
         </p:txBody>
       </p:sp>
     </p:spTree>
     <p:extLst>
       <p:ext uri="{BB962C8B-B14F-4D97-AF65-F5344CB8AC3E}">
-        <p14:creationId xmlns:p14="http://schemas.microsoft.com/office/powerpoint/2010/main" val="1888611235"/>
+        <p14:creationId xmlns:p14="http://schemas.microsoft.com/office/powerpoint/2010/main" val="2152706768"/>
       </p:ext>
     </p:extLst>
   </p:cSld>
@@ -3160,27 +3476,27 @@
           <a:lstStyle/>
           <a:p>
             <a:r>
-              <a:rPr lang="en-US" sz="3600" b="1" dirty="0" err="1">
-                <a:latin typeface="Times New Roman" panose="02020603050405020304" pitchFamily="18" charset="0"/>
-                <a:cs typeface="Times New Roman" panose="02020603050405020304" pitchFamily="18" charset="0"/>
+              <a:rPr lang="en-US" sz="3600" b="1" err="1">
+                <a:latin typeface="Times New Roman"/>
+                <a:cs typeface="Times New Roman"/>
               </a:rPr>
               <a:t>Dezvoltare</a:t>
             </a:r>
             <a:r>
-              <a:rPr lang="en-US" sz="3600" b="1" dirty="0">
-                <a:latin typeface="Times New Roman" panose="02020603050405020304" pitchFamily="18" charset="0"/>
-                <a:cs typeface="Times New Roman" panose="02020603050405020304" pitchFamily="18" charset="0"/>
-              </a:rPr>
-              <a:t> </a:t>
-            </a:r>
-            <a:r>
-              <a:rPr lang="en-US" sz="3600" b="1" dirty="0" err="1">
-                <a:latin typeface="Times New Roman" panose="02020603050405020304" pitchFamily="18" charset="0"/>
-                <a:cs typeface="Times New Roman" panose="02020603050405020304" pitchFamily="18" charset="0"/>
-              </a:rPr>
-              <a:t>ulterioara</a:t>
-            </a:r>
-            <a:endParaRPr lang="en-US" sz="3600" b="1" dirty="0">
+              <a:rPr lang="en-US" sz="3600" b="1">
+                <a:latin typeface="Times New Roman"/>
+                <a:cs typeface="Times New Roman"/>
+              </a:rPr>
+              <a:t> </a:t>
+            </a:r>
+            <a:r>
+              <a:rPr lang="en-US" sz="3600" b="1" err="1">
+                <a:latin typeface="Times New Roman"/>
+                <a:cs typeface="Times New Roman"/>
+              </a:rPr>
+              <a:t>actuală</a:t>
+            </a:r>
+            <a:endParaRPr lang="en-US" sz="3600" b="1" err="1">
               <a:latin typeface="Times New Roman" panose="02020603050405020304" pitchFamily="18" charset="0"/>
               <a:cs typeface="Times New Roman" panose="02020603050405020304" pitchFamily="18" charset="0"/>
             </a:endParaRPr>
@@ -3199,178 +3515,146 @@
         </p:nvSpPr>
         <p:spPr>
           <a:xfrm>
-            <a:off x="521207" y="1675222"/>
-            <a:ext cx="11112573" cy="3362816"/>
+            <a:off x="521207" y="1528457"/>
+            <a:ext cx="10929693" cy="4338175"/>
           </a:xfrm>
         </p:spPr>
         <p:txBody>
-          <a:bodyPr>
+          <a:bodyPr vert="horz" lIns="91440" tIns="45720" rIns="91440" bIns="45720" rtlCol="0" anchor="t">
             <a:normAutofit/>
           </a:bodyPr>
           <a:lstStyle/>
+          <a:p>
+            <a:pPr marL="171450" indent="-171450" fontAlgn="base">
+              <a:buFont typeface="Wingdings" panose="05000000000000000000" pitchFamily="2" charset="2"/>
+              <a:buChar char="q"/>
+            </a:pPr>
+            <a:r>
+              <a:rPr lang="en-US" sz="2400">
+                <a:latin typeface="Times New Roman"/>
+                <a:cs typeface="Times New Roman"/>
+              </a:rPr>
+              <a:t> Un </a:t>
+            </a:r>
+            <a:r>
+              <a:rPr lang="en-US" sz="2400" err="1">
+                <a:latin typeface="Times New Roman"/>
+                <a:cs typeface="Times New Roman"/>
+              </a:rPr>
+              <a:t>proces</a:t>
+            </a:r>
+            <a:r>
+              <a:rPr lang="en-US" sz="2400">
+                <a:latin typeface="Times New Roman"/>
+                <a:cs typeface="Times New Roman"/>
+              </a:rPr>
+              <a:t> </a:t>
+            </a:r>
+            <a:r>
+              <a:rPr lang="en-US" sz="2400" err="1">
+                <a:latin typeface="Times New Roman"/>
+                <a:cs typeface="Times New Roman"/>
+              </a:rPr>
+              <a:t>automatizat</a:t>
+            </a:r>
+            <a:r>
+              <a:rPr lang="en-US" sz="2400">
+                <a:latin typeface="Times New Roman"/>
+                <a:cs typeface="Times New Roman"/>
+              </a:rPr>
+              <a:t> </a:t>
+            </a:r>
+            <a:r>
+              <a:rPr lang="en-US" sz="2400" err="1">
+                <a:latin typeface="Times New Roman"/>
+                <a:cs typeface="Times New Roman"/>
+              </a:rPr>
+              <a:t>si</a:t>
+            </a:r>
+            <a:r>
+              <a:rPr lang="en-US" sz="2400">
+                <a:latin typeface="Times New Roman"/>
+                <a:cs typeface="Times New Roman"/>
+              </a:rPr>
+              <a:t> </a:t>
+            </a:r>
+            <a:r>
+              <a:rPr lang="en-US" sz="2400" err="1">
+                <a:latin typeface="Times New Roman"/>
+                <a:cs typeface="Times New Roman"/>
+              </a:rPr>
+              <a:t>deployat</a:t>
+            </a:r>
+            <a:r>
+              <a:rPr lang="en-US" sz="2400">
+                <a:latin typeface="Times New Roman"/>
+                <a:cs typeface="Times New Roman"/>
+              </a:rPr>
+              <a:t> pe un server online</a:t>
+            </a:r>
+            <a:endParaRPr lang="en-US" sz="2400"/>
+          </a:p>
           <a:p>
             <a:pPr marL="171450" indent="-171450">
               <a:buFont typeface="Wingdings" panose="05000000000000000000" pitchFamily="2" charset="2"/>
               <a:buChar char="q"/>
             </a:pPr>
             <a:r>
-              <a:rPr lang="en-US" sz="2400" dirty="0">
-                <a:latin typeface="Times New Roman"/>
-                <a:cs typeface="Times New Roman"/>
-              </a:rPr>
-              <a:t> </a:t>
-            </a:r>
-            <a:r>
-              <a:rPr lang="en-US" sz="2400" dirty="0" err="1">
-                <a:latin typeface="Times New Roman"/>
-                <a:cs typeface="Times New Roman"/>
-              </a:rPr>
-              <a:t>Adaugarea</a:t>
-            </a:r>
-            <a:r>
-              <a:rPr lang="en-US" sz="2400" dirty="0">
-                <a:latin typeface="Times New Roman"/>
-                <a:cs typeface="Times New Roman"/>
-              </a:rPr>
-              <a:t> </a:t>
-            </a:r>
-            <a:r>
-              <a:rPr lang="en-US" sz="2400" dirty="0" err="1">
-                <a:latin typeface="Times New Roman"/>
-                <a:cs typeface="Times New Roman"/>
-              </a:rPr>
-              <a:t>unui</a:t>
-            </a:r>
-            <a:r>
-              <a:rPr lang="en-US" sz="2400" dirty="0">
-                <a:latin typeface="Times New Roman"/>
-                <a:cs typeface="Times New Roman"/>
-              </a:rPr>
-              <a:t> </a:t>
-            </a:r>
-            <a:r>
-              <a:rPr lang="en-US" sz="2400" dirty="0" err="1">
-                <a:latin typeface="Times New Roman"/>
-                <a:cs typeface="Times New Roman"/>
-              </a:rPr>
-              <a:t>nou</a:t>
-            </a:r>
-            <a:r>
-              <a:rPr lang="en-US" sz="2400" dirty="0">
-                <a:latin typeface="Times New Roman"/>
-                <a:cs typeface="Times New Roman"/>
-              </a:rPr>
-              <a:t> </a:t>
-            </a:r>
-            <a:r>
-              <a:rPr lang="en-US" sz="2400" dirty="0" err="1">
-                <a:latin typeface="Times New Roman"/>
-                <a:cs typeface="Times New Roman"/>
-              </a:rPr>
-              <a:t>algoritm</a:t>
-            </a:r>
-            <a:r>
-              <a:rPr lang="en-US" sz="2400" dirty="0">
-                <a:latin typeface="Times New Roman"/>
-                <a:cs typeface="Times New Roman"/>
-              </a:rPr>
-              <a:t> care </a:t>
-            </a:r>
-            <a:r>
-              <a:rPr lang="en-US" sz="2400" dirty="0" err="1">
-                <a:latin typeface="Times New Roman"/>
-                <a:cs typeface="Times New Roman"/>
-              </a:rPr>
-              <a:t>sa</a:t>
-            </a:r>
-            <a:r>
-              <a:rPr lang="en-US" sz="2400" dirty="0">
-                <a:latin typeface="Times New Roman"/>
-                <a:cs typeface="Times New Roman"/>
-              </a:rPr>
-              <a:t> </a:t>
-            </a:r>
-            <a:r>
-              <a:rPr lang="en-US" sz="2400" dirty="0" err="1">
-                <a:latin typeface="Times New Roman"/>
-                <a:cs typeface="Times New Roman"/>
-              </a:rPr>
-              <a:t>gaseasca</a:t>
-            </a:r>
-            <a:r>
-              <a:rPr lang="en-US" sz="2400" dirty="0">
-                <a:latin typeface="Times New Roman"/>
-                <a:cs typeface="Times New Roman"/>
-              </a:rPr>
-              <a:t> </a:t>
-            </a:r>
-            <a:r>
-              <a:rPr lang="en-US" sz="2400" dirty="0" err="1">
-                <a:latin typeface="Times New Roman"/>
-                <a:cs typeface="Times New Roman"/>
-              </a:rPr>
-              <a:t>cursul</a:t>
-            </a:r>
-            <a:r>
-              <a:rPr lang="en-US" sz="2400" dirty="0">
-                <a:latin typeface="Times New Roman"/>
-                <a:cs typeface="Times New Roman"/>
-              </a:rPr>
-              <a:t> </a:t>
-            </a:r>
-            <a:r>
-              <a:rPr lang="en-US" sz="2400" dirty="0" err="1">
-                <a:latin typeface="Times New Roman"/>
-                <a:cs typeface="Times New Roman"/>
-              </a:rPr>
-              <a:t>cel</a:t>
-            </a:r>
-            <a:r>
-              <a:rPr lang="en-US" sz="2400" dirty="0">
-                <a:latin typeface="Times New Roman"/>
-                <a:cs typeface="Times New Roman"/>
-              </a:rPr>
-              <a:t> </a:t>
-            </a:r>
-            <a:r>
-              <a:rPr lang="en-US" sz="2400" dirty="0" err="1">
-                <a:latin typeface="Times New Roman"/>
-                <a:cs typeface="Times New Roman"/>
-              </a:rPr>
-              <a:t>mai</a:t>
-            </a:r>
-            <a:r>
-              <a:rPr lang="en-US" sz="2400" dirty="0">
-                <a:latin typeface="Times New Roman"/>
-                <a:cs typeface="Times New Roman"/>
-              </a:rPr>
-              <a:t> benefic </a:t>
-            </a:r>
-            <a:r>
-              <a:rPr lang="en-US" sz="2400" dirty="0" err="1">
+              <a:rPr lang="en-US" sz="2400">
+                <a:latin typeface="Times New Roman"/>
+                <a:cs typeface="Times New Roman"/>
+              </a:rPr>
+              <a:t> </a:t>
+            </a:r>
+            <a:r>
+              <a:rPr lang="en-US" sz="2400" err="1">
+                <a:latin typeface="Times New Roman"/>
+                <a:cs typeface="Times New Roman"/>
+              </a:rPr>
+              <a:t>Oferirea</a:t>
+            </a:r>
+            <a:r>
+              <a:rPr lang="en-US" sz="2400">
+                <a:latin typeface="Times New Roman"/>
+                <a:cs typeface="Times New Roman"/>
+              </a:rPr>
+              <a:t> de </a:t>
+            </a:r>
+            <a:r>
+              <a:rPr lang="en-US" sz="2400" err="1">
+                <a:latin typeface="Times New Roman"/>
+                <a:cs typeface="Times New Roman"/>
+              </a:rPr>
+              <a:t>sugestii</a:t>
+            </a:r>
+            <a:r>
+              <a:rPr lang="en-US" sz="2400">
+                <a:latin typeface="Times New Roman"/>
+                <a:cs typeface="Times New Roman"/>
+              </a:rPr>
+              <a:t> </a:t>
+            </a:r>
+            <a:r>
+              <a:rPr lang="en-US" sz="2400" err="1">
                 <a:latin typeface="Times New Roman"/>
                 <a:cs typeface="Times New Roman"/>
               </a:rPr>
               <a:t>pentru</a:t>
             </a:r>
             <a:r>
-              <a:rPr lang="en-US" sz="2400" dirty="0">
-                <a:latin typeface="Times New Roman"/>
-                <a:cs typeface="Times New Roman"/>
-              </a:rPr>
-              <a:t> a face </a:t>
-            </a:r>
-            <a:r>
-              <a:rPr lang="en-US" sz="2400" dirty="0" err="1">
-                <a:latin typeface="Times New Roman"/>
-                <a:cs typeface="Times New Roman"/>
-              </a:rPr>
-              <a:t>tranzactiile</a:t>
-            </a:r>
-            <a:endParaRPr lang="en-US" sz="2400" dirty="0">
-              <a:latin typeface="Times New Roman"/>
-              <a:cs typeface="Times New Roman"/>
-            </a:endParaRPr>
+              <a:rPr lang="en-US" sz="2400">
+                <a:latin typeface="Times New Roman"/>
+                <a:cs typeface="Times New Roman"/>
+              </a:rPr>
+              <a:t> </a:t>
+            </a:r>
+            <a:r>
+              <a:rPr lang="en-US" sz="2400" err="1">
+                <a:latin typeface="Times New Roman"/>
+                <a:cs typeface="Times New Roman"/>
+              </a:rPr>
+              <a:t>investiții</a:t>
+            </a:r>
           </a:p>
           <a:p>
             <a:pPr marL="171450" indent="-171450">
@@ -3378,109 +3662,161 @@
               <a:buChar char="q"/>
             </a:pPr>
             <a:r>
-              <a:rPr lang="en-US" sz="2400" dirty="0">
+              <a:rPr lang="en-US" sz="2400">
+                <a:latin typeface="Times New Roman"/>
+                <a:cs typeface="Times New Roman"/>
+              </a:rPr>
+              <a:t> O </a:t>
+            </a:r>
+            <a:r>
+              <a:rPr lang="en-US" sz="2400" err="1">
+                <a:latin typeface="Times New Roman"/>
+                <a:cs typeface="Times New Roman"/>
+              </a:rPr>
+              <a:t>interfață</a:t>
+            </a:r>
+            <a:r>
+              <a:rPr lang="en-US" sz="2400">
+                <a:latin typeface="Times New Roman"/>
+                <a:cs typeface="Times New Roman"/>
+              </a:rPr>
+              <a:t> </a:t>
+            </a:r>
+            <a:r>
+              <a:rPr lang="en-US" sz="2400" err="1">
+                <a:latin typeface="Times New Roman"/>
+                <a:cs typeface="Times New Roman"/>
+              </a:rPr>
+              <a:t>foarte</a:t>
+            </a:r>
+            <a:r>
+              <a:rPr lang="en-US" sz="2400">
+                <a:latin typeface="Times New Roman"/>
+                <a:cs typeface="Times New Roman"/>
+              </a:rPr>
+              <a:t> </a:t>
+            </a:r>
+            <a:r>
+              <a:rPr lang="en-US" sz="2400" err="1">
+                <a:latin typeface="Times New Roman"/>
+                <a:cs typeface="Times New Roman"/>
+              </a:rPr>
+              <a:t>intuitivă</a:t>
+            </a:r>
+            <a:r>
+              <a:rPr lang="en-US" sz="2400">
+                <a:latin typeface="Times New Roman"/>
+                <a:cs typeface="Times New Roman"/>
+              </a:rPr>
+              <a:t> </a:t>
+            </a:r>
+            <a:r>
+              <a:rPr lang="en-US" sz="2400" err="1">
+                <a:latin typeface="Times New Roman"/>
+                <a:cs typeface="Times New Roman"/>
+              </a:rPr>
+              <a:t>și</a:t>
+            </a:r>
+            <a:r>
+              <a:rPr lang="en-US" sz="2400">
+                <a:latin typeface="Times New Roman"/>
+                <a:cs typeface="Times New Roman"/>
+              </a:rPr>
+              <a:t> </a:t>
+            </a:r>
+            <a:r>
+              <a:rPr lang="en-US" sz="2400" err="1">
+                <a:latin typeface="Times New Roman"/>
+                <a:cs typeface="Times New Roman"/>
+              </a:rPr>
+              <a:t>ușor</a:t>
+            </a:r>
+            <a:r>
+              <a:rPr lang="en-US" sz="2400">
+                <a:latin typeface="Times New Roman"/>
+                <a:cs typeface="Times New Roman"/>
+              </a:rPr>
+              <a:t> de </a:t>
+            </a:r>
+            <a:r>
+              <a:rPr lang="en-US" sz="2400" err="1">
+                <a:latin typeface="Times New Roman"/>
+                <a:cs typeface="Times New Roman"/>
+              </a:rPr>
+              <a:t>utilizat</a:t>
+            </a:r>
+            <a:r>
+              <a:rPr lang="en-US" sz="2400">
                 <a:latin typeface="Times New Roman"/>
                 <a:cs typeface="Times New Roman"/>
               </a:rPr>
               <a:t> </a:t>
             </a:r>
-            <a:r>
-              <a:rPr lang="en-US" sz="2400" dirty="0" err="1">
-                <a:latin typeface="Times New Roman"/>
-                <a:cs typeface="Times New Roman"/>
-              </a:rPr>
-              <a:t>Automatizarea</a:t>
-            </a:r>
-            <a:r>
-              <a:rPr lang="en-US" sz="2400" dirty="0">
-                <a:latin typeface="Times New Roman"/>
-                <a:cs typeface="Times New Roman"/>
-              </a:rPr>
-              <a:t> </a:t>
-            </a:r>
-            <a:r>
-              <a:rPr lang="en-US" sz="2400" dirty="0" err="1">
-                <a:latin typeface="Times New Roman"/>
-                <a:cs typeface="Times New Roman"/>
-              </a:rPr>
-              <a:t>completa</a:t>
-            </a:r>
-            <a:r>
-              <a:rPr lang="en-US" sz="2400" dirty="0">
-                <a:latin typeface="Times New Roman"/>
-                <a:cs typeface="Times New Roman"/>
-              </a:rPr>
-              <a:t> </a:t>
-            </a:r>
-            <a:r>
-              <a:rPr lang="en-US" sz="2400" dirty="0" err="1">
-                <a:latin typeface="Times New Roman"/>
-                <a:cs typeface="Times New Roman"/>
-              </a:rPr>
-              <a:t>incluzand</a:t>
-            </a:r>
-            <a:r>
-              <a:rPr lang="en-US" sz="2400" dirty="0">
-                <a:latin typeface="Times New Roman"/>
-                <a:cs typeface="Times New Roman"/>
-              </a:rPr>
-              <a:t> </a:t>
-            </a:r>
-            <a:r>
-              <a:rPr lang="en-US" sz="2400" dirty="0" err="1">
-                <a:latin typeface="Times New Roman"/>
-                <a:cs typeface="Times New Roman"/>
-              </a:rPr>
-              <a:t>si</a:t>
-            </a:r>
-            <a:r>
-              <a:rPr lang="en-US" sz="2400" dirty="0">
-                <a:latin typeface="Times New Roman"/>
-                <a:cs typeface="Times New Roman"/>
-              </a:rPr>
-              <a:t> </a:t>
-            </a:r>
-            <a:r>
-              <a:rPr lang="en-US" sz="2400" dirty="0" err="1">
-                <a:latin typeface="Times New Roman"/>
-                <a:cs typeface="Times New Roman"/>
-              </a:rPr>
-              <a:t>procesul</a:t>
-            </a:r>
-            <a:r>
-              <a:rPr lang="en-US" sz="2400" dirty="0">
-                <a:latin typeface="Times New Roman"/>
-                <a:cs typeface="Times New Roman"/>
-              </a:rPr>
-              <a:t> de </a:t>
-            </a:r>
-            <a:r>
-              <a:rPr lang="en-US" sz="2400" dirty="0" err="1">
-                <a:latin typeface="Times New Roman"/>
-                <a:cs typeface="Times New Roman"/>
-              </a:rPr>
-              <a:t>tranzactii</a:t>
-            </a:r>
-            <a:r>
-              <a:rPr lang="en-US" sz="2400" dirty="0">
-                <a:latin typeface="Times New Roman"/>
-                <a:cs typeface="Times New Roman"/>
-              </a:rPr>
-              <a:t> </a:t>
-            </a:r>
-          </a:p>
-          <a:p>
-            <a:br>
-              <a:rPr lang="en-US" dirty="0"/>
-            </a:br>
-            <a:endParaRPr lang="en-US" dirty="0"/>
+            <a:endParaRPr lang="en-US" sz="2400">
+              <a:cs typeface="Segoe UI"/>
+            </a:endParaRPr>
+          </a:p>
+          <a:p>
+            <a:pPr marL="171450" indent="-171450">
+              <a:buFont typeface="Wingdings" panose="05000000000000000000" pitchFamily="2" charset="2"/>
+              <a:buChar char="q"/>
+            </a:pPr>
+            <a:r>
+              <a:rPr lang="en-US" sz="2400">
+                <a:latin typeface="Times New Roman"/>
+                <a:cs typeface="Times New Roman"/>
+              </a:rPr>
+              <a:t> Un </a:t>
+            </a:r>
+            <a:r>
+              <a:rPr lang="en-US" sz="2400" err="1">
+                <a:latin typeface="Times New Roman"/>
+                <a:cs typeface="Times New Roman"/>
+              </a:rPr>
+              <a:t>algoritm</a:t>
+            </a:r>
+            <a:r>
+              <a:rPr lang="en-US" sz="2400">
+                <a:latin typeface="Times New Roman"/>
+                <a:cs typeface="Times New Roman"/>
+              </a:rPr>
+              <a:t> de machine learning </a:t>
+            </a:r>
+            <a:r>
+              <a:rPr lang="en-US" sz="2400" err="1">
+                <a:latin typeface="Times New Roman"/>
+                <a:cs typeface="Times New Roman"/>
+              </a:rPr>
+              <a:t>pentru</a:t>
+            </a:r>
+            <a:r>
+              <a:rPr lang="en-US" sz="2400">
+                <a:latin typeface="Times New Roman"/>
+                <a:cs typeface="Times New Roman"/>
+              </a:rPr>
+              <a:t> </a:t>
+            </a:r>
+            <a:r>
+              <a:rPr lang="en-US" sz="2400" err="1">
+                <a:latin typeface="Times New Roman"/>
+                <a:cs typeface="Times New Roman"/>
+              </a:rPr>
+              <a:t>predicții</a:t>
+            </a:r>
+            <a:endParaRPr lang="en-US" sz="2400" err="1"/>
+          </a:p>
+          <a:p>
+            <a:endParaRPr lang="en-US">
+              <a:latin typeface="Times New Roman" panose="02020603050405020304" pitchFamily="18" charset="0"/>
+              <a:cs typeface="Times New Roman" panose="02020603050405020304" pitchFamily="18" charset="0"/>
+            </a:endParaRPr>
           </a:p>
         </p:txBody>
       </p:sp>
     </p:spTree>
     <p:extLst>
       <p:ext uri="{BB962C8B-B14F-4D97-AF65-F5344CB8AC3E}">
-        <p14:creationId xmlns:p14="http://schemas.microsoft.com/office/powerpoint/2010/main" val="942888759"/>
+        <p14:creationId xmlns:p14="http://schemas.microsoft.com/office/powerpoint/2010/main" val="1888611235"/>
       </p:ext>
     </p:extLst>
   </p:cSld>
@@ -3525,7 +3861,368 @@
           <a:lstStyle/>
           <a:p>
             <a:r>
-              <a:rPr lang="en-US" sz="3600" dirty="0">
+              <a:rPr lang="en-US" sz="3600" b="1" err="1">
+                <a:latin typeface="Times New Roman"/>
+                <a:cs typeface="Times New Roman"/>
+              </a:rPr>
+              <a:t>Dezvoltare</a:t>
+            </a:r>
+            <a:r>
+              <a:rPr lang="en-US" sz="3600" b="1">
+                <a:latin typeface="Times New Roman"/>
+                <a:cs typeface="Times New Roman"/>
+              </a:rPr>
+              <a:t> </a:t>
+            </a:r>
+            <a:r>
+              <a:rPr lang="en-US" sz="3600" b="1" err="1">
+                <a:latin typeface="Times New Roman"/>
+                <a:cs typeface="Times New Roman"/>
+              </a:rPr>
+              <a:t>ulterioară</a:t>
+            </a:r>
+            <a:endParaRPr lang="en-US" sz="3600" b="1" err="1">
+              <a:latin typeface="Times New Roman" panose="02020603050405020304" pitchFamily="18" charset="0"/>
+              <a:cs typeface="Times New Roman" panose="02020603050405020304" pitchFamily="18" charset="0"/>
+            </a:endParaRPr>
+          </a:p>
+        </p:txBody>
+      </p:sp>
+      <p:sp>
+        <p:nvSpPr>
+          <p:cNvPr id="3" name="Content Placeholder 2"/>
+          <p:cNvSpPr>
+            <a:spLocks noGrp="1"/>
+          </p:cNvSpPr>
+          <p:nvPr>
+            <p:ph sz="quarter" idx="10"/>
+          </p:nvPr>
+        </p:nvSpPr>
+        <p:spPr>
+          <a:xfrm>
+            <a:off x="521207" y="1675222"/>
+            <a:ext cx="11112573" cy="3362816"/>
+          </a:xfrm>
+        </p:spPr>
+        <p:txBody>
+          <a:bodyPr vert="horz" lIns="91440" tIns="45720" rIns="91440" bIns="45720" rtlCol="0" anchor="t">
+            <a:normAutofit/>
+          </a:bodyPr>
+          <a:lstStyle/>
+          <a:p>
+            <a:pPr marL="171450" indent="-171450">
+              <a:buFont typeface="Wingdings" panose="05000000000000000000" pitchFamily="2" charset="2"/>
+              <a:buChar char="q"/>
+            </a:pPr>
+            <a:r>
+              <a:rPr lang="en-US" sz="2400">
+                <a:latin typeface="Times New Roman"/>
+                <a:cs typeface="Times New Roman"/>
+              </a:rPr>
+              <a:t> </a:t>
+            </a:r>
+            <a:r>
+              <a:rPr lang="en-US" sz="2400" err="1">
+                <a:latin typeface="Times New Roman"/>
+                <a:cs typeface="Times New Roman"/>
+              </a:rPr>
+              <a:t>Adăugarea</a:t>
+            </a:r>
+            <a:r>
+              <a:rPr lang="en-US" sz="2400">
+                <a:latin typeface="Times New Roman"/>
+                <a:cs typeface="Times New Roman"/>
+              </a:rPr>
+              <a:t> </a:t>
+            </a:r>
+            <a:r>
+              <a:rPr lang="en-US" sz="2400" err="1">
+                <a:latin typeface="Times New Roman"/>
+                <a:cs typeface="Times New Roman"/>
+              </a:rPr>
+              <a:t>unui</a:t>
+            </a:r>
+            <a:r>
+              <a:rPr lang="en-US" sz="2400">
+                <a:latin typeface="Times New Roman"/>
+                <a:cs typeface="Times New Roman"/>
+              </a:rPr>
+              <a:t> </a:t>
+            </a:r>
+            <a:r>
+              <a:rPr lang="en-US" sz="2400" err="1">
+                <a:latin typeface="Times New Roman"/>
+                <a:cs typeface="Times New Roman"/>
+              </a:rPr>
+              <a:t>nou</a:t>
+            </a:r>
+            <a:r>
+              <a:rPr lang="en-US" sz="2400">
+                <a:latin typeface="Times New Roman"/>
+                <a:cs typeface="Times New Roman"/>
+              </a:rPr>
+              <a:t> </a:t>
+            </a:r>
+            <a:r>
+              <a:rPr lang="en-US" sz="2400" err="1">
+                <a:latin typeface="Times New Roman"/>
+                <a:cs typeface="Times New Roman"/>
+              </a:rPr>
+              <a:t>algoritm</a:t>
+            </a:r>
+            <a:r>
+              <a:rPr lang="en-US" sz="2400">
+                <a:latin typeface="Times New Roman"/>
+                <a:cs typeface="Times New Roman"/>
+              </a:rPr>
+              <a:t> care </a:t>
+            </a:r>
+            <a:r>
+              <a:rPr lang="en-US" sz="2400" err="1">
+                <a:latin typeface="Times New Roman"/>
+                <a:cs typeface="Times New Roman"/>
+              </a:rPr>
+              <a:t>să</a:t>
+            </a:r>
+            <a:r>
+              <a:rPr lang="en-US" sz="2400">
+                <a:latin typeface="Times New Roman"/>
+                <a:cs typeface="Times New Roman"/>
+              </a:rPr>
+              <a:t> </a:t>
+            </a:r>
+            <a:r>
+              <a:rPr lang="en-US" sz="2400" err="1">
+                <a:latin typeface="Times New Roman"/>
+                <a:cs typeface="Times New Roman"/>
+              </a:rPr>
+              <a:t>găsească</a:t>
+            </a:r>
+            <a:r>
+              <a:rPr lang="en-US" sz="2400">
+                <a:latin typeface="Times New Roman"/>
+                <a:cs typeface="Times New Roman"/>
+              </a:rPr>
+              <a:t> </a:t>
+            </a:r>
+            <a:r>
+              <a:rPr lang="en-US" sz="2400" err="1">
+                <a:latin typeface="Times New Roman"/>
+                <a:cs typeface="Times New Roman"/>
+              </a:rPr>
+              <a:t>cursul</a:t>
+            </a:r>
+            <a:r>
+              <a:rPr lang="en-US" sz="2400">
+                <a:latin typeface="Times New Roman"/>
+                <a:cs typeface="Times New Roman"/>
+              </a:rPr>
+              <a:t> </a:t>
+            </a:r>
+            <a:r>
+              <a:rPr lang="en-US" sz="2400" err="1">
+                <a:latin typeface="Times New Roman"/>
+                <a:cs typeface="Times New Roman"/>
+              </a:rPr>
+              <a:t>cel</a:t>
+            </a:r>
+            <a:r>
+              <a:rPr lang="en-US" sz="2400">
+                <a:latin typeface="Times New Roman"/>
+                <a:cs typeface="Times New Roman"/>
+              </a:rPr>
+              <a:t> </a:t>
+            </a:r>
+            <a:r>
+              <a:rPr lang="en-US" sz="2400" err="1">
+                <a:latin typeface="Times New Roman"/>
+                <a:cs typeface="Times New Roman"/>
+              </a:rPr>
+              <a:t>mai</a:t>
+            </a:r>
+            <a:r>
+              <a:rPr lang="en-US" sz="2400">
+                <a:latin typeface="Times New Roman"/>
+                <a:cs typeface="Times New Roman"/>
+              </a:rPr>
+              <a:t> benefic </a:t>
+            </a:r>
+            <a:r>
+              <a:rPr lang="en-US" sz="2400" err="1">
+                <a:latin typeface="Times New Roman"/>
+                <a:cs typeface="Times New Roman"/>
+              </a:rPr>
+              <a:t>pentru</a:t>
+            </a:r>
+            <a:r>
+              <a:rPr lang="en-US" sz="2400">
+                <a:latin typeface="Times New Roman"/>
+                <a:cs typeface="Times New Roman"/>
+              </a:rPr>
+              <a:t> a face </a:t>
+            </a:r>
+            <a:r>
+              <a:rPr lang="en-US" sz="2400" err="1">
+                <a:latin typeface="Times New Roman"/>
+                <a:cs typeface="Times New Roman"/>
+              </a:rPr>
+              <a:t>tranzacțiile</a:t>
+            </a:r>
+          </a:p>
+          <a:p>
+            <a:pPr marL="171450" indent="-171450">
+              <a:buFont typeface="Wingdings" panose="05000000000000000000" pitchFamily="2" charset="2"/>
+              <a:buChar char="q"/>
+            </a:pPr>
+            <a:r>
+              <a:rPr lang="en-US" sz="2400">
+                <a:latin typeface="Times New Roman"/>
+                <a:cs typeface="Times New Roman"/>
+              </a:rPr>
+              <a:t> </a:t>
+            </a:r>
+            <a:r>
+              <a:rPr lang="en-US" sz="2400" err="1">
+                <a:latin typeface="Times New Roman"/>
+                <a:cs typeface="Times New Roman"/>
+              </a:rPr>
+              <a:t>Automatizarea</a:t>
+            </a:r>
+            <a:r>
+              <a:rPr lang="en-US" sz="2400">
+                <a:latin typeface="Times New Roman"/>
+                <a:cs typeface="Times New Roman"/>
+              </a:rPr>
+              <a:t> </a:t>
+            </a:r>
+            <a:r>
+              <a:rPr lang="en-US" sz="2400" err="1">
+                <a:latin typeface="Times New Roman"/>
+                <a:cs typeface="Times New Roman"/>
+              </a:rPr>
+              <a:t>completă</a:t>
+            </a:r>
+            <a:r>
+              <a:rPr lang="en-US" sz="2400">
+                <a:latin typeface="Times New Roman"/>
+                <a:cs typeface="Times New Roman"/>
+              </a:rPr>
+              <a:t> </a:t>
+            </a:r>
+            <a:r>
+              <a:rPr lang="en-US" sz="2400" err="1">
+                <a:latin typeface="Times New Roman"/>
+                <a:cs typeface="Times New Roman"/>
+              </a:rPr>
+              <a:t>incluzând</a:t>
+            </a:r>
+            <a:r>
+              <a:rPr lang="en-US" sz="2400">
+                <a:latin typeface="Times New Roman"/>
+                <a:cs typeface="Times New Roman"/>
+              </a:rPr>
+              <a:t> </a:t>
+            </a:r>
+            <a:r>
+              <a:rPr lang="en-US" sz="2400" err="1">
+                <a:latin typeface="Times New Roman"/>
+                <a:cs typeface="Times New Roman"/>
+              </a:rPr>
+              <a:t>și</a:t>
+            </a:r>
+            <a:r>
+              <a:rPr lang="en-US" sz="2400">
+                <a:latin typeface="Times New Roman"/>
+                <a:cs typeface="Times New Roman"/>
+              </a:rPr>
+              <a:t> </a:t>
+            </a:r>
+            <a:r>
+              <a:rPr lang="en-US" sz="2400" err="1">
+                <a:latin typeface="Times New Roman"/>
+                <a:cs typeface="Times New Roman"/>
+              </a:rPr>
+              <a:t>procesul</a:t>
+            </a:r>
+            <a:r>
+              <a:rPr lang="en-US" sz="2400">
+                <a:latin typeface="Times New Roman"/>
+                <a:cs typeface="Times New Roman"/>
+              </a:rPr>
+              <a:t> de </a:t>
+            </a:r>
+            <a:r>
+              <a:rPr lang="en-US" sz="2400" err="1">
+                <a:latin typeface="Times New Roman"/>
+                <a:cs typeface="Times New Roman"/>
+              </a:rPr>
+              <a:t>tranzacții</a:t>
+            </a:r>
+            <a:r>
+              <a:rPr lang="en-US" sz="2400">
+                <a:latin typeface="Times New Roman"/>
+                <a:cs typeface="Times New Roman"/>
+              </a:rPr>
+              <a:t> </a:t>
+            </a:r>
+          </a:p>
+          <a:p>
+            <a:br>
+              <a:rPr lang="en-US"/>
+            </a:br>
+            <a:endParaRPr lang="en-US"/>
+          </a:p>
+        </p:txBody>
+      </p:sp>
+    </p:spTree>
+    <p:extLst>
+      <p:ext uri="{BB962C8B-B14F-4D97-AF65-F5344CB8AC3E}">
+        <p14:creationId xmlns:p14="http://schemas.microsoft.com/office/powerpoint/2010/main" val="942888759"/>
+      </p:ext>
+    </p:extLst>
+  </p:cSld>
+  <p:clrMapOvr>
+    <a:masterClrMapping/>
+  </p:clrMapOvr>
+</p:sld>
+</file>
+
+<file path=ppt/slides/slide13.xml><?xml version="1.0" encoding="utf-8"?>
+<p:sld xmlns:a="http://schemas.openxmlformats.org/drawingml/2006/main" xmlns:r="http://schemas.openxmlformats.org/officeDocument/2006/relationships" xmlns:p="http://schemas.openxmlformats.org/presentationml/2006/main">
+  <p:cSld>
+    <p:spTree>
+      <p:nvGrpSpPr>
+        <p:cNvPr id="1" name=""/>
+        <p:cNvGrpSpPr/>
+        <p:nvPr/>
+      </p:nvGrpSpPr>
+      <p:grpSpPr>
+        <a:xfrm>
+          <a:off x="0" y="0"/>
+          <a:ext cx="0" cy="0"/>
+          <a:chOff x="0" y="0"/>
+          <a:chExt cx="0" cy="0"/>
+        </a:xfrm>
+      </p:grpSpPr>
+      <p:sp>
+        <p:nvSpPr>
+          <p:cNvPr id="2" name="Title 1"/>
+          <p:cNvSpPr>
+            <a:spLocks noGrp="1"/>
+          </p:cNvSpPr>
+          <p:nvPr>
+            <p:ph type="title"/>
+          </p:nvPr>
+        </p:nvSpPr>
+        <p:spPr/>
+        <p:txBody>
+          <a:bodyPr>
+            <a:normAutofit/>
+          </a:bodyPr>
+          <a:lstStyle/>
+          <a:p>
+            <a:r>
+              <a:rPr lang="en-US" sz="3600">
                 <a:latin typeface="Times New Roman" panose="02020603050405020304" pitchFamily="18" charset="0"/>
                 <a:cs typeface="Times New Roman" panose="02020603050405020304" pitchFamily="18" charset="0"/>
               </a:rPr>
@@ -3558,7 +4255,7 @@
           <a:p>
             <a:pPr algn="ctr"/>
             <a:r>
-              <a:rPr lang="en-US" sz="40000" dirty="0"/>
+              <a:rPr lang="en-US" sz="40000"/>
               <a:t> ?</a:t>
             </a:r>
           </a:p>
@@ -3596,6 +4293,246 @@
       </p:grpSpPr>
       <p:sp>
         <p:nvSpPr>
+          <p:cNvPr id="2" name="Title 1">
+            <a:extLst>
+              <a:ext uri="{FF2B5EF4-FFF2-40B4-BE49-F238E27FC236}">
+                <a16:creationId xmlns:a16="http://schemas.microsoft.com/office/drawing/2014/main" id="{D4FCE31A-65E9-4696-9C00-BEE19B198461}"/>
+              </a:ext>
+            </a:extLst>
+          </p:cNvPr>
+          <p:cNvSpPr>
+            <a:spLocks noGrp="1"/>
+          </p:cNvSpPr>
+          <p:nvPr>
+            <p:ph type="title"/>
+          </p:nvPr>
+        </p:nvSpPr>
+        <p:spPr/>
+        <p:txBody>
+          <a:bodyPr>
+            <a:normAutofit/>
+          </a:bodyPr>
+          <a:lstStyle/>
+          <a:p>
+            <a:r>
+              <a:rPr lang="en-US" sz="3600" b="1" err="1">
+                <a:latin typeface="Times New Roman"/>
+                <a:cs typeface="Segoe UI Light"/>
+              </a:rPr>
+              <a:t>Agendă</a:t>
+            </a:r>
+            <a:endParaRPr lang="en-US" sz="3600" b="1" err="1">
+              <a:latin typeface="Times New Roman"/>
+            </a:endParaRPr>
+          </a:p>
+        </p:txBody>
+      </p:sp>
+      <p:sp>
+        <p:nvSpPr>
+          <p:cNvPr id="3" name="Content Placeholder 2">
+            <a:extLst>
+              <a:ext uri="{FF2B5EF4-FFF2-40B4-BE49-F238E27FC236}">
+                <a16:creationId xmlns:a16="http://schemas.microsoft.com/office/drawing/2014/main" id="{8FD9A431-65BE-4893-83AA-F66E4C405DE3}"/>
+              </a:ext>
+            </a:extLst>
+          </p:cNvPr>
+          <p:cNvSpPr>
+            <a:spLocks noGrp="1"/>
+          </p:cNvSpPr>
+          <p:nvPr>
+            <p:ph sz="quarter" idx="10"/>
+          </p:nvPr>
+        </p:nvSpPr>
+        <p:spPr>
+          <a:xfrm>
+            <a:off x="695360" y="1435608"/>
+            <a:ext cx="10296074" cy="5155276"/>
+          </a:xfrm>
+        </p:spPr>
+        <p:txBody>
+          <a:bodyPr vert="horz" lIns="91440" tIns="45720" rIns="91440" bIns="45720" rtlCol="0" anchor="t">
+            <a:normAutofit/>
+          </a:bodyPr>
+          <a:lstStyle/>
+          <a:p>
+            <a:pPr marL="171450" indent="-171450">
+              <a:buFont typeface="Wingdings,Sans-Serif"/>
+              <a:buChar char="q"/>
+            </a:pPr>
+            <a:r>
+              <a:rPr lang="en-US" sz="2000">
+                <a:latin typeface="Times New Roman"/>
+                <a:ea typeface="+mn-lt"/>
+                <a:cs typeface="Times New Roman"/>
+              </a:rPr>
+              <a:t> </a:t>
+            </a:r>
+            <a:r>
+              <a:rPr lang="en-US" sz="2000" err="1">
+                <a:latin typeface="Times New Roman"/>
+                <a:ea typeface="+mn-lt"/>
+                <a:cs typeface="Times New Roman"/>
+              </a:rPr>
+              <a:t>Introducere</a:t>
+            </a:r>
+            <a:endParaRPr lang="en-US" sz="2000">
+              <a:latin typeface="Times New Roman"/>
+              <a:ea typeface="+mn-lt"/>
+              <a:cs typeface="Times New Roman"/>
+            </a:endParaRPr>
+          </a:p>
+          <a:p>
+            <a:pPr marL="171450" indent="-171450">
+              <a:buFont typeface="Wingdings,Sans-Serif"/>
+              <a:buChar char="q"/>
+            </a:pPr>
+            <a:r>
+              <a:rPr lang="en-US" sz="2000">
+                <a:latin typeface="Times New Roman"/>
+                <a:cs typeface="Segoe UI"/>
+              </a:rPr>
+              <a:t> </a:t>
+            </a:r>
+            <a:r>
+              <a:rPr lang="en-US" sz="2000" err="1">
+                <a:latin typeface="Times New Roman"/>
+                <a:cs typeface="Segoe UI"/>
+              </a:rPr>
+              <a:t>Prezentarea</a:t>
+            </a:r>
+            <a:r>
+              <a:rPr lang="en-US" sz="2000">
+                <a:latin typeface="Times New Roman"/>
+                <a:cs typeface="Segoe UI"/>
+              </a:rPr>
+              <a:t> </a:t>
+            </a:r>
+            <a:r>
+              <a:rPr lang="en-US" sz="2000" err="1">
+                <a:latin typeface="Times New Roman"/>
+                <a:cs typeface="Segoe UI"/>
+              </a:rPr>
+              <a:t>aplicației</a:t>
+            </a:r>
+            <a:endParaRPr lang="en-US" sz="2000">
+              <a:latin typeface="Times New Roman"/>
+              <a:cs typeface="Segoe UI"/>
+            </a:endParaRPr>
+          </a:p>
+          <a:p>
+            <a:pPr marL="171450" indent="-171450">
+              <a:buFont typeface="Wingdings,Sans-Serif"/>
+              <a:buChar char="q"/>
+            </a:pPr>
+            <a:r>
+              <a:rPr lang="en-US" sz="2000">
+                <a:latin typeface="Times New Roman"/>
+                <a:cs typeface="Segoe UI"/>
+              </a:rPr>
+              <a:t> </a:t>
+            </a:r>
+            <a:r>
+              <a:rPr lang="en-US" sz="2000" err="1">
+                <a:latin typeface="Times New Roman"/>
+                <a:cs typeface="Segoe UI"/>
+              </a:rPr>
+              <a:t>Arhitectură</a:t>
+            </a:r>
+          </a:p>
+          <a:p>
+            <a:pPr marL="171450" indent="-171450">
+              <a:buFont typeface="Wingdings,Sans-Serif"/>
+              <a:buChar char="q"/>
+            </a:pPr>
+            <a:r>
+              <a:rPr lang="en-US" sz="2000">
+                <a:latin typeface="Times New Roman"/>
+                <a:cs typeface="Segoe UI"/>
+              </a:rPr>
+              <a:t> Demo</a:t>
+            </a:r>
+          </a:p>
+          <a:p>
+            <a:pPr marL="171450" indent="-171450">
+              <a:buFont typeface="Wingdings,Sans-Serif"/>
+              <a:buChar char="q"/>
+            </a:pPr>
+            <a:r>
+              <a:rPr lang="en-US" sz="2000">
+                <a:latin typeface="Times New Roman"/>
+                <a:cs typeface="Segoe UI"/>
+              </a:rPr>
+              <a:t> </a:t>
+            </a:r>
+            <a:r>
+              <a:rPr lang="en-US" sz="2000" err="1">
+                <a:latin typeface="Times New Roman"/>
+                <a:cs typeface="Segoe UI"/>
+              </a:rPr>
+              <a:t>Concluzii</a:t>
+            </a:r>
+            <a:endParaRPr lang="en-US" sz="2000">
+              <a:latin typeface="Times New Roman"/>
+              <a:cs typeface="Segoe UI"/>
+            </a:endParaRPr>
+          </a:p>
+          <a:p>
+            <a:pPr marL="171450" indent="-171450">
+              <a:buFont typeface="Wingdings,Sans-Serif"/>
+              <a:buChar char="q"/>
+            </a:pPr>
+            <a:r>
+              <a:rPr lang="en-US" sz="2000">
+                <a:latin typeface="Times New Roman"/>
+                <a:cs typeface="Segoe UI"/>
+              </a:rPr>
+              <a:t> Q&amp;A</a:t>
+            </a:r>
+          </a:p>
+          <a:p>
+            <a:pPr marL="171450" indent="-171450">
+              <a:buFont typeface="Wingdings,Sans-Serif"/>
+              <a:buChar char="q"/>
+            </a:pPr>
+            <a:endParaRPr lang="en-US">
+              <a:latin typeface="Times New Roman"/>
+              <a:cs typeface="Times New Roman"/>
+            </a:endParaRPr>
+          </a:p>
+        </p:txBody>
+      </p:sp>
+    </p:spTree>
+    <p:extLst>
+      <p:ext uri="{BB962C8B-B14F-4D97-AF65-F5344CB8AC3E}">
+        <p14:creationId xmlns:p14="http://schemas.microsoft.com/office/powerpoint/2010/main" val="3331974306"/>
+      </p:ext>
+    </p:extLst>
+  </p:cSld>
+  <p:clrMapOvr>
+    <a:masterClrMapping/>
+  </p:clrMapOvr>
+</p:sld>
+</file>
+
+<file path=ppt/slides/slide3.xml><?xml version="1.0" encoding="utf-8"?>
+<p:sld xmlns:a="http://schemas.openxmlformats.org/drawingml/2006/main" xmlns:r="http://schemas.openxmlformats.org/officeDocument/2006/relationships" xmlns:p="http://schemas.openxmlformats.org/presentationml/2006/main">
+  <p:cSld>
+    <p:spTree>
+      <p:nvGrpSpPr>
+        <p:cNvPr id="1" name=""/>
+        <p:cNvGrpSpPr/>
+        <p:nvPr/>
+      </p:nvGrpSpPr>
+      <p:grpSpPr>
+        <a:xfrm>
+          <a:off x="0" y="0"/>
+          <a:ext cx="0" cy="0"/>
+          <a:chOff x="0" y="0"/>
+          <a:chExt cx="0" cy="0"/>
+        </a:xfrm>
+      </p:grpSpPr>
+      <p:sp>
+        <p:nvSpPr>
           <p:cNvPr id="2" name="Title 1"/>
           <p:cNvSpPr>
             <a:spLocks noGrp="1"/>
@@ -3612,13 +4549,13 @@
           <a:lstStyle/>
           <a:p>
             <a:r>
-              <a:rPr lang="en-US" sz="3600" b="1" dirty="0" err="1">
+              <a:rPr lang="en-US" sz="3600" b="1" err="1">
                 <a:latin typeface="Times New Roman" panose="02020603050405020304" pitchFamily="18" charset="0"/>
                 <a:cs typeface="Times New Roman" panose="02020603050405020304" pitchFamily="18" charset="0"/>
               </a:rPr>
               <a:t>Introducere</a:t>
             </a:r>
-            <a:endParaRPr lang="en-US" sz="3600" b="1" dirty="0">
+            <a:endParaRPr lang="en-US" sz="3600" b="1">
               <a:latin typeface="Times New Roman" panose="02020603050405020304" pitchFamily="18" charset="0"/>
               <a:cs typeface="Times New Roman" panose="02020603050405020304" pitchFamily="18" charset="0"/>
             </a:endParaRPr>
@@ -3638,763 +4575,679 @@
         <p:spPr>
           <a:xfrm>
             <a:off x="521206" y="1593539"/>
-            <a:ext cx="10962581" cy="3892861"/>
+            <a:ext cx="10997217" cy="4256543"/>
           </a:xfrm>
         </p:spPr>
         <p:txBody>
-          <a:bodyPr>
-            <a:normAutofit fontScale="92500"/>
+          <a:bodyPr vert="horz" lIns="91440" tIns="45720" rIns="91440" bIns="45720" rtlCol="0" anchor="t">
+            <a:normAutofit/>
           </a:bodyPr>
           <a:lstStyle/>
           <a:p>
             <a:r>
-              <a:rPr lang="en-US" sz="2600" dirty="0">
+              <a:rPr lang="en-US" sz="2600">
                 <a:latin typeface="Times New Roman"/>
                 <a:cs typeface="Times New Roman"/>
               </a:rPr>
               <a:t>       </a:t>
             </a:r>
             <a:r>
-              <a:rPr lang="en-US" sz="2600" dirty="0" err="1">
-                <a:latin typeface="Times New Roman"/>
-                <a:cs typeface="Times New Roman"/>
-              </a:rPr>
-              <a:t>Criptomoneda</a:t>
-            </a:r>
-            <a:r>
-              <a:rPr lang="en-US" sz="2600" dirty="0">
-                <a:latin typeface="Times New Roman"/>
-                <a:cs typeface="Times New Roman"/>
-              </a:rPr>
-              <a:t> </a:t>
-            </a:r>
-            <a:r>
-              <a:rPr lang="en-US" sz="2600" dirty="0" err="1">
+              <a:rPr lang="en-US" sz="2600" err="1">
+                <a:latin typeface="Times New Roman"/>
+                <a:cs typeface="Times New Roman"/>
+              </a:rPr>
+              <a:t>Criptomonedă</a:t>
+            </a:r>
+            <a:r>
+              <a:rPr lang="en-US" sz="2600">
+                <a:latin typeface="Times New Roman"/>
+                <a:cs typeface="Times New Roman"/>
+              </a:rPr>
+              <a:t> </a:t>
+            </a:r>
+            <a:r>
+              <a:rPr lang="en-US" sz="2600" err="1">
                 <a:latin typeface="Times New Roman"/>
                 <a:cs typeface="Times New Roman"/>
               </a:rPr>
               <a:t>sau</a:t>
             </a:r>
             <a:r>
-              <a:rPr lang="en-US" sz="2600" dirty="0">
-                <a:latin typeface="Times New Roman"/>
-                <a:cs typeface="Times New Roman"/>
-              </a:rPr>
-              <a:t> </a:t>
-            </a:r>
-            <a:r>
-              <a:rPr lang="en-US" sz="2600" dirty="0" err="1">
-                <a:latin typeface="Times New Roman"/>
-                <a:cs typeface="Times New Roman"/>
-              </a:rPr>
-              <a:t>criptovaluta</a:t>
-            </a:r>
-            <a:r>
-              <a:rPr lang="en-US" sz="2600" dirty="0">
-                <a:latin typeface="Times New Roman"/>
-                <a:cs typeface="Times New Roman"/>
-              </a:rPr>
-              <a:t> </a:t>
-            </a:r>
-            <a:r>
-              <a:rPr lang="en-US" sz="2600" dirty="0" err="1">
+              <a:rPr lang="en-US" sz="2600">
+                <a:latin typeface="Times New Roman"/>
+                <a:cs typeface="Times New Roman"/>
+              </a:rPr>
+              <a:t> </a:t>
+            </a:r>
+            <a:r>
+              <a:rPr lang="en-US" sz="2600" err="1">
+                <a:latin typeface="Times New Roman"/>
+                <a:cs typeface="Times New Roman"/>
+              </a:rPr>
+              <a:t>criptovalută</a:t>
+            </a:r>
+            <a:r>
+              <a:rPr lang="en-US" sz="2600">
+                <a:latin typeface="Times New Roman"/>
+                <a:cs typeface="Times New Roman"/>
+              </a:rPr>
+              <a:t> </a:t>
+            </a:r>
+            <a:r>
+              <a:rPr lang="en-US" sz="2600" err="1">
                 <a:latin typeface="Times New Roman"/>
                 <a:cs typeface="Times New Roman"/>
               </a:rPr>
               <a:t>este</a:t>
             </a:r>
             <a:r>
-              <a:rPr lang="en-US" sz="2600" dirty="0">
+              <a:rPr lang="en-US" sz="2600">
                 <a:latin typeface="Times New Roman"/>
                 <a:cs typeface="Times New Roman"/>
               </a:rPr>
               <a:t> un tip de </a:t>
             </a:r>
             <a:r>
-              <a:rPr lang="en-US" sz="2600" dirty="0" err="1">
-                <a:latin typeface="Times New Roman"/>
-                <a:cs typeface="Times New Roman"/>
-              </a:rPr>
-              <a:t>moneda</a:t>
-            </a:r>
-            <a:r>
-              <a:rPr lang="en-US" sz="2600" dirty="0">
-                <a:latin typeface="Times New Roman"/>
-                <a:cs typeface="Times New Roman"/>
-              </a:rPr>
-              <a:t> </a:t>
-            </a:r>
-            <a:r>
-              <a:rPr lang="en-US" sz="2600" dirty="0" err="1">
-                <a:latin typeface="Times New Roman"/>
-                <a:cs typeface="Times New Roman"/>
-              </a:rPr>
-              <a:t>digitala</a:t>
-            </a:r>
-            <a:r>
-              <a:rPr lang="en-US" sz="2600" dirty="0">
+              <a:rPr lang="en-US" sz="2600" err="1">
+                <a:latin typeface="Times New Roman"/>
+                <a:cs typeface="Times New Roman"/>
+              </a:rPr>
+              <a:t>monedă</a:t>
+            </a:r>
+            <a:r>
+              <a:rPr lang="en-US" sz="2600">
+                <a:latin typeface="Times New Roman"/>
+                <a:cs typeface="Times New Roman"/>
+              </a:rPr>
+              <a:t> </a:t>
+            </a:r>
+            <a:r>
+              <a:rPr lang="en-US" sz="2600" err="1">
+                <a:latin typeface="Times New Roman"/>
+                <a:cs typeface="Times New Roman"/>
+              </a:rPr>
+              <a:t>digitală</a:t>
+            </a:r>
+            <a:r>
+              <a:rPr lang="en-US" sz="2600">
                 <a:latin typeface="Times New Roman"/>
                 <a:cs typeface="Times New Roman"/>
               </a:rPr>
               <a:t>, </a:t>
             </a:r>
             <a:r>
-              <a:rPr lang="en-US" sz="2600" dirty="0" err="1">
-                <a:latin typeface="Times New Roman"/>
-                <a:cs typeface="Times New Roman"/>
-              </a:rPr>
-              <a:t>virtuala</a:t>
-            </a:r>
-            <a:r>
-              <a:rPr lang="en-US" sz="2600" dirty="0">
+              <a:rPr lang="en-US" sz="2600" err="1">
+                <a:latin typeface="Times New Roman"/>
+                <a:cs typeface="Times New Roman"/>
+              </a:rPr>
+              <a:t>virtuală</a:t>
+            </a:r>
+            <a:r>
+              <a:rPr lang="en-US" sz="2600">
                 <a:latin typeface="Times New Roman"/>
                 <a:cs typeface="Times New Roman"/>
               </a:rPr>
               <a:t>, </a:t>
             </a:r>
             <a:r>
-              <a:rPr lang="en-US" sz="2600" dirty="0" err="1">
-                <a:latin typeface="Times New Roman"/>
-                <a:cs typeface="Times New Roman"/>
-              </a:rPr>
-              <a:t>folosita</a:t>
-            </a:r>
-            <a:r>
-              <a:rPr lang="en-US" sz="2600" dirty="0">
+              <a:rPr lang="en-US" sz="2600" err="1">
+                <a:latin typeface="Times New Roman"/>
+                <a:cs typeface="Times New Roman"/>
+              </a:rPr>
+              <a:t>folosită</a:t>
+            </a:r>
+            <a:r>
+              <a:rPr lang="en-US" sz="2600">
                 <a:latin typeface="Times New Roman"/>
                 <a:cs typeface="Times New Roman"/>
               </a:rPr>
               <a:t> ca </a:t>
             </a:r>
             <a:r>
-              <a:rPr lang="en-US" sz="2600" dirty="0" err="1">
+              <a:rPr lang="en-US" sz="2600" err="1">
                 <a:latin typeface="Times New Roman"/>
                 <a:cs typeface="Times New Roman"/>
               </a:rPr>
               <a:t>mijloc</a:t>
             </a:r>
             <a:r>
-              <a:rPr lang="en-US" sz="2600" dirty="0">
+              <a:rPr lang="en-US" sz="2600">
                 <a:latin typeface="Times New Roman"/>
                 <a:cs typeface="Times New Roman"/>
               </a:rPr>
               <a:t> de </a:t>
             </a:r>
             <a:r>
-              <a:rPr lang="en-US" sz="2600" dirty="0" err="1">
-                <a:latin typeface="Times New Roman"/>
-                <a:cs typeface="Times New Roman"/>
-              </a:rPr>
-              <a:t>plata</a:t>
-            </a:r>
-            <a:r>
-              <a:rPr lang="en-US" sz="2600" dirty="0">
+              <a:rPr lang="en-US" sz="2600" err="1">
+                <a:latin typeface="Times New Roman"/>
+                <a:cs typeface="Times New Roman"/>
+              </a:rPr>
+              <a:t>plată</a:t>
+            </a:r>
+            <a:r>
+              <a:rPr lang="en-US" sz="2600">
                 <a:latin typeface="Times New Roman"/>
                 <a:cs typeface="Times New Roman"/>
               </a:rPr>
               <a:t>. </a:t>
             </a:r>
             <a:r>
-              <a:rPr lang="en-US" sz="2600" dirty="0" err="1">
+              <a:rPr lang="en-US" sz="2600" err="1">
                 <a:latin typeface="Times New Roman"/>
                 <a:cs typeface="Times New Roman"/>
               </a:rPr>
               <a:t>Aceasta</a:t>
             </a:r>
             <a:r>
-              <a:rPr lang="en-US" sz="2600" dirty="0">
+              <a:rPr lang="en-US" sz="2600">
                 <a:latin typeface="Times New Roman"/>
                 <a:cs typeface="Times New Roman"/>
               </a:rPr>
               <a:t> a </a:t>
             </a:r>
             <a:r>
-              <a:rPr lang="en-US" sz="2600" dirty="0" err="1">
-                <a:latin typeface="Times New Roman"/>
-                <a:cs typeface="Times New Roman"/>
-              </a:rPr>
-              <a:t>aparut</a:t>
-            </a:r>
-            <a:r>
-              <a:rPr lang="en-US" sz="2600" dirty="0">
-                <a:latin typeface="Times New Roman"/>
-                <a:cs typeface="Times New Roman"/>
-              </a:rPr>
-              <a:t> in </a:t>
-            </a:r>
-            <a:r>
-              <a:rPr lang="en-US" sz="2600" dirty="0" err="1">
-                <a:latin typeface="Times New Roman"/>
-                <a:cs typeface="Times New Roman"/>
-              </a:rPr>
-              <a:t>urma</a:t>
-            </a:r>
-            <a:r>
-              <a:rPr lang="en-US" sz="2600" dirty="0">
+              <a:rPr lang="en-US" sz="2600" err="1">
+                <a:latin typeface="Times New Roman"/>
+                <a:cs typeface="Times New Roman"/>
+              </a:rPr>
+              <a:t>apărut</a:t>
+            </a:r>
+            <a:r>
+              <a:rPr lang="en-US" sz="2600">
+                <a:latin typeface="Times New Roman"/>
+                <a:cs typeface="Times New Roman"/>
+              </a:rPr>
+              <a:t> </a:t>
+            </a:r>
+            <a:r>
+              <a:rPr lang="en-US" sz="2600" err="1">
+                <a:latin typeface="Times New Roman"/>
+                <a:cs typeface="Times New Roman"/>
+              </a:rPr>
+              <a:t>în</a:t>
+            </a:r>
+            <a:r>
+              <a:rPr lang="en-US" sz="2600">
+                <a:latin typeface="Times New Roman"/>
+                <a:cs typeface="Times New Roman"/>
+              </a:rPr>
+              <a:t> </a:t>
+            </a:r>
+            <a:r>
+              <a:rPr lang="en-US" sz="2600" err="1">
+                <a:latin typeface="Times New Roman"/>
+                <a:cs typeface="Times New Roman"/>
+              </a:rPr>
+              <a:t>urmă</a:t>
+            </a:r>
+            <a:r>
+              <a:rPr lang="en-US" sz="2600">
                 <a:latin typeface="Times New Roman"/>
                 <a:cs typeface="Times New Roman"/>
               </a:rPr>
               <a:t> cu </a:t>
             </a:r>
             <a:r>
-              <a:rPr lang="en-US" sz="2600" dirty="0" err="1">
+              <a:rPr lang="en-US" sz="2600" err="1">
                 <a:latin typeface="Times New Roman"/>
                 <a:cs typeface="Times New Roman"/>
               </a:rPr>
               <a:t>mai</a:t>
             </a:r>
             <a:r>
-              <a:rPr lang="en-US" sz="2600" dirty="0">
-                <a:latin typeface="Times New Roman"/>
-                <a:cs typeface="Times New Roman"/>
-              </a:rPr>
-              <a:t> bine de 20 de </a:t>
-            </a:r>
-            <a:r>
-              <a:rPr lang="en-US" sz="2600" dirty="0" err="1">
-                <a:latin typeface="Times New Roman"/>
-                <a:cs typeface="Times New Roman"/>
-              </a:rPr>
-              <a:t>ani</a:t>
-            </a:r>
-            <a:r>
-              <a:rPr lang="en-US" sz="2600" dirty="0">
+              <a:rPr lang="en-US" sz="2600">
+                <a:latin typeface="Times New Roman"/>
+                <a:cs typeface="Times New Roman"/>
+              </a:rPr>
+              <a:t> bine de 20 de ani, </a:t>
+            </a:r>
+            <a:r>
+              <a:rPr lang="en-US" sz="2600" err="1">
+                <a:latin typeface="Times New Roman"/>
+                <a:cs typeface="Times New Roman"/>
+              </a:rPr>
+              <a:t>neavând</a:t>
+            </a:r>
+            <a:r>
+              <a:rPr lang="en-US" sz="2600">
+                <a:latin typeface="Times New Roman"/>
+                <a:cs typeface="Times New Roman"/>
+              </a:rPr>
+              <a:t>  </a:t>
+            </a:r>
+            <a:r>
+              <a:rPr lang="en-US" sz="2600" err="1">
+                <a:latin typeface="Times New Roman"/>
+                <a:cs typeface="Times New Roman"/>
+              </a:rPr>
+              <a:t>succes</a:t>
+            </a:r>
+            <a:r>
+              <a:rPr lang="en-US" sz="2600">
+                <a:latin typeface="Times New Roman"/>
+                <a:cs typeface="Times New Roman"/>
+              </a:rPr>
+              <a:t> </a:t>
+            </a:r>
+            <a:r>
+              <a:rPr lang="en-US" sz="2600" err="1">
+                <a:latin typeface="Times New Roman"/>
+                <a:cs typeface="Times New Roman"/>
+              </a:rPr>
+              <a:t>însă</a:t>
+            </a:r>
+            <a:r>
+              <a:rPr lang="en-US" sz="2600">
+                <a:latin typeface="Times New Roman"/>
+                <a:cs typeface="Times New Roman"/>
+              </a:rPr>
+              <a:t> </a:t>
+            </a:r>
+            <a:r>
+              <a:rPr lang="en-US" sz="2600" err="1">
+                <a:latin typeface="Times New Roman"/>
+                <a:cs typeface="Times New Roman"/>
+              </a:rPr>
+              <a:t>decât</a:t>
+            </a:r>
+            <a:r>
+              <a:rPr lang="en-US" sz="2600">
+                <a:latin typeface="Times New Roman"/>
+                <a:cs typeface="Times New Roman"/>
+              </a:rPr>
+              <a:t> 10 ani </a:t>
+            </a:r>
+            <a:r>
+              <a:rPr lang="en-US" sz="2600" err="1">
+                <a:latin typeface="Times New Roman"/>
+                <a:cs typeface="Times New Roman"/>
+              </a:rPr>
+              <a:t>mai</a:t>
+            </a:r>
+            <a:r>
+              <a:rPr lang="en-US" sz="2600">
+                <a:latin typeface="Times New Roman"/>
+                <a:cs typeface="Times New Roman"/>
+              </a:rPr>
+              <a:t> </a:t>
+            </a:r>
+            <a:r>
+              <a:rPr lang="en-US" sz="2600" err="1">
+                <a:latin typeface="Times New Roman"/>
+                <a:cs typeface="Times New Roman"/>
+              </a:rPr>
+              <a:t>târziu</a:t>
+            </a:r>
+            <a:r>
+              <a:rPr lang="en-US" sz="2600">
                 <a:latin typeface="Times New Roman"/>
                 <a:cs typeface="Times New Roman"/>
               </a:rPr>
               <a:t>, </a:t>
             </a:r>
             <a:r>
-              <a:rPr lang="en-US" sz="2600" dirty="0" err="1">
-                <a:latin typeface="Times New Roman"/>
-                <a:cs typeface="Times New Roman"/>
-              </a:rPr>
-              <a:t>neavand</a:t>
-            </a:r>
-            <a:r>
-              <a:rPr lang="en-US" sz="2600" dirty="0">
-                <a:latin typeface="Times New Roman"/>
-                <a:cs typeface="Times New Roman"/>
-              </a:rPr>
-              <a:t> </a:t>
-            </a:r>
-            <a:r>
-              <a:rPr lang="en-US" sz="2600" dirty="0" err="1">
-                <a:latin typeface="Times New Roman"/>
-                <a:cs typeface="Times New Roman"/>
-              </a:rPr>
-              <a:t>succes</a:t>
-            </a:r>
-            <a:r>
-              <a:rPr lang="en-US" sz="2600" dirty="0">
-                <a:latin typeface="Times New Roman"/>
-                <a:cs typeface="Times New Roman"/>
-              </a:rPr>
-              <a:t> </a:t>
-            </a:r>
-            <a:r>
-              <a:rPr lang="en-US" sz="2600" dirty="0" err="1">
-                <a:latin typeface="Times New Roman"/>
-                <a:cs typeface="Times New Roman"/>
-              </a:rPr>
-              <a:t>insa</a:t>
-            </a:r>
-            <a:r>
-              <a:rPr lang="en-US" sz="2600" dirty="0">
-                <a:latin typeface="Times New Roman"/>
-                <a:cs typeface="Times New Roman"/>
-              </a:rPr>
-              <a:t> </a:t>
-            </a:r>
-            <a:r>
-              <a:rPr lang="en-US" sz="2600" dirty="0" err="1">
-                <a:latin typeface="Times New Roman"/>
-                <a:cs typeface="Times New Roman"/>
-              </a:rPr>
-              <a:t>decat</a:t>
-            </a:r>
-            <a:r>
-              <a:rPr lang="en-US" sz="2600" dirty="0">
-                <a:latin typeface="Times New Roman"/>
-                <a:cs typeface="Times New Roman"/>
-              </a:rPr>
-              <a:t> 10 </a:t>
-            </a:r>
-            <a:r>
-              <a:rPr lang="en-US" sz="2600" dirty="0" err="1">
-                <a:latin typeface="Times New Roman"/>
-                <a:cs typeface="Times New Roman"/>
-              </a:rPr>
-              <a:t>ani</a:t>
-            </a:r>
-            <a:r>
-              <a:rPr lang="en-US" sz="2600" dirty="0">
-                <a:latin typeface="Times New Roman"/>
-                <a:cs typeface="Times New Roman"/>
-              </a:rPr>
-              <a:t> </a:t>
-            </a:r>
-            <a:r>
-              <a:rPr lang="en-US" sz="2600" dirty="0" err="1">
-                <a:latin typeface="Times New Roman"/>
-                <a:cs typeface="Times New Roman"/>
-              </a:rPr>
-              <a:t>mai</a:t>
-            </a:r>
-            <a:r>
-              <a:rPr lang="en-US" sz="2600" dirty="0">
-                <a:latin typeface="Times New Roman"/>
-                <a:cs typeface="Times New Roman"/>
-              </a:rPr>
-              <a:t> </a:t>
-            </a:r>
-            <a:r>
-              <a:rPr lang="en-US" sz="2600" dirty="0" err="1">
-                <a:latin typeface="Times New Roman"/>
-                <a:cs typeface="Times New Roman"/>
-              </a:rPr>
-              <a:t>tarziu</a:t>
-            </a:r>
-            <a:r>
-              <a:rPr lang="en-US" sz="2600" dirty="0">
-                <a:latin typeface="Times New Roman"/>
-                <a:cs typeface="Times New Roman"/>
-              </a:rPr>
-              <a:t>, in 2008, </a:t>
-            </a:r>
-            <a:r>
-              <a:rPr lang="en-US" sz="2600" dirty="0" err="1">
-                <a:latin typeface="Times New Roman"/>
-                <a:cs typeface="Times New Roman"/>
-              </a:rPr>
-              <a:t>cand</a:t>
-            </a:r>
-            <a:r>
-              <a:rPr lang="en-US" sz="2600" dirty="0">
+              <a:rPr lang="en-US" sz="2600" err="1">
+                <a:latin typeface="Times New Roman"/>
+                <a:cs typeface="Times New Roman"/>
+              </a:rPr>
+              <a:t>în</a:t>
+            </a:r>
+            <a:r>
+              <a:rPr lang="en-US" sz="2600">
+                <a:latin typeface="Times New Roman"/>
+                <a:cs typeface="Times New Roman"/>
+              </a:rPr>
+              <a:t> 2008, </a:t>
+            </a:r>
+            <a:r>
+              <a:rPr lang="en-US" sz="2600" err="1">
+                <a:latin typeface="Times New Roman"/>
+                <a:cs typeface="Times New Roman"/>
+              </a:rPr>
+              <a:t>când</a:t>
+            </a:r>
+            <a:r>
+              <a:rPr lang="en-US" sz="2600">
                 <a:latin typeface="Times New Roman"/>
                 <a:cs typeface="Times New Roman"/>
               </a:rPr>
               <a:t> a </a:t>
             </a:r>
             <a:r>
-              <a:rPr lang="en-US" sz="2600" dirty="0" err="1">
+              <a:rPr lang="en-US" sz="2600" err="1">
                 <a:latin typeface="Times New Roman"/>
                 <a:cs typeface="Times New Roman"/>
               </a:rPr>
               <a:t>fost</a:t>
             </a:r>
             <a:r>
-              <a:rPr lang="en-US" sz="2600" dirty="0">
-                <a:latin typeface="Times New Roman"/>
-                <a:cs typeface="Times New Roman"/>
-              </a:rPr>
-              <a:t> </a:t>
-            </a:r>
-            <a:r>
-              <a:rPr lang="en-US" sz="2600" dirty="0" err="1">
-                <a:latin typeface="Times New Roman"/>
-                <a:cs typeface="Times New Roman"/>
-              </a:rPr>
-              <a:t>publicata</a:t>
-            </a:r>
-            <a:r>
-              <a:rPr lang="en-US" sz="2600" dirty="0">
-                <a:latin typeface="Times New Roman"/>
-                <a:cs typeface="Times New Roman"/>
-              </a:rPr>
-              <a:t> </a:t>
-            </a:r>
-            <a:r>
-              <a:rPr lang="en-US" sz="2600" dirty="0" err="1">
-                <a:latin typeface="Times New Roman"/>
-                <a:cs typeface="Times New Roman"/>
-              </a:rPr>
-              <a:t>documentatia</a:t>
-            </a:r>
-            <a:r>
-              <a:rPr lang="en-US" sz="2600" dirty="0">
+              <a:rPr lang="en-US" sz="2600">
+                <a:latin typeface="Times New Roman"/>
+                <a:cs typeface="Times New Roman"/>
+              </a:rPr>
+              <a:t> </a:t>
+            </a:r>
+            <a:r>
+              <a:rPr lang="en-US" sz="2600" err="1">
+                <a:latin typeface="Times New Roman"/>
+                <a:cs typeface="Times New Roman"/>
+              </a:rPr>
+              <a:t>publicată</a:t>
+            </a:r>
+            <a:r>
+              <a:rPr lang="en-US" sz="2600">
+                <a:latin typeface="Times New Roman"/>
+                <a:cs typeface="Times New Roman"/>
+              </a:rPr>
+              <a:t> </a:t>
+            </a:r>
+            <a:r>
+              <a:rPr lang="en-US" sz="2600" err="1">
+                <a:latin typeface="Times New Roman"/>
+                <a:cs typeface="Times New Roman"/>
+              </a:rPr>
+              <a:t>documentația</a:t>
+            </a:r>
+            <a:r>
+              <a:rPr lang="en-US" sz="2600">
                 <a:latin typeface="Times New Roman"/>
                 <a:cs typeface="Times New Roman"/>
               </a:rPr>
               <a:t> </a:t>
             </a:r>
             <a:r>
-              <a:rPr lang="en-US" sz="2600" dirty="0" err="1">
+              <a:rPr lang="en-US" sz="2600" err="1">
                 <a:latin typeface="Times New Roman"/>
                 <a:cs typeface="Times New Roman"/>
               </a:rPr>
               <a:t>pentru</a:t>
             </a:r>
             <a:r>
-              <a:rPr lang="en-US" sz="2600" dirty="0">
+              <a:rPr lang="en-US" sz="2600">
                 <a:latin typeface="Times New Roman"/>
                 <a:cs typeface="Times New Roman"/>
               </a:rPr>
               <a:t> Bitcoin, </a:t>
             </a:r>
             <a:r>
-              <a:rPr lang="en-US" sz="2600" dirty="0" err="1">
-                <a:latin typeface="Times New Roman"/>
-                <a:cs typeface="Times New Roman"/>
-              </a:rPr>
-              <a:t>moneda</a:t>
-            </a:r>
-            <a:r>
-              <a:rPr lang="en-US" sz="2600" dirty="0">
+              <a:rPr lang="en-US" sz="2600" err="1">
+                <a:latin typeface="Times New Roman"/>
+                <a:cs typeface="Times New Roman"/>
+              </a:rPr>
+              <a:t>monedă</a:t>
+            </a:r>
+            <a:r>
+              <a:rPr lang="en-US" sz="2600">
                 <a:latin typeface="Times New Roman"/>
                 <a:cs typeface="Times New Roman"/>
               </a:rPr>
               <a:t> care </a:t>
             </a:r>
             <a:r>
-              <a:rPr lang="en-US" sz="2600" dirty="0" err="1">
+              <a:rPr lang="en-US" sz="2600" err="1">
                 <a:latin typeface="Times New Roman"/>
                 <a:cs typeface="Times New Roman"/>
               </a:rPr>
               <a:t>avea</a:t>
             </a:r>
             <a:r>
-              <a:rPr lang="en-US" sz="2600" dirty="0">
-                <a:latin typeface="Times New Roman"/>
-                <a:cs typeface="Times New Roman"/>
-              </a:rPr>
-              <a:t> </a:t>
-            </a:r>
-            <a:r>
-              <a:rPr lang="en-US" sz="2600" dirty="0" err="1">
-                <a:latin typeface="Times New Roman"/>
-                <a:cs typeface="Times New Roman"/>
-              </a:rPr>
-              <a:t>sa</a:t>
-            </a:r>
-            <a:r>
-              <a:rPr lang="en-US" sz="2600" dirty="0">
-                <a:latin typeface="Times New Roman"/>
-                <a:cs typeface="Times New Roman"/>
-              </a:rPr>
-              <a:t> </a:t>
-            </a:r>
-            <a:r>
-              <a:rPr lang="en-US" sz="2600" dirty="0" err="1">
-                <a:latin typeface="Times New Roman"/>
-                <a:cs typeface="Times New Roman"/>
-              </a:rPr>
-              <a:t>transforme</a:t>
-            </a:r>
-            <a:r>
-              <a:rPr lang="en-US" sz="2600" dirty="0">
-                <a:latin typeface="Times New Roman"/>
-                <a:cs typeface="Times New Roman"/>
-              </a:rPr>
-              <a:t> </a:t>
-            </a:r>
-            <a:r>
-              <a:rPr lang="en-US" sz="2600" dirty="0" err="1">
+              <a:rPr lang="en-US" sz="2600">
+                <a:latin typeface="Times New Roman"/>
+                <a:cs typeface="Times New Roman"/>
+              </a:rPr>
+              <a:t> să transforme </a:t>
+            </a:r>
+            <a:r>
+              <a:rPr lang="en-US" sz="2600" err="1">
                 <a:latin typeface="Times New Roman"/>
                 <a:cs typeface="Times New Roman"/>
               </a:rPr>
               <a:t>lumea</a:t>
             </a:r>
             <a:r>
-              <a:rPr lang="en-US" sz="2600" dirty="0">
+              <a:rPr lang="en-US" sz="2600">
                 <a:latin typeface="Times New Roman"/>
                 <a:cs typeface="Times New Roman"/>
               </a:rPr>
               <a:t>.             </a:t>
             </a:r>
-            <a:endParaRPr lang="en-US" sz="2600" dirty="0">
+            <a:endParaRPr lang="en-US" sz="2600">
               <a:latin typeface="Times New Roman" panose="02020603050405020304" pitchFamily="18" charset="0"/>
               <a:cs typeface="Times New Roman" panose="02020603050405020304" pitchFamily="18" charset="0"/>
             </a:endParaRPr>
           </a:p>
           <a:p>
             <a:r>
-              <a:rPr lang="en-US" sz="2600" dirty="0">
-                <a:latin typeface="Times New Roman"/>
-                <a:cs typeface="Times New Roman"/>
-              </a:rPr>
-              <a:t>       </a:t>
-            </a:r>
-            <a:r>
-              <a:rPr lang="en-US" sz="2600" dirty="0" err="1">
-                <a:latin typeface="Times New Roman"/>
-                <a:cs typeface="Times New Roman"/>
-              </a:rPr>
-              <a:t>Pe</a:t>
-            </a:r>
-            <a:r>
-              <a:rPr lang="en-US" sz="2600" dirty="0">
-                <a:latin typeface="Times New Roman"/>
-                <a:cs typeface="Times New Roman"/>
-              </a:rPr>
-              <a:t> </a:t>
-            </a:r>
-            <a:r>
-              <a:rPr lang="en-US" sz="2600" dirty="0" err="1">
-                <a:latin typeface="Times New Roman"/>
-                <a:cs typeface="Times New Roman"/>
-              </a:rPr>
-              <a:t>masura</a:t>
-            </a:r>
-            <a:r>
-              <a:rPr lang="en-US" sz="2600" dirty="0">
-                <a:latin typeface="Times New Roman"/>
-                <a:cs typeface="Times New Roman"/>
-              </a:rPr>
-              <a:t> </a:t>
-            </a:r>
-            <a:r>
-              <a:rPr lang="en-US" sz="2600" dirty="0" err="1">
+              <a:rPr lang="en-US" sz="2600">
+                <a:latin typeface="Times New Roman"/>
+                <a:cs typeface="Times New Roman"/>
+              </a:rPr>
+              <a:t>       Pe </a:t>
+            </a:r>
+            <a:r>
+              <a:rPr lang="en-US" sz="2600" err="1">
+                <a:latin typeface="Times New Roman"/>
+                <a:cs typeface="Times New Roman"/>
+              </a:rPr>
+              <a:t>masură</a:t>
+            </a:r>
+            <a:r>
+              <a:rPr lang="en-US" sz="2600">
+                <a:latin typeface="Times New Roman"/>
+                <a:cs typeface="Times New Roman"/>
+              </a:rPr>
+              <a:t> </a:t>
+            </a:r>
+            <a:r>
+              <a:rPr lang="en-US" sz="2600" err="1">
                 <a:latin typeface="Times New Roman"/>
                 <a:cs typeface="Times New Roman"/>
               </a:rPr>
               <a:t>ce</a:t>
             </a:r>
             <a:r>
-              <a:rPr lang="en-US" sz="2600" dirty="0">
+              <a:rPr lang="en-US" sz="2600">
                 <a:latin typeface="Times New Roman"/>
                 <a:cs typeface="Times New Roman"/>
               </a:rPr>
               <a:t> Bitcoin a </a:t>
             </a:r>
             <a:r>
-              <a:rPr lang="en-US" sz="2600" dirty="0" err="1">
+              <a:rPr lang="en-US" sz="2600" err="1">
                 <a:latin typeface="Times New Roman"/>
                 <a:cs typeface="Times New Roman"/>
               </a:rPr>
               <a:t>devenit</a:t>
             </a:r>
             <a:r>
-              <a:rPr lang="en-US" sz="2600" dirty="0">
-                <a:latin typeface="Times New Roman"/>
-                <a:cs typeface="Times New Roman"/>
-              </a:rPr>
-              <a:t> </a:t>
-            </a:r>
-            <a:r>
-              <a:rPr lang="en-US" sz="2600" dirty="0" err="1">
+              <a:rPr lang="en-US" sz="2600">
+                <a:latin typeface="Times New Roman"/>
+                <a:cs typeface="Times New Roman"/>
+              </a:rPr>
+              <a:t> </a:t>
+            </a:r>
+            <a:r>
+              <a:rPr lang="en-US" sz="2600" err="1">
                 <a:latin typeface="Times New Roman"/>
                 <a:cs typeface="Times New Roman"/>
               </a:rPr>
               <a:t>mai</a:t>
             </a:r>
             <a:r>
-              <a:rPr lang="en-US" sz="2600" dirty="0">
-                <a:latin typeface="Times New Roman"/>
-                <a:cs typeface="Times New Roman"/>
-              </a:rPr>
-              <a:t> </a:t>
-            </a:r>
-            <a:r>
-              <a:rPr lang="en-US" sz="2600" dirty="0" err="1">
-                <a:latin typeface="Times New Roman"/>
-                <a:cs typeface="Times New Roman"/>
-              </a:rPr>
-              <a:t>cunoscuta</a:t>
-            </a:r>
-            <a:r>
-              <a:rPr lang="en-US" sz="2600" dirty="0">
+              <a:rPr lang="en-US" sz="2600">
+                <a:latin typeface="Times New Roman"/>
+                <a:cs typeface="Times New Roman"/>
+              </a:rPr>
+              <a:t> </a:t>
+            </a:r>
+            <a:r>
+              <a:rPr lang="en-US" sz="2600" err="1">
+                <a:latin typeface="Times New Roman"/>
+                <a:cs typeface="Times New Roman"/>
+              </a:rPr>
+              <a:t>cunoscută</a:t>
+            </a:r>
+            <a:r>
+              <a:rPr lang="en-US" sz="2600">
                 <a:latin typeface="Times New Roman"/>
                 <a:cs typeface="Times New Roman"/>
               </a:rPr>
               <a:t> au </a:t>
             </a:r>
             <a:r>
-              <a:rPr lang="en-US" sz="2600" dirty="0" err="1">
-                <a:latin typeface="Times New Roman"/>
-                <a:cs typeface="Times New Roman"/>
-              </a:rPr>
-              <a:t>aparut</a:t>
-            </a:r>
-            <a:r>
-              <a:rPr lang="en-US" sz="2600" dirty="0">
-                <a:latin typeface="Times New Roman"/>
-                <a:cs typeface="Times New Roman"/>
-              </a:rPr>
-              <a:t> </a:t>
-            </a:r>
-            <a:r>
-              <a:rPr lang="en-US" sz="2600" dirty="0" err="1">
+              <a:rPr lang="en-US" sz="2600" err="1">
+                <a:latin typeface="Times New Roman"/>
+                <a:cs typeface="Times New Roman"/>
+              </a:rPr>
+              <a:t>apărut</a:t>
+            </a:r>
+            <a:r>
+              <a:rPr lang="en-US" sz="2600">
+                <a:latin typeface="Times New Roman"/>
+                <a:cs typeface="Times New Roman"/>
+              </a:rPr>
+              <a:t> </a:t>
+            </a:r>
+            <a:r>
+              <a:rPr lang="en-US" sz="2600" err="1">
                 <a:latin typeface="Times New Roman"/>
                 <a:cs typeface="Times New Roman"/>
               </a:rPr>
               <a:t>numeroase</a:t>
             </a:r>
             <a:r>
-              <a:rPr lang="en-US" sz="2600" dirty="0">
-                <a:latin typeface="Times New Roman"/>
-                <a:cs typeface="Times New Roman"/>
-              </a:rPr>
-              <a:t> </a:t>
-            </a:r>
-            <a:r>
-              <a:rPr lang="en-US" sz="2600" dirty="0" err="1">
+              <a:rPr lang="en-US" sz="2600">
+                <a:latin typeface="Times New Roman"/>
+                <a:cs typeface="Times New Roman"/>
+              </a:rPr>
+              <a:t> </a:t>
+            </a:r>
+            <a:r>
+              <a:rPr lang="en-US" sz="2600" err="1">
                 <a:latin typeface="Times New Roman"/>
                 <a:cs typeface="Times New Roman"/>
               </a:rPr>
               <a:t>alte</a:t>
             </a:r>
             <a:r>
-              <a:rPr lang="en-US" sz="2600" dirty="0">
-                <a:latin typeface="Times New Roman"/>
-                <a:cs typeface="Times New Roman"/>
-              </a:rPr>
-              <a:t> </a:t>
-            </a:r>
-            <a:r>
-              <a:rPr lang="en-US" sz="2600" dirty="0" err="1">
+              <a:rPr lang="en-US" sz="2600">
+                <a:latin typeface="Times New Roman"/>
+                <a:cs typeface="Times New Roman"/>
+              </a:rPr>
+              <a:t> </a:t>
+            </a:r>
+            <a:r>
+              <a:rPr lang="en-US" sz="2600" err="1">
                 <a:latin typeface="Times New Roman"/>
                 <a:cs typeface="Times New Roman"/>
               </a:rPr>
               <a:t>monede</a:t>
             </a:r>
             <a:r>
-              <a:rPr lang="en-US" sz="2600" dirty="0">
+              <a:rPr lang="en-US" sz="2600">
                 <a:latin typeface="Times New Roman"/>
                 <a:cs typeface="Times New Roman"/>
               </a:rPr>
               <a:t>, </a:t>
             </a:r>
             <a:r>
-              <a:rPr lang="en-US" sz="2600" dirty="0" err="1">
+              <a:rPr lang="en-US" sz="2600" err="1">
                 <a:latin typeface="Times New Roman"/>
                 <a:cs typeface="Times New Roman"/>
               </a:rPr>
               <a:t>cele</a:t>
             </a:r>
             <a:r>
-              <a:rPr lang="en-US" sz="2600" dirty="0">
-                <a:latin typeface="Times New Roman"/>
-                <a:cs typeface="Times New Roman"/>
-              </a:rPr>
-              <a:t> </a:t>
-            </a:r>
-            <a:r>
-              <a:rPr lang="en-US" sz="2600" dirty="0" err="1">
+              <a:rPr lang="en-US" sz="2600">
+                <a:latin typeface="Times New Roman"/>
+                <a:cs typeface="Times New Roman"/>
+              </a:rPr>
+              <a:t> </a:t>
+            </a:r>
+            <a:r>
+              <a:rPr lang="en-US" sz="2600" err="1">
                 <a:latin typeface="Times New Roman"/>
                 <a:cs typeface="Times New Roman"/>
               </a:rPr>
               <a:t>mai</a:t>
             </a:r>
             <a:r>
-              <a:rPr lang="en-US" sz="2600" dirty="0">
-                <a:latin typeface="Times New Roman"/>
-                <a:cs typeface="Times New Roman"/>
-              </a:rPr>
-              <a:t> </a:t>
-            </a:r>
-            <a:r>
-              <a:rPr lang="en-US" sz="2600" dirty="0" err="1">
+              <a:rPr lang="en-US" sz="2600">
+                <a:latin typeface="Times New Roman"/>
+                <a:cs typeface="Times New Roman"/>
+              </a:rPr>
+              <a:t> </a:t>
+            </a:r>
+            <a:r>
+              <a:rPr lang="en-US" sz="2600" err="1">
                 <a:latin typeface="Times New Roman"/>
                 <a:cs typeface="Times New Roman"/>
               </a:rPr>
               <a:t>populare</a:t>
             </a:r>
             <a:r>
-              <a:rPr lang="en-US" sz="2600" dirty="0">
-                <a:latin typeface="Times New Roman"/>
-                <a:cs typeface="Times New Roman"/>
-              </a:rPr>
-              <a:t> </a:t>
-            </a:r>
-            <a:r>
-              <a:rPr lang="en-US" sz="2600" dirty="0" err="1">
-                <a:latin typeface="Times New Roman"/>
-                <a:cs typeface="Times New Roman"/>
-              </a:rPr>
-              <a:t>dupa</a:t>
-            </a:r>
-            <a:r>
-              <a:rPr lang="en-US" sz="2600" dirty="0">
-                <a:latin typeface="Times New Roman"/>
-                <a:cs typeface="Times New Roman"/>
-              </a:rPr>
-              <a:t> </a:t>
-            </a:r>
-            <a:r>
-              <a:rPr lang="en-US" sz="2600" dirty="0" err="1">
+              <a:rPr lang="en-US" sz="2600">
+                <a:latin typeface="Times New Roman"/>
+                <a:cs typeface="Times New Roman"/>
+              </a:rPr>
+              <a:t> după </a:t>
+            </a:r>
+            <a:r>
+              <a:rPr lang="en-US" sz="2600" err="1">
                 <a:latin typeface="Times New Roman"/>
                 <a:cs typeface="Times New Roman"/>
               </a:rPr>
               <a:t>aceasta</a:t>
             </a:r>
             <a:r>
-              <a:rPr lang="en-US" sz="2600" dirty="0">
-                <a:latin typeface="Times New Roman"/>
-                <a:cs typeface="Times New Roman"/>
-              </a:rPr>
-              <a:t> </a:t>
-            </a:r>
-            <a:r>
-              <a:rPr lang="en-US" sz="2600" dirty="0" err="1">
+              <a:rPr lang="en-US" sz="2600">
+                <a:latin typeface="Times New Roman"/>
+                <a:cs typeface="Times New Roman"/>
+              </a:rPr>
+              <a:t> </a:t>
+            </a:r>
+            <a:r>
+              <a:rPr lang="en-US" sz="2600" err="1">
                 <a:latin typeface="Times New Roman"/>
                 <a:cs typeface="Times New Roman"/>
               </a:rPr>
               <a:t>fiind</a:t>
             </a:r>
             <a:r>
-              <a:rPr lang="en-US" sz="2600" dirty="0">
-                <a:latin typeface="Times New Roman"/>
-                <a:cs typeface="Times New Roman"/>
-              </a:rPr>
-              <a:t> </a:t>
-            </a:r>
-            <a:r>
-              <a:rPr lang="en-US" sz="2600" dirty="0" err="1">
-                <a:latin typeface="Times New Roman"/>
-                <a:cs typeface="Times New Roman"/>
-              </a:rPr>
-              <a:t>Litecoin</a:t>
-            </a:r>
-            <a:r>
-              <a:rPr lang="en-US" sz="2600" dirty="0">
-                <a:latin typeface="Times New Roman"/>
-                <a:cs typeface="Times New Roman"/>
-              </a:rPr>
-              <a:t>, </a:t>
-            </a:r>
-            <a:r>
-              <a:rPr lang="en-US" sz="2600" dirty="0" err="1">
-                <a:latin typeface="Times New Roman"/>
-                <a:cs typeface="Times New Roman"/>
-              </a:rPr>
-              <a:t>Ethereum</a:t>
-            </a:r>
-            <a:r>
-              <a:rPr lang="en-US" sz="2600" dirty="0">
-                <a:latin typeface="Times New Roman"/>
-                <a:cs typeface="Times New Roman"/>
-              </a:rPr>
-              <a:t> </a:t>
-            </a:r>
-            <a:r>
-              <a:rPr lang="en-US" sz="2600" dirty="0" err="1">
+              <a:rPr lang="en-US" sz="2600">
+                <a:latin typeface="Times New Roman"/>
+                <a:cs typeface="Times New Roman"/>
+              </a:rPr>
+              <a:t> Litecoin, Ethereum </a:t>
+            </a:r>
+            <a:r>
+              <a:rPr lang="en-US" sz="2600" err="1">
                 <a:latin typeface="Times New Roman"/>
                 <a:cs typeface="Times New Roman"/>
               </a:rPr>
               <a:t>si</a:t>
             </a:r>
             <a:r>
-              <a:rPr lang="en-US" sz="2600" dirty="0">
+              <a:rPr lang="en-US" sz="2600">
                 <a:latin typeface="Times New Roman"/>
                 <a:cs typeface="Times New Roman"/>
               </a:rPr>
               <a:t> Ripple.   </a:t>
             </a:r>
             <a:r>
-              <a:rPr lang="en-US" sz="2800" dirty="0">
+              <a:rPr lang="en-US" sz="2800">
                 <a:latin typeface="Times New Roman"/>
                 <a:cs typeface="Times New Roman"/>
               </a:rPr>
               <a:t>  </a:t>
             </a:r>
-            <a:endParaRPr lang="en-US" sz="2800" dirty="0">
+            <a:endParaRPr lang="en-US" sz="2800">
               <a:latin typeface="Times New Roman" panose="02020603050405020304" pitchFamily="18" charset="0"/>
               <a:cs typeface="Times New Roman" panose="02020603050405020304" pitchFamily="18" charset="0"/>
             </a:endParaRPr>
           </a:p>
           <a:p>
-            <a:endParaRPr lang="en-US" dirty="0"/>
+            <a:endParaRPr lang="en-US"/>
           </a:p>
         </p:txBody>
       </p:sp>
@@ -4411,7 +5264,7 @@
 </p:sld>
 </file>
 
-<file path=ppt/slides/slide3.xml><?xml version="1.0" encoding="utf-8"?>
+<file path=ppt/slides/slide4.xml><?xml version="1.0" encoding="utf-8"?>
 <p:sld xmlns:a="http://schemas.openxmlformats.org/drawingml/2006/main" xmlns:r="http://schemas.openxmlformats.org/officeDocument/2006/relationships" xmlns:p="http://schemas.openxmlformats.org/presentationml/2006/main">
   <p:cSld>
     <p:spTree>
@@ -4451,13 +5304,13 @@
           <a:lstStyle/>
           <a:p>
             <a:r>
-              <a:rPr lang="en-US" sz="3600" b="1" dirty="0" err="1">
-                <a:latin typeface="Times New Roman" panose="02020603050405020304" pitchFamily="18" charset="0"/>
-                <a:cs typeface="Times New Roman" panose="02020603050405020304" pitchFamily="18" charset="0"/>
-              </a:rPr>
-              <a:t>Investitii</a:t>
-            </a:r>
-            <a:endParaRPr lang="en-US" sz="3600" b="1" dirty="0">
+              <a:rPr lang="en-US" sz="3600" b="1" err="1">
+                <a:latin typeface="Times New Roman"/>
+                <a:cs typeface="Times New Roman"/>
+              </a:rPr>
+              <a:t>Investiții</a:t>
+            </a:r>
+            <a:endParaRPr lang="en-US" sz="3600" b="1" err="1">
               <a:latin typeface="Times New Roman" panose="02020603050405020304" pitchFamily="18" charset="0"/>
               <a:cs typeface="Times New Roman" panose="02020603050405020304" pitchFamily="18" charset="0"/>
             </a:endParaRPr>
@@ -4481,7 +5334,7 @@
           </a:xfrm>
         </p:spPr>
         <p:txBody>
-          <a:bodyPr>
+          <a:bodyPr vert="horz" lIns="91440" tIns="45720" rIns="91440" bIns="45720" rtlCol="0" anchor="t">
             <a:normAutofit fontScale="85000" lnSpcReduction="10000"/>
           </a:bodyPr>
           <a:lstStyle/>
@@ -4491,123 +5344,137 @@
               <a:buChar char="q"/>
             </a:pPr>
             <a:r>
-              <a:rPr lang="en-US" sz="2800" dirty="0">
+              <a:rPr lang="en-US" sz="2800">
                 <a:latin typeface="Times New Roman"/>
                 <a:cs typeface="Segoe UI"/>
               </a:rPr>
               <a:t> </a:t>
             </a:r>
             <a:r>
-              <a:rPr lang="en-US" sz="2800" dirty="0" err="1">
-                <a:latin typeface="Times New Roman"/>
-                <a:cs typeface="Segoe UI"/>
-              </a:rPr>
-              <a:t>Pretul</a:t>
-            </a:r>
-            <a:r>
-              <a:rPr lang="en-US" sz="2800" dirty="0">
-                <a:latin typeface="Times New Roman"/>
-                <a:cs typeface="Segoe UI"/>
-              </a:rPr>
-              <a:t> </a:t>
-            </a:r>
-            <a:r>
-              <a:rPr lang="en-US" sz="2800" dirty="0" err="1">
+              <a:rPr lang="en-US" sz="2800" err="1">
+                <a:latin typeface="Times New Roman"/>
+                <a:cs typeface="Segoe UI"/>
+              </a:rPr>
+              <a:t>Prețul</a:t>
+            </a:r>
+            <a:r>
+              <a:rPr lang="en-US" sz="2800">
+                <a:latin typeface="Times New Roman"/>
+                <a:cs typeface="Segoe UI"/>
+              </a:rPr>
+              <a:t> </a:t>
+            </a:r>
+            <a:r>
+              <a:rPr lang="en-US" sz="2800" err="1">
                 <a:latin typeface="Times New Roman"/>
                 <a:cs typeface="Segoe UI"/>
               </a:rPr>
               <a:t>monedei</a:t>
             </a:r>
             <a:r>
-              <a:rPr lang="en-US" sz="2800" dirty="0">
+              <a:rPr lang="en-US" sz="2800">
                 <a:latin typeface="Times New Roman"/>
                 <a:cs typeface="Segoe UI"/>
               </a:rPr>
               <a:t> Bitcoin a </a:t>
             </a:r>
             <a:r>
-              <a:rPr lang="en-US" sz="2800" dirty="0" err="1">
+              <a:rPr lang="en-US" sz="2800" err="1">
                 <a:latin typeface="Times New Roman"/>
                 <a:cs typeface="Segoe UI"/>
               </a:rPr>
               <a:t>pornit</a:t>
             </a:r>
             <a:r>
-              <a:rPr lang="en-US" sz="2800" dirty="0">
+              <a:rPr lang="en-US" sz="2800">
                 <a:latin typeface="Times New Roman"/>
                 <a:cs typeface="Segoe UI"/>
               </a:rPr>
               <a:t> de la 0,003 </a:t>
             </a:r>
             <a:r>
-              <a:rPr lang="en-US" sz="2800" dirty="0" err="1">
+              <a:rPr lang="en-US" sz="2800" err="1">
                 <a:latin typeface="Times New Roman"/>
                 <a:cs typeface="Segoe UI"/>
               </a:rPr>
               <a:t>dolari</a:t>
             </a:r>
             <a:r>
-              <a:rPr lang="en-US" sz="2800" dirty="0">
+              <a:rPr lang="en-US" sz="2800">
                 <a:latin typeface="Times New Roman"/>
                 <a:cs typeface="Segoe UI"/>
               </a:rPr>
               <a:t>, </a:t>
             </a:r>
             <a:r>
-              <a:rPr lang="en-US" sz="2800" dirty="0" err="1">
-                <a:latin typeface="Times New Roman"/>
-                <a:cs typeface="Segoe UI"/>
-              </a:rPr>
-              <a:t>ajungand</a:t>
-            </a:r>
-            <a:r>
-              <a:rPr lang="en-US" sz="2800" dirty="0">
-                <a:latin typeface="Times New Roman"/>
-                <a:cs typeface="Segoe UI"/>
-              </a:rPr>
-              <a:t> </a:t>
-            </a:r>
-            <a:r>
-              <a:rPr lang="en-US" sz="2800" dirty="0" err="1">
-                <a:latin typeface="Times New Roman"/>
-                <a:cs typeface="Segoe UI"/>
-              </a:rPr>
-              <a:t>pana</a:t>
-            </a:r>
-            <a:r>
-              <a:rPr lang="en-US" sz="2800" dirty="0">
-                <a:latin typeface="Times New Roman"/>
-                <a:cs typeface="Segoe UI"/>
-              </a:rPr>
-              <a:t> la </a:t>
-            </a:r>
-            <a:r>
-              <a:rPr lang="en-US" sz="2800" dirty="0" err="1">
+              <a:rPr lang="en-US" sz="2800" err="1">
+                <a:latin typeface="Times New Roman"/>
+                <a:cs typeface="Segoe UI"/>
+              </a:rPr>
+              <a:t>ajungând</a:t>
+            </a:r>
+            <a:r>
+              <a:rPr lang="en-US" sz="2800">
+                <a:latin typeface="Times New Roman"/>
+                <a:cs typeface="Segoe UI"/>
+              </a:rPr>
+              <a:t> </a:t>
+            </a:r>
+            <a:r>
+              <a:rPr lang="en-US" sz="2800" err="1">
+                <a:latin typeface="Times New Roman"/>
+                <a:cs typeface="Segoe UI"/>
+              </a:rPr>
+              <a:t>până</a:t>
+            </a:r>
+            <a:r>
+              <a:rPr lang="en-US" sz="2800">
+                <a:latin typeface="Times New Roman"/>
+                <a:cs typeface="Segoe UI"/>
+              </a:rPr>
+              <a:t> la </a:t>
+            </a:r>
+            <a:r>
+              <a:rPr lang="en-US" sz="2800" err="1">
                 <a:latin typeface="Times New Roman"/>
                 <a:cs typeface="Segoe UI"/>
               </a:rPr>
               <a:t>aproximativ</a:t>
             </a:r>
             <a:r>
-              <a:rPr lang="en-US" sz="2800" dirty="0">
+              <a:rPr lang="en-US" sz="2800">
                 <a:latin typeface="Times New Roman"/>
                 <a:cs typeface="Segoe UI"/>
               </a:rPr>
               <a:t> 1.000 de </a:t>
             </a:r>
             <a:r>
-              <a:rPr lang="en-US" sz="2800" dirty="0" err="1">
+              <a:rPr lang="en-US" sz="2800" err="1">
                 <a:latin typeface="Times New Roman"/>
                 <a:cs typeface="Segoe UI"/>
               </a:rPr>
               <a:t>dolari</a:t>
             </a:r>
             <a:r>
-              <a:rPr lang="en-US" sz="2800" dirty="0">
-                <a:latin typeface="Times New Roman"/>
-                <a:cs typeface="Segoe UI"/>
-              </a:rPr>
-              <a:t> in 2016.</a:t>
+              <a:rPr lang="en-US" sz="2800">
+                <a:latin typeface="Times New Roman"/>
+                <a:cs typeface="Segoe UI"/>
+              </a:rPr>
+              <a:t> </a:t>
+            </a:r>
+            <a:r>
+              <a:rPr lang="en-US" sz="2800" err="1">
+                <a:latin typeface="Times New Roman"/>
+                <a:cs typeface="Segoe UI"/>
+              </a:rPr>
+              <a:t>în</a:t>
+            </a:r>
+            <a:r>
+              <a:rPr lang="en-US" sz="2800">
+                <a:latin typeface="Times New Roman"/>
+                <a:cs typeface="Segoe UI"/>
+              </a:rPr>
+              <a:t> 2016.</a:t>
             </a:r>
           </a:p>
           <a:p>
@@ -4616,245 +5483,245 @@
               <a:buChar char="q"/>
             </a:pPr>
             <a:r>
-              <a:rPr lang="en-US" sz="2800" dirty="0">
+              <a:rPr lang="en-US" sz="2800">
                 <a:latin typeface="Times New Roman"/>
                 <a:cs typeface="Segoe UI"/>
               </a:rPr>
               <a:t> Ulterior </a:t>
             </a:r>
             <a:r>
-              <a:rPr lang="en-US" sz="2800" dirty="0" err="1">
+              <a:rPr lang="en-US" sz="2800" err="1">
                 <a:latin typeface="Times New Roman"/>
                 <a:cs typeface="Segoe UI"/>
               </a:rPr>
               <a:t>oamenii</a:t>
             </a:r>
             <a:r>
-              <a:rPr lang="en-US" sz="2800" dirty="0">
+              <a:rPr lang="en-US" sz="2800">
                 <a:latin typeface="Times New Roman"/>
                 <a:cs typeface="Segoe UI"/>
               </a:rPr>
               <a:t> au </a:t>
             </a:r>
             <a:r>
-              <a:rPr lang="en-US" sz="2800" dirty="0" err="1">
-                <a:latin typeface="Times New Roman"/>
-                <a:cs typeface="Segoe UI"/>
-              </a:rPr>
-              <a:t>inceput</a:t>
-            </a:r>
-            <a:r>
-              <a:rPr lang="en-US" sz="2800" dirty="0">
-                <a:latin typeface="Times New Roman"/>
-                <a:cs typeface="Segoe UI"/>
-              </a:rPr>
-              <a:t> </a:t>
-            </a:r>
-            <a:r>
-              <a:rPr lang="en-US" sz="2800" dirty="0" err="1">
-                <a:latin typeface="Times New Roman"/>
-                <a:cs typeface="Segoe UI"/>
-              </a:rPr>
-              <a:t>sa</a:t>
-            </a:r>
-            <a:r>
-              <a:rPr lang="en-US" sz="2800" dirty="0">
-                <a:latin typeface="Times New Roman"/>
-                <a:cs typeface="Segoe UI"/>
-              </a:rPr>
-              <a:t> </a:t>
-            </a:r>
-            <a:r>
-              <a:rPr lang="en-US" sz="2800" dirty="0" err="1">
-                <a:latin typeface="Times New Roman"/>
-                <a:cs typeface="Segoe UI"/>
-              </a:rPr>
-              <a:t>investeasca</a:t>
-            </a:r>
-            <a:r>
-              <a:rPr lang="en-US" sz="2800" dirty="0">
-                <a:latin typeface="Times New Roman"/>
-                <a:cs typeface="Segoe UI"/>
-              </a:rPr>
-              <a:t> </a:t>
-            </a:r>
-            <a:r>
-              <a:rPr lang="en-US" sz="2800" dirty="0" err="1">
+              <a:rPr lang="en-US" sz="2800" err="1">
+                <a:latin typeface="Times New Roman"/>
+                <a:cs typeface="Segoe UI"/>
+              </a:rPr>
+              <a:t>început</a:t>
+            </a:r>
+            <a:r>
+              <a:rPr lang="en-US" sz="2800">
+                <a:latin typeface="Times New Roman"/>
+                <a:cs typeface="Segoe UI"/>
+              </a:rPr>
+              <a:t> </a:t>
+            </a:r>
+            <a:r>
+              <a:rPr lang="en-US" sz="2800" err="1">
+                <a:latin typeface="Times New Roman"/>
+                <a:cs typeface="Segoe UI"/>
+              </a:rPr>
+              <a:t>să</a:t>
+            </a:r>
+            <a:r>
+              <a:rPr lang="en-US" sz="2800">
+                <a:latin typeface="Times New Roman"/>
+                <a:cs typeface="Segoe UI"/>
+              </a:rPr>
+              <a:t> </a:t>
+            </a:r>
+            <a:r>
+              <a:rPr lang="en-US" sz="2800" err="1">
+                <a:latin typeface="Times New Roman"/>
+                <a:cs typeface="Segoe UI"/>
+              </a:rPr>
+              <a:t>investească</a:t>
+            </a:r>
+            <a:r>
+              <a:rPr lang="en-US" sz="2800">
+                <a:latin typeface="Times New Roman"/>
+                <a:cs typeface="Segoe UI"/>
+              </a:rPr>
+              <a:t> </a:t>
+            </a:r>
+            <a:r>
+              <a:rPr lang="en-US" sz="2800" err="1">
                 <a:latin typeface="Times New Roman"/>
                 <a:cs typeface="Segoe UI"/>
               </a:rPr>
               <a:t>masiv</a:t>
             </a:r>
             <a:r>
-              <a:rPr lang="en-US" sz="2800" dirty="0">
+              <a:rPr lang="en-US" sz="2800">
                 <a:latin typeface="Times New Roman"/>
                 <a:cs typeface="Segoe UI"/>
               </a:rPr>
               <a:t> in </a:t>
             </a:r>
             <a:r>
-              <a:rPr lang="en-US" sz="2800" dirty="0" err="1">
-                <a:latin typeface="Times New Roman"/>
-                <a:cs typeface="Segoe UI"/>
-              </a:rPr>
-              <a:t>moneda</a:t>
-            </a:r>
-            <a:r>
-              <a:rPr lang="en-US" sz="2800" dirty="0">
+              <a:rPr lang="en-US" sz="2800" err="1">
+                <a:latin typeface="Times New Roman"/>
+                <a:cs typeface="Segoe UI"/>
+              </a:rPr>
+              <a:t>monedă</a:t>
+            </a:r>
+            <a:r>
+              <a:rPr lang="en-US" sz="2800">
                 <a:latin typeface="Times New Roman"/>
                 <a:cs typeface="Segoe UI"/>
               </a:rPr>
               <a:t>, </a:t>
             </a:r>
             <a:r>
-              <a:rPr lang="en-US" sz="2800" dirty="0" err="1">
-                <a:latin typeface="Times New Roman"/>
-                <a:cs typeface="Segoe UI"/>
-              </a:rPr>
-              <a:t>pretul</a:t>
-            </a:r>
-            <a:r>
-              <a:rPr lang="en-US" sz="2800" dirty="0">
-                <a:latin typeface="Times New Roman"/>
-                <a:cs typeface="Segoe UI"/>
-              </a:rPr>
-              <a:t> </a:t>
-            </a:r>
-            <a:r>
-              <a:rPr lang="en-US" sz="2800" dirty="0" err="1">
+              <a:rPr lang="en-US" sz="2800" err="1">
+                <a:latin typeface="Times New Roman"/>
+                <a:cs typeface="Segoe UI"/>
+              </a:rPr>
+              <a:t>prețul</a:t>
+            </a:r>
+            <a:r>
+              <a:rPr lang="en-US" sz="2800">
+                <a:latin typeface="Times New Roman"/>
+                <a:cs typeface="Segoe UI"/>
+              </a:rPr>
+              <a:t> </a:t>
+            </a:r>
+            <a:r>
+              <a:rPr lang="en-US" sz="2800" err="1">
                 <a:latin typeface="Times New Roman"/>
                 <a:cs typeface="Segoe UI"/>
               </a:rPr>
               <a:t>acesteia</a:t>
             </a:r>
             <a:r>
-              <a:rPr lang="en-US" sz="2800" dirty="0">
+              <a:rPr lang="en-US" sz="2800">
                 <a:latin typeface="Times New Roman"/>
                 <a:cs typeface="Segoe UI"/>
               </a:rPr>
               <a:t> </a:t>
             </a:r>
             <a:r>
-              <a:rPr lang="en-US" sz="2800" dirty="0" err="1">
-                <a:latin typeface="Times New Roman"/>
-                <a:cs typeface="Segoe UI"/>
-              </a:rPr>
-              <a:t>crescand</a:t>
-            </a:r>
-            <a:r>
-              <a:rPr lang="en-US" sz="2800" dirty="0">
-                <a:latin typeface="Times New Roman"/>
-                <a:cs typeface="Segoe UI"/>
-              </a:rPr>
-              <a:t> </a:t>
-            </a:r>
-            <a:r>
-              <a:rPr lang="en-US" sz="2800" dirty="0" err="1">
+              <a:rPr lang="en-US" sz="2800" err="1">
+                <a:latin typeface="Times New Roman"/>
+                <a:cs typeface="Segoe UI"/>
+              </a:rPr>
+              <a:t>crescând</a:t>
+            </a:r>
+            <a:r>
+              <a:rPr lang="en-US" sz="2800">
+                <a:latin typeface="Times New Roman"/>
+                <a:cs typeface="Segoe UI"/>
+              </a:rPr>
+              <a:t> </a:t>
+            </a:r>
+            <a:r>
+              <a:rPr lang="en-US" sz="2800" err="1">
                 <a:latin typeface="Times New Roman"/>
                 <a:cs typeface="Segoe UI"/>
               </a:rPr>
               <a:t>enorm</a:t>
             </a:r>
             <a:r>
-              <a:rPr lang="en-US" sz="2800" dirty="0">
+              <a:rPr lang="en-US" sz="2800">
                 <a:latin typeface="Times New Roman"/>
                 <a:cs typeface="Segoe UI"/>
               </a:rPr>
               <a:t>, </a:t>
             </a:r>
             <a:r>
-              <a:rPr lang="en-US" sz="2800" dirty="0" err="1">
+              <a:rPr lang="en-US" sz="2800" err="1">
                 <a:latin typeface="Times New Roman"/>
                 <a:cs typeface="Segoe UI"/>
               </a:rPr>
               <a:t>apogeul</a:t>
             </a:r>
             <a:r>
-              <a:rPr lang="en-US" sz="2800" dirty="0">
+              <a:rPr lang="en-US" sz="2800">
                 <a:latin typeface="Times New Roman"/>
                 <a:cs typeface="Segoe UI"/>
               </a:rPr>
               <a:t> </a:t>
             </a:r>
             <a:r>
-              <a:rPr lang="en-US" sz="2800" dirty="0" err="1">
+              <a:rPr lang="en-US" sz="2800" err="1">
                 <a:latin typeface="Times New Roman"/>
                 <a:cs typeface="Segoe UI"/>
               </a:rPr>
               <a:t>ei</a:t>
             </a:r>
             <a:r>
-              <a:rPr lang="en-US" sz="2800" dirty="0">
-                <a:latin typeface="Times New Roman"/>
-                <a:cs typeface="Segoe UI"/>
-              </a:rPr>
-              <a:t> </a:t>
-            </a:r>
-            <a:r>
-              <a:rPr lang="en-US" sz="2800" dirty="0" err="1">
+              <a:rPr lang="en-US" sz="2800">
+                <a:latin typeface="Times New Roman"/>
+                <a:cs typeface="Segoe UI"/>
+              </a:rPr>
+              <a:t> </a:t>
+            </a:r>
+            <a:r>
+              <a:rPr lang="en-US" sz="2800" err="1">
                 <a:latin typeface="Times New Roman"/>
                 <a:cs typeface="Segoe UI"/>
               </a:rPr>
               <a:t>fiind</a:t>
             </a:r>
             <a:r>
-              <a:rPr lang="en-US" sz="2800" dirty="0">
+              <a:rPr lang="en-US" sz="2800">
                 <a:latin typeface="Times New Roman"/>
                 <a:cs typeface="Segoe UI"/>
               </a:rPr>
               <a:t> de </a:t>
             </a:r>
             <a:r>
-              <a:rPr lang="en-US" sz="2800" dirty="0" err="1">
+              <a:rPr lang="en-US" sz="2800" err="1">
                 <a:latin typeface="Times New Roman"/>
                 <a:cs typeface="Segoe UI"/>
               </a:rPr>
               <a:t>aproximativ</a:t>
             </a:r>
             <a:r>
-              <a:rPr lang="en-US" sz="2800" dirty="0">
+              <a:rPr lang="en-US" sz="2800">
                 <a:latin typeface="Times New Roman"/>
                 <a:cs typeface="Segoe UI"/>
               </a:rPr>
               <a:t> 20.000 de </a:t>
             </a:r>
             <a:r>
-              <a:rPr lang="en-US" sz="2800" dirty="0" err="1">
+              <a:rPr lang="en-US" sz="2800" err="1">
                 <a:latin typeface="Times New Roman"/>
                 <a:cs typeface="Segoe UI"/>
               </a:rPr>
               <a:t>dolari</a:t>
             </a:r>
             <a:r>
-              <a:rPr lang="en-US" sz="2800" dirty="0">
+              <a:rPr lang="en-US" sz="2800">
                 <a:latin typeface="Times New Roman"/>
                 <a:cs typeface="Segoe UI"/>
               </a:rPr>
               <a:t> la </a:t>
             </a:r>
             <a:r>
-              <a:rPr lang="en-US" sz="2800" dirty="0" err="1">
+              <a:rPr lang="en-US" sz="2800" err="1">
                 <a:latin typeface="Times New Roman"/>
                 <a:cs typeface="Segoe UI"/>
               </a:rPr>
               <a:t>finalul</a:t>
             </a:r>
             <a:r>
-              <a:rPr lang="en-US" sz="2800" dirty="0">
-                <a:latin typeface="Times New Roman"/>
-                <a:cs typeface="Segoe UI"/>
-              </a:rPr>
-              <a:t> </a:t>
-            </a:r>
-            <a:r>
-              <a:rPr lang="en-US" sz="2800" dirty="0" err="1">
+              <a:rPr lang="en-US" sz="2800">
+                <a:latin typeface="Times New Roman"/>
+                <a:cs typeface="Segoe UI"/>
+              </a:rPr>
+              <a:t> </a:t>
+            </a:r>
+            <a:r>
+              <a:rPr lang="en-US" sz="2800" err="1">
                 <a:latin typeface="Times New Roman"/>
                 <a:cs typeface="Segoe UI"/>
               </a:rPr>
               <a:t>anului</a:t>
             </a:r>
             <a:r>
-              <a:rPr lang="en-US" sz="2800" dirty="0">
+              <a:rPr lang="en-US" sz="2800">
                 <a:latin typeface="Times New Roman"/>
                 <a:cs typeface="Segoe UI"/>
               </a:rPr>
@@ -4867,245 +5734,259 @@
               <a:buChar char="q"/>
             </a:pPr>
             <a:r>
-              <a:rPr lang="en-US" sz="2800" dirty="0">
+              <a:rPr lang="en-US" sz="2800">
                 <a:latin typeface="Times New Roman"/>
                 <a:cs typeface="Segoe UI"/>
               </a:rPr>
               <a:t> La </a:t>
             </a:r>
             <a:r>
-              <a:rPr lang="en-US" sz="2800" dirty="0" err="1">
+              <a:rPr lang="en-US" sz="2800" err="1">
                 <a:latin typeface="Times New Roman"/>
                 <a:cs typeface="Segoe UI"/>
               </a:rPr>
               <a:t>scurt</a:t>
             </a:r>
             <a:r>
-              <a:rPr lang="en-US" sz="2800" dirty="0">
-                <a:latin typeface="Times New Roman"/>
-                <a:cs typeface="Segoe UI"/>
-              </a:rPr>
-              <a:t> </a:t>
-            </a:r>
-            <a:r>
-              <a:rPr lang="en-US" sz="2800" dirty="0" err="1">
+              <a:rPr lang="en-US" sz="2800">
+                <a:latin typeface="Times New Roman"/>
+                <a:cs typeface="Segoe UI"/>
+              </a:rPr>
+              <a:t> </a:t>
+            </a:r>
+            <a:r>
+              <a:rPr lang="en-US" sz="2800" err="1">
                 <a:latin typeface="Times New Roman"/>
                 <a:cs typeface="Segoe UI"/>
               </a:rPr>
               <a:t>timp</a:t>
             </a:r>
             <a:r>
-              <a:rPr lang="en-US" sz="2800" dirty="0">
-                <a:latin typeface="Times New Roman"/>
-                <a:cs typeface="Segoe UI"/>
-              </a:rPr>
-              <a:t> </a:t>
-            </a:r>
-            <a:r>
-              <a:rPr lang="en-US" sz="2800" dirty="0" err="1">
-                <a:latin typeface="Times New Roman"/>
-                <a:cs typeface="Segoe UI"/>
-              </a:rPr>
-              <a:t>insa</a:t>
-            </a:r>
-            <a:r>
-              <a:rPr lang="en-US" sz="2800" dirty="0">
-                <a:latin typeface="Times New Roman"/>
-                <a:cs typeface="Segoe UI"/>
-              </a:rPr>
-              <a:t> </a:t>
-            </a:r>
-            <a:r>
-              <a:rPr lang="en-US" sz="2800" dirty="0" err="1">
+              <a:rPr lang="en-US" sz="2800">
+                <a:latin typeface="Times New Roman"/>
+                <a:cs typeface="Segoe UI"/>
+              </a:rPr>
+              <a:t> </a:t>
+            </a:r>
+            <a:r>
+              <a:rPr lang="en-US" sz="2800" err="1">
+                <a:latin typeface="Times New Roman"/>
+                <a:cs typeface="Segoe UI"/>
+              </a:rPr>
+              <a:t>însă</a:t>
+            </a:r>
+            <a:r>
+              <a:rPr lang="en-US" sz="2800">
+                <a:latin typeface="Times New Roman"/>
+                <a:cs typeface="Segoe UI"/>
+              </a:rPr>
+              <a:t> </a:t>
+            </a:r>
+            <a:r>
+              <a:rPr lang="en-US" sz="2800" err="1">
                 <a:latin typeface="Times New Roman"/>
                 <a:cs typeface="Segoe UI"/>
               </a:rPr>
               <a:t>aceste</a:t>
             </a:r>
             <a:r>
-              <a:rPr lang="en-US" sz="2800" dirty="0">
-                <a:latin typeface="Times New Roman"/>
-                <a:cs typeface="Segoe UI"/>
-              </a:rPr>
-              <a:t> </a:t>
-            </a:r>
-            <a:r>
-              <a:rPr lang="en-US" sz="2800" dirty="0" err="1">
-                <a:latin typeface="Times New Roman"/>
-                <a:cs typeface="Segoe UI"/>
-              </a:rPr>
-              <a:t>investitii</a:t>
-            </a:r>
-            <a:r>
-              <a:rPr lang="en-US" sz="2800" dirty="0">
+              <a:rPr lang="en-US" sz="2800">
+                <a:latin typeface="Times New Roman"/>
+                <a:cs typeface="Segoe UI"/>
+              </a:rPr>
+              <a:t> </a:t>
+            </a:r>
+            <a:r>
+              <a:rPr lang="en-US" sz="2800" err="1">
+                <a:latin typeface="Times New Roman"/>
+                <a:cs typeface="Segoe UI"/>
+              </a:rPr>
+              <a:t>investiții</a:t>
+            </a:r>
+            <a:r>
+              <a:rPr lang="en-US" sz="2800">
                 <a:latin typeface="Times New Roman"/>
                 <a:cs typeface="Segoe UI"/>
               </a:rPr>
               <a:t> s-au </a:t>
             </a:r>
             <a:r>
-              <a:rPr lang="en-US" sz="2800" dirty="0" err="1">
+              <a:rPr lang="en-US" sz="2800" err="1">
                 <a:latin typeface="Times New Roman"/>
                 <a:cs typeface="Segoe UI"/>
               </a:rPr>
               <a:t>diminuat</a:t>
             </a:r>
             <a:r>
-              <a:rPr lang="en-US" sz="2800" dirty="0">
+              <a:rPr lang="en-US" sz="2800">
                 <a:latin typeface="Times New Roman"/>
                 <a:cs typeface="Segoe UI"/>
               </a:rPr>
               <a:t> din </a:t>
             </a:r>
             <a:r>
-              <a:rPr lang="en-US" sz="2800" dirty="0" err="1">
+              <a:rPr lang="en-US" sz="2800" err="1">
                 <a:latin typeface="Times New Roman"/>
                 <a:cs typeface="Segoe UI"/>
               </a:rPr>
               <a:t>diferite</a:t>
             </a:r>
             <a:r>
-              <a:rPr lang="en-US" sz="2800" dirty="0">
+              <a:rPr lang="en-US" sz="2800">
                 <a:latin typeface="Times New Roman"/>
                 <a:cs typeface="Segoe UI"/>
               </a:rPr>
               <a:t> motive, </a:t>
             </a:r>
             <a:r>
-              <a:rPr lang="en-US" sz="2800" dirty="0" err="1">
+              <a:rPr lang="en-US" sz="2800" err="1">
                 <a:latin typeface="Times New Roman"/>
                 <a:cs typeface="Segoe UI"/>
               </a:rPr>
               <a:t>unele</a:t>
             </a:r>
             <a:r>
-              <a:rPr lang="en-US" sz="2800" dirty="0">
-                <a:latin typeface="Times New Roman"/>
-                <a:cs typeface="Segoe UI"/>
-              </a:rPr>
-              <a:t> </a:t>
-            </a:r>
-            <a:r>
-              <a:rPr lang="en-US" sz="2800" dirty="0" err="1">
+              <a:rPr lang="en-US" sz="2800">
+                <a:latin typeface="Times New Roman"/>
+                <a:cs typeface="Segoe UI"/>
+              </a:rPr>
+              <a:t> </a:t>
+            </a:r>
+            <a:r>
+              <a:rPr lang="en-US" sz="2800" err="1">
                 <a:latin typeface="Times New Roman"/>
                 <a:cs typeface="Segoe UI"/>
               </a:rPr>
               <a:t>economice</a:t>
             </a:r>
             <a:r>
-              <a:rPr lang="en-US" sz="2800" dirty="0">
+              <a:rPr lang="en-US" sz="2800">
                 <a:latin typeface="Times New Roman"/>
                 <a:cs typeface="Segoe UI"/>
               </a:rPr>
               <a:t>, </a:t>
             </a:r>
             <a:r>
-              <a:rPr lang="en-US" sz="2800" dirty="0" err="1">
+              <a:rPr lang="en-US" sz="2800" err="1">
                 <a:latin typeface="Times New Roman"/>
                 <a:cs typeface="Segoe UI"/>
               </a:rPr>
               <a:t>altele</a:t>
             </a:r>
             <a:r>
-              <a:rPr lang="en-US" sz="2800" dirty="0">
+              <a:rPr lang="en-US" sz="2800">
                 <a:latin typeface="Times New Roman"/>
                 <a:cs typeface="Segoe UI"/>
               </a:rPr>
               <a:t> social </a:t>
             </a:r>
             <a:r>
-              <a:rPr lang="en-US" sz="2800" dirty="0" err="1">
-                <a:latin typeface="Times New Roman"/>
-                <a:cs typeface="Segoe UI"/>
-              </a:rPr>
-              <a:t>democratice</a:t>
-            </a:r>
-            <a:r>
-              <a:rPr lang="en-US" sz="2800" dirty="0">
+              <a:rPr lang="en-US" sz="2800" err="1">
+                <a:latin typeface="Times New Roman"/>
+                <a:cs typeface="Segoe UI"/>
+              </a:rPr>
+              <a:t>demografice</a:t>
+            </a:r>
+            <a:r>
+              <a:rPr lang="en-US" sz="2800">
                 <a:latin typeface="Times New Roman"/>
                 <a:cs typeface="Segoe UI"/>
               </a:rPr>
               <a:t>, </a:t>
             </a:r>
             <a:r>
-              <a:rPr lang="en-US" sz="2800" dirty="0" err="1">
+              <a:rPr lang="en-US" sz="2800" err="1">
                 <a:latin typeface="Times New Roman"/>
                 <a:cs typeface="Segoe UI"/>
               </a:rPr>
               <a:t>moneda</a:t>
             </a:r>
             <a:r>
-              <a:rPr lang="en-US" sz="2800" dirty="0">
-                <a:latin typeface="Times New Roman"/>
-                <a:cs typeface="Segoe UI"/>
-              </a:rPr>
-              <a:t> </a:t>
-            </a:r>
-            <a:r>
-              <a:rPr lang="en-US" sz="2800" dirty="0" err="1">
+              <a:rPr lang="en-US" sz="2800">
+                <a:latin typeface="Times New Roman"/>
+                <a:cs typeface="Segoe UI"/>
+              </a:rPr>
+              <a:t> </a:t>
+            </a:r>
+            <a:r>
+              <a:rPr lang="en-US" sz="2800" err="1">
                 <a:latin typeface="Times New Roman"/>
                 <a:cs typeface="Segoe UI"/>
               </a:rPr>
               <a:t>fiind</a:t>
             </a:r>
             <a:r>
-              <a:rPr lang="en-US" sz="2800" dirty="0">
-                <a:latin typeface="Times New Roman"/>
-                <a:cs typeface="Segoe UI"/>
-              </a:rPr>
-              <a:t> </a:t>
-            </a:r>
-            <a:r>
-              <a:rPr lang="en-US" sz="2800" dirty="0" err="1">
+              <a:rPr lang="en-US" sz="2800">
+                <a:latin typeface="Times New Roman"/>
+                <a:cs typeface="Segoe UI"/>
+              </a:rPr>
+              <a:t> </a:t>
+            </a:r>
+            <a:r>
+              <a:rPr lang="en-US" sz="2800" err="1">
                 <a:latin typeface="Times New Roman"/>
                 <a:cs typeface="Segoe UI"/>
               </a:rPr>
               <a:t>chiar</a:t>
             </a:r>
             <a:r>
-              <a:rPr lang="en-US" sz="2800" dirty="0">
-                <a:latin typeface="Times New Roman"/>
-                <a:cs typeface="Segoe UI"/>
-              </a:rPr>
-              <a:t> </a:t>
-            </a:r>
-            <a:r>
-              <a:rPr lang="en-US" sz="2800" dirty="0" err="1">
-                <a:latin typeface="Times New Roman"/>
-                <a:cs typeface="Segoe UI"/>
-              </a:rPr>
-              <a:t>interzisa</a:t>
-            </a:r>
-            <a:r>
-              <a:rPr lang="en-US" sz="2800" dirty="0">
-                <a:latin typeface="Times New Roman"/>
-                <a:cs typeface="Segoe UI"/>
-              </a:rPr>
-              <a:t> in </a:t>
-            </a:r>
-            <a:r>
-              <a:rPr lang="en-US" sz="2800" dirty="0" err="1">
+              <a:rPr lang="en-US" sz="2800">
+                <a:latin typeface="Times New Roman"/>
+                <a:cs typeface="Segoe UI"/>
+              </a:rPr>
+              <a:t> </a:t>
+            </a:r>
+            <a:r>
+              <a:rPr lang="en-US" sz="2800" err="1">
+                <a:latin typeface="Times New Roman"/>
+                <a:cs typeface="Segoe UI"/>
+              </a:rPr>
+              <a:t>interzisă</a:t>
+            </a:r>
+            <a:r>
+              <a:rPr lang="en-US" sz="2800">
+                <a:latin typeface="Times New Roman"/>
+                <a:cs typeface="Segoe UI"/>
+              </a:rPr>
+              <a:t> </a:t>
+            </a:r>
+            <a:r>
+              <a:rPr lang="en-US" sz="2800" err="1">
+                <a:latin typeface="Times New Roman"/>
+                <a:cs typeface="Segoe UI"/>
+              </a:rPr>
+              <a:t>în</a:t>
+            </a:r>
+            <a:r>
+              <a:rPr lang="en-US" sz="2800">
+                <a:latin typeface="Times New Roman"/>
+                <a:cs typeface="Segoe UI"/>
+              </a:rPr>
+              <a:t> </a:t>
+            </a:r>
+            <a:r>
+              <a:rPr lang="en-US" sz="2800" err="1">
                 <a:latin typeface="Times New Roman"/>
                 <a:cs typeface="Segoe UI"/>
               </a:rPr>
               <a:t>anumite</a:t>
             </a:r>
             <a:r>
-              <a:rPr lang="en-US" sz="2800" dirty="0">
+              <a:rPr lang="en-US" sz="2800">
                 <a:latin typeface="Times New Roman"/>
                 <a:cs typeface="Segoe UI"/>
               </a:rPr>
               <a:t> </a:t>
             </a:r>
             <a:r>
-              <a:rPr lang="en-US" sz="2800" dirty="0" err="1">
-                <a:latin typeface="Times New Roman"/>
-                <a:cs typeface="Segoe UI"/>
-              </a:rPr>
-              <a:t>tari</a:t>
-            </a:r>
-            <a:r>
-              <a:rPr lang="en-US" sz="2800" dirty="0">
+              <a:rPr lang="en-US" sz="2800" err="1">
+                <a:latin typeface="Times New Roman"/>
+                <a:cs typeface="Segoe UI"/>
+              </a:rPr>
+              <a:t>țări</a:t>
+            </a:r>
+            <a:r>
+              <a:rPr lang="en-US" sz="2800">
                 <a:latin typeface="Times New Roman"/>
                 <a:cs typeface="Segoe UI"/>
               </a:rPr>
@@ -5113,7 +5994,7 @@
             </a:r>
           </a:p>
           <a:p>
-            <a:endParaRPr lang="en-US" dirty="0"/>
+            <a:endParaRPr lang="en-US"/>
           </a:p>
         </p:txBody>
       </p:sp>
@@ -5121,269 +6002,6 @@
     <p:extLst>
       <p:ext uri="{BB962C8B-B14F-4D97-AF65-F5344CB8AC3E}">
         <p14:creationId xmlns:p14="http://schemas.microsoft.com/office/powerpoint/2010/main" val="2245926956"/>
-      </p:ext>
-    </p:extLst>
-  </p:cSld>
-  <p:clrMapOvr>
-    <a:masterClrMapping/>
-  </p:clrMapOvr>
-</p:sld>
-</file>
-
-<file path=ppt/slides/slide4.xml><?xml version="1.0" encoding="utf-8"?>
-<p:sld xmlns:a="http://schemas.openxmlformats.org/drawingml/2006/main" xmlns:r="http://schemas.openxmlformats.org/officeDocument/2006/relationships" xmlns:p="http://schemas.openxmlformats.org/presentationml/2006/main">
-  <p:cSld>
-    <p:spTree>
-      <p:nvGrpSpPr>
-        <p:cNvPr id="1" name=""/>
-        <p:cNvGrpSpPr/>
-        <p:nvPr/>
-      </p:nvGrpSpPr>
-      <p:grpSpPr>
-        <a:xfrm>
-          <a:off x="0" y="0"/>
-          <a:ext cx="0" cy="0"/>
-          <a:chOff x="0" y="0"/>
-          <a:chExt cx="0" cy="0"/>
-        </a:xfrm>
-      </p:grpSpPr>
-      <p:sp>
-        <p:nvSpPr>
-          <p:cNvPr id="2" name="Title 1"/>
-          <p:cNvSpPr>
-            <a:spLocks noGrp="1"/>
-          </p:cNvSpPr>
-          <p:nvPr>
-            <p:ph type="title"/>
-          </p:nvPr>
-        </p:nvSpPr>
-        <p:spPr/>
-        <p:txBody>
-          <a:bodyPr>
-            <a:normAutofit/>
-          </a:bodyPr>
-          <a:lstStyle/>
-          <a:p>
-            <a:r>
-              <a:rPr lang="en-US" sz="3600" b="1" dirty="0" err="1">
-                <a:latin typeface="Times New Roman" panose="02020603050405020304" pitchFamily="18" charset="0"/>
-                <a:cs typeface="Times New Roman" panose="02020603050405020304" pitchFamily="18" charset="0"/>
-              </a:rPr>
-              <a:t>Problema</a:t>
-            </a:r>
-            <a:r>
-              <a:rPr lang="en-US" sz="3600" b="1" dirty="0">
-                <a:latin typeface="Times New Roman" panose="02020603050405020304" pitchFamily="18" charset="0"/>
-                <a:cs typeface="Times New Roman" panose="02020603050405020304" pitchFamily="18" charset="0"/>
-              </a:rPr>
-              <a:t> </a:t>
-            </a:r>
-            <a:r>
-              <a:rPr lang="en-US" sz="3600" b="1" dirty="0" err="1">
-                <a:latin typeface="Times New Roman" panose="02020603050405020304" pitchFamily="18" charset="0"/>
-                <a:cs typeface="Times New Roman" panose="02020603050405020304" pitchFamily="18" charset="0"/>
-              </a:rPr>
-              <a:t>timpului</a:t>
-            </a:r>
-            <a:endParaRPr lang="en-US" sz="3600" b="1" dirty="0">
-              <a:latin typeface="Times New Roman" panose="02020603050405020304" pitchFamily="18" charset="0"/>
-              <a:cs typeface="Times New Roman" panose="02020603050405020304" pitchFamily="18" charset="0"/>
-            </a:endParaRPr>
-          </a:p>
-        </p:txBody>
-      </p:sp>
-      <p:sp>
-        <p:nvSpPr>
-          <p:cNvPr id="3" name="Content Placeholder 2"/>
-          <p:cNvSpPr>
-            <a:spLocks noGrp="1"/>
-          </p:cNvSpPr>
-          <p:nvPr>
-            <p:ph sz="quarter" idx="10"/>
-          </p:nvPr>
-        </p:nvSpPr>
-        <p:spPr>
-          <a:xfrm>
-            <a:off x="521207" y="1489397"/>
-            <a:ext cx="11024975" cy="3977640"/>
-          </a:xfrm>
-        </p:spPr>
-        <p:txBody>
-          <a:bodyPr vert="horz" lIns="91440" tIns="45720" rIns="91440" bIns="45720" rtlCol="0" anchor="t">
-            <a:normAutofit/>
-          </a:bodyPr>
-          <a:lstStyle/>
-          <a:p>
-            <a:pPr marL="342900" indent="-342900">
-              <a:buFont typeface="Wingdings" panose="05000000000000000000" pitchFamily="2" charset="2"/>
-              <a:buChar char="q"/>
-            </a:pPr>
-            <a:r>
-              <a:rPr lang="en-US" sz="2800" dirty="0">
-                <a:latin typeface="Times New Roman"/>
-                <a:cs typeface="Times New Roman"/>
-              </a:rPr>
-              <a:t> Un alt factor important care a </a:t>
-            </a:r>
-            <a:r>
-              <a:rPr lang="en-US" sz="2800" err="1">
-                <a:latin typeface="Times New Roman"/>
-                <a:cs typeface="Times New Roman"/>
-              </a:rPr>
-              <a:t>dus</a:t>
-            </a:r>
-            <a:r>
-              <a:rPr lang="en-US" sz="2800" dirty="0">
-                <a:latin typeface="Times New Roman"/>
-                <a:cs typeface="Times New Roman"/>
-              </a:rPr>
-              <a:t> la </a:t>
-            </a:r>
-            <a:r>
-              <a:rPr lang="en-US" sz="2800" err="1">
-                <a:latin typeface="Times New Roman"/>
-                <a:cs typeface="Times New Roman"/>
-              </a:rPr>
-              <a:t>diminuarea</a:t>
-            </a:r>
-            <a:r>
-              <a:rPr lang="en-US" sz="2800" dirty="0">
-                <a:latin typeface="Times New Roman"/>
-                <a:cs typeface="Times New Roman"/>
-              </a:rPr>
-              <a:t> </a:t>
-            </a:r>
-            <a:r>
-              <a:rPr lang="en-US" sz="2800" err="1">
-                <a:latin typeface="Times New Roman"/>
-                <a:cs typeface="Times New Roman"/>
-              </a:rPr>
-              <a:t>investitiilor</a:t>
-            </a:r>
-            <a:r>
-              <a:rPr lang="en-US" sz="2800" dirty="0">
-                <a:latin typeface="Times New Roman"/>
-                <a:cs typeface="Times New Roman"/>
-              </a:rPr>
-              <a:t> in </a:t>
-            </a:r>
-            <a:r>
-              <a:rPr lang="en-US" sz="2800" err="1">
-                <a:latin typeface="Times New Roman"/>
-                <a:cs typeface="Times New Roman"/>
-              </a:rPr>
-              <a:t>critpomonede</a:t>
-            </a:r>
-            <a:r>
-              <a:rPr lang="en-US" sz="2800" dirty="0">
-                <a:latin typeface="Times New Roman"/>
-                <a:cs typeface="Times New Roman"/>
-              </a:rPr>
-              <a:t> a </a:t>
-            </a:r>
-            <a:r>
-              <a:rPr lang="en-US" sz="2800" err="1">
-                <a:latin typeface="Times New Roman"/>
-                <a:cs typeface="Times New Roman"/>
-              </a:rPr>
-              <a:t>fost</a:t>
-            </a:r>
-            <a:r>
-              <a:rPr lang="en-US" sz="2800" dirty="0">
-                <a:latin typeface="Times New Roman"/>
-                <a:cs typeface="Times New Roman"/>
-              </a:rPr>
-              <a:t> </a:t>
-            </a:r>
-            <a:r>
-              <a:rPr lang="en-US" sz="2800" err="1">
-                <a:latin typeface="Times New Roman"/>
-                <a:cs typeface="Times New Roman"/>
-              </a:rPr>
-              <a:t>timpul</a:t>
-            </a:r>
-            <a:r>
-              <a:rPr lang="en-US" sz="2800" dirty="0">
-                <a:latin typeface="Times New Roman"/>
-                <a:cs typeface="Times New Roman"/>
-              </a:rPr>
-              <a:t>.</a:t>
-            </a:r>
-          </a:p>
-          <a:p>
-            <a:pPr marL="342900" indent="-342900">
-              <a:buFont typeface="Wingdings" panose="05000000000000000000" pitchFamily="2" charset="2"/>
-              <a:buChar char="q"/>
-            </a:pPr>
-            <a:r>
-              <a:rPr lang="en-US" sz="2800" dirty="0">
-                <a:latin typeface="Times New Roman"/>
-                <a:cs typeface="Times New Roman"/>
-              </a:rPr>
-              <a:t> </a:t>
-            </a:r>
-            <a:r>
-              <a:rPr lang="en-US" sz="2800" err="1">
-                <a:latin typeface="Times New Roman"/>
-                <a:cs typeface="Times New Roman"/>
-              </a:rPr>
-              <a:t>Managementul</a:t>
-            </a:r>
-            <a:r>
-              <a:rPr lang="en-US" sz="2800" dirty="0">
-                <a:latin typeface="Times New Roman"/>
-                <a:cs typeface="Times New Roman"/>
-              </a:rPr>
-              <a:t> </a:t>
-            </a:r>
-            <a:r>
-              <a:rPr lang="en-US" sz="2800" err="1">
-                <a:latin typeface="Times New Roman"/>
-                <a:cs typeface="Times New Roman"/>
-              </a:rPr>
-              <a:t>mai</a:t>
-            </a:r>
-            <a:r>
-              <a:rPr lang="en-US" sz="2800" dirty="0">
-                <a:latin typeface="Times New Roman"/>
-                <a:cs typeface="Times New Roman"/>
-              </a:rPr>
-              <a:t> </a:t>
-            </a:r>
-            <a:r>
-              <a:rPr lang="en-US" sz="2800" err="1">
-                <a:latin typeface="Times New Roman"/>
-                <a:cs typeface="Times New Roman"/>
-              </a:rPr>
-              <a:t>multor</a:t>
-            </a:r>
-            <a:r>
-              <a:rPr lang="en-US" sz="2800" dirty="0">
-                <a:latin typeface="Times New Roman"/>
-                <a:cs typeface="Times New Roman"/>
-              </a:rPr>
-              <a:t> </a:t>
-            </a:r>
-            <a:r>
-              <a:rPr lang="en-US" sz="2800">
-                <a:latin typeface="Times New Roman"/>
-                <a:cs typeface="Times New Roman"/>
-              </a:rPr>
-              <a:t>monede. Si aceasta a contribuit la diminuarea investitiilor, fiind o mare consumatoare de timp.</a:t>
-            </a:r>
-            <a:endParaRPr lang="en-US">
-              <a:cs typeface="Segoe UI"/>
-            </a:endParaRPr>
-          </a:p>
-          <a:p>
-            <a:endParaRPr lang="en-US" dirty="0"/>
-          </a:p>
-        </p:txBody>
-      </p:sp>
-    </p:spTree>
-    <p:extLst>
-      <p:ext uri="{BB962C8B-B14F-4D97-AF65-F5344CB8AC3E}">
-        <p14:creationId xmlns:p14="http://schemas.microsoft.com/office/powerpoint/2010/main" val="3118807439"/>
       </p:ext>
     </p:extLst>
   </p:cSld>
@@ -5428,27 +6046,27 @@
           <a:lstStyle/>
           <a:p>
             <a:r>
-              <a:rPr lang="en-US" sz="3600" b="1" dirty="0" err="1">
+              <a:rPr lang="en-US" sz="3600" b="1" err="1">
                 <a:latin typeface="Times New Roman" panose="02020603050405020304" pitchFamily="18" charset="0"/>
                 <a:cs typeface="Times New Roman" panose="02020603050405020304" pitchFamily="18" charset="0"/>
               </a:rPr>
-              <a:t>Prezentarea</a:t>
-            </a:r>
-            <a:r>
-              <a:rPr lang="en-US" sz="3600" b="1" dirty="0">
+              <a:t>Problema</a:t>
+            </a:r>
+            <a:r>
+              <a:rPr lang="en-US" sz="3600" b="1">
                 <a:latin typeface="Times New Roman" panose="02020603050405020304" pitchFamily="18" charset="0"/>
                 <a:cs typeface="Times New Roman" panose="02020603050405020304" pitchFamily="18" charset="0"/>
               </a:rPr>
               <a:t> </a:t>
             </a:r>
             <a:r>
-              <a:rPr lang="en-US" sz="3600" b="1" dirty="0" err="1">
+              <a:rPr lang="en-US" sz="3600" b="1" err="1">
                 <a:latin typeface="Times New Roman" panose="02020603050405020304" pitchFamily="18" charset="0"/>
                 <a:cs typeface="Times New Roman" panose="02020603050405020304" pitchFamily="18" charset="0"/>
               </a:rPr>
-              <a:t>aplicatiei</a:t>
-            </a:r>
-            <a:endParaRPr lang="en-US" sz="3600" b="1" dirty="0">
+              <a:t>timpului</a:t>
+            </a:r>
+            <a:endParaRPr lang="en-US" sz="3600" b="1">
               <a:latin typeface="Times New Roman" panose="02020603050405020304" pitchFamily="18" charset="0"/>
               <a:cs typeface="Times New Roman" panose="02020603050405020304" pitchFamily="18" charset="0"/>
             </a:endParaRPr>
@@ -5467,830 +6085,312 @@
         </p:nvSpPr>
         <p:spPr>
           <a:xfrm>
-            <a:off x="521207" y="1593668"/>
-            <a:ext cx="11129990" cy="4798423"/>
+            <a:off x="521207" y="1489397"/>
+            <a:ext cx="11024975" cy="3977640"/>
           </a:xfrm>
         </p:spPr>
         <p:txBody>
-          <a:bodyPr>
-            <a:noAutofit/>
+          <a:bodyPr vert="horz" lIns="91440" tIns="45720" rIns="91440" bIns="45720" rtlCol="0" anchor="t">
+            <a:normAutofit/>
           </a:bodyPr>
           <a:lstStyle/>
           <a:p>
-            <a:r>
-              <a:rPr lang="en-US" sz="2400" dirty="0">
-                <a:latin typeface="Times New Roman"/>
-                <a:cs typeface="Times New Roman"/>
-              </a:rPr>
-              <a:t> 	</a:t>
-            </a:r>
-            <a:r>
-              <a:rPr lang="en-US" sz="2400" dirty="0" err="1">
-                <a:latin typeface="Times New Roman"/>
-                <a:cs typeface="Times New Roman"/>
-              </a:rPr>
-              <a:t>Aceasta</a:t>
-            </a:r>
-            <a:r>
-              <a:rPr lang="en-US" sz="2400" dirty="0">
-                <a:latin typeface="Times New Roman"/>
-                <a:cs typeface="Times New Roman"/>
-              </a:rPr>
-              <a:t> </a:t>
-            </a:r>
-            <a:r>
-              <a:rPr lang="en-US" sz="2400" dirty="0" err="1">
-                <a:latin typeface="Times New Roman"/>
-                <a:cs typeface="Times New Roman"/>
-              </a:rPr>
-              <a:t>lucrare</a:t>
-            </a:r>
-            <a:r>
-              <a:rPr lang="en-US" sz="2400" dirty="0">
-                <a:latin typeface="Times New Roman"/>
-                <a:cs typeface="Times New Roman"/>
-              </a:rPr>
-              <a:t> are ca </a:t>
-            </a:r>
-            <a:r>
-              <a:rPr lang="en-US" sz="2400" dirty="0" err="1">
-                <a:latin typeface="Times New Roman"/>
-                <a:cs typeface="Times New Roman"/>
-              </a:rPr>
-              <a:t>scop</a:t>
-            </a:r>
-            <a:r>
-              <a:rPr lang="en-US" sz="2400" dirty="0">
-                <a:latin typeface="Times New Roman"/>
-                <a:cs typeface="Times New Roman"/>
-              </a:rPr>
-              <a:t> </a:t>
-            </a:r>
-            <a:r>
-              <a:rPr lang="en-US" sz="2400" dirty="0" err="1">
-                <a:latin typeface="Times New Roman"/>
-                <a:cs typeface="Times New Roman"/>
-              </a:rPr>
-              <a:t>crearea</a:t>
-            </a:r>
-            <a:r>
-              <a:rPr lang="en-US" sz="2400" dirty="0">
-                <a:latin typeface="Times New Roman"/>
-                <a:cs typeface="Times New Roman"/>
-              </a:rPr>
-              <a:t> </a:t>
-            </a:r>
-            <a:r>
-              <a:rPr lang="en-US" sz="2400" dirty="0" err="1">
-                <a:latin typeface="Times New Roman"/>
-                <a:cs typeface="Times New Roman"/>
-              </a:rPr>
-              <a:t>unei</a:t>
-            </a:r>
-            <a:r>
-              <a:rPr lang="en-US" sz="2400" dirty="0">
-                <a:latin typeface="Times New Roman"/>
-                <a:cs typeface="Times New Roman"/>
-              </a:rPr>
-              <a:t> </a:t>
-            </a:r>
-            <a:r>
-              <a:rPr lang="en-US" sz="2400" dirty="0" err="1">
-                <a:latin typeface="Times New Roman"/>
-                <a:cs typeface="Times New Roman"/>
-              </a:rPr>
-              <a:t>aplicatii</a:t>
-            </a:r>
-            <a:r>
-              <a:rPr lang="en-US" sz="2400" dirty="0">
-                <a:latin typeface="Times New Roman"/>
-                <a:cs typeface="Times New Roman"/>
-              </a:rPr>
-              <a:t> care </a:t>
-            </a:r>
-            <a:r>
-              <a:rPr lang="en-US" sz="2400" dirty="0" err="1">
-                <a:latin typeface="Times New Roman"/>
-                <a:cs typeface="Times New Roman"/>
-              </a:rPr>
-              <a:t>sa</a:t>
-            </a:r>
-            <a:r>
-              <a:rPr lang="en-US" sz="2400" dirty="0">
-                <a:latin typeface="Times New Roman"/>
-                <a:cs typeface="Times New Roman"/>
-              </a:rPr>
-              <a:t> </a:t>
-            </a:r>
-            <a:r>
-              <a:rPr lang="en-US" sz="2400" dirty="0" err="1">
-                <a:latin typeface="Times New Roman"/>
-                <a:cs typeface="Times New Roman"/>
-              </a:rPr>
-              <a:t>automatizeze</a:t>
-            </a:r>
-            <a:r>
-              <a:rPr lang="en-US" sz="2400" dirty="0">
-                <a:latin typeface="Times New Roman"/>
-                <a:cs typeface="Times New Roman"/>
-              </a:rPr>
-              <a:t> un </a:t>
-            </a:r>
-            <a:r>
-              <a:rPr lang="en-US" sz="2400" dirty="0" err="1">
-                <a:latin typeface="Times New Roman"/>
-                <a:cs typeface="Times New Roman"/>
-              </a:rPr>
-              <a:t>proces</a:t>
-            </a:r>
-            <a:r>
-              <a:rPr lang="en-US" sz="2400" dirty="0">
+            <a:pPr marL="342900" indent="-342900">
+              <a:buFont typeface="Wingdings" panose="05000000000000000000" pitchFamily="2" charset="2"/>
+              <a:buChar char="q"/>
+            </a:pPr>
+            <a:r>
+              <a:rPr lang="en-US" sz="2800">
+                <a:latin typeface="Times New Roman"/>
+                <a:cs typeface="Times New Roman"/>
+              </a:rPr>
+              <a:t> Un alt factor important care a </a:t>
+            </a:r>
+            <a:r>
+              <a:rPr lang="en-US" sz="2800" err="1">
+                <a:latin typeface="Times New Roman"/>
+                <a:cs typeface="Times New Roman"/>
+              </a:rPr>
+              <a:t>dus</a:t>
+            </a:r>
+            <a:r>
+              <a:rPr lang="en-US" sz="2800">
+                <a:latin typeface="Times New Roman"/>
+                <a:cs typeface="Times New Roman"/>
+              </a:rPr>
+              <a:t> la </a:t>
+            </a:r>
+            <a:r>
+              <a:rPr lang="en-US" sz="2800" err="1">
+                <a:latin typeface="Times New Roman"/>
+                <a:cs typeface="Times New Roman"/>
+              </a:rPr>
+              <a:t>diminuarea</a:t>
+            </a:r>
+            <a:r>
+              <a:rPr lang="en-US" sz="2800">
+                <a:latin typeface="Times New Roman"/>
+                <a:cs typeface="Times New Roman"/>
+              </a:rPr>
+              <a:t> </a:t>
+            </a:r>
+            <a:r>
+              <a:rPr lang="en-US" sz="2800" err="1">
+                <a:latin typeface="Times New Roman"/>
+                <a:cs typeface="Times New Roman"/>
+              </a:rPr>
+              <a:t>investițiilor</a:t>
+            </a:r>
+            <a:r>
+              <a:rPr lang="en-US" sz="2800">
+                <a:latin typeface="Times New Roman"/>
+                <a:cs typeface="Times New Roman"/>
+              </a:rPr>
+              <a:t> </a:t>
+            </a:r>
+            <a:r>
+              <a:rPr lang="en-US" sz="2800" err="1">
+                <a:latin typeface="Times New Roman"/>
+                <a:cs typeface="Times New Roman"/>
+              </a:rPr>
+              <a:t>în</a:t>
+            </a:r>
+            <a:r>
+              <a:rPr lang="en-US" sz="2800">
+                <a:latin typeface="Times New Roman"/>
+                <a:cs typeface="Times New Roman"/>
+              </a:rPr>
+              <a:t> </a:t>
+            </a:r>
+            <a:r>
+              <a:rPr lang="en-US" sz="2800" err="1">
+                <a:latin typeface="Times New Roman"/>
+                <a:cs typeface="Times New Roman"/>
+              </a:rPr>
+              <a:t>critpomonede</a:t>
+            </a:r>
+            <a:r>
+              <a:rPr lang="en-US" sz="2800">
+                <a:latin typeface="Times New Roman"/>
+                <a:cs typeface="Times New Roman"/>
+              </a:rPr>
+              <a:t> a </a:t>
+            </a:r>
+            <a:r>
+              <a:rPr lang="en-US" sz="2800" err="1">
+                <a:latin typeface="Times New Roman"/>
+                <a:cs typeface="Times New Roman"/>
+              </a:rPr>
+              <a:t>fost</a:t>
+            </a:r>
+            <a:r>
+              <a:rPr lang="en-US" sz="2800">
+                <a:latin typeface="Times New Roman"/>
+                <a:cs typeface="Times New Roman"/>
+              </a:rPr>
+              <a:t> </a:t>
+            </a:r>
+            <a:r>
+              <a:rPr lang="en-US" sz="2800" err="1">
+                <a:latin typeface="Times New Roman"/>
+                <a:cs typeface="Times New Roman"/>
+              </a:rPr>
+              <a:t>timpul</a:t>
+            </a:r>
+            <a:r>
+              <a:rPr lang="en-US" sz="2800">
+                <a:latin typeface="Times New Roman"/>
+                <a:cs typeface="Times New Roman"/>
+              </a:rPr>
+              <a:t>.</a:t>
+            </a:r>
+          </a:p>
+          <a:p>
+            <a:pPr marL="342900" indent="-342900">
+              <a:buFont typeface="Wingdings" panose="05000000000000000000" pitchFamily="2" charset="2"/>
+              <a:buChar char="q"/>
+            </a:pPr>
+            <a:r>
+              <a:rPr lang="en-US" sz="2800">
+                <a:latin typeface="Times New Roman"/>
+                <a:cs typeface="Times New Roman"/>
+              </a:rPr>
+              <a:t> </a:t>
+            </a:r>
+            <a:r>
+              <a:rPr lang="en-US" sz="2800" err="1">
+                <a:latin typeface="Times New Roman"/>
+                <a:cs typeface="Times New Roman"/>
+              </a:rPr>
+              <a:t>Managementul</a:t>
+            </a:r>
+            <a:r>
+              <a:rPr lang="en-US" sz="2800">
+                <a:latin typeface="Times New Roman"/>
+                <a:cs typeface="Times New Roman"/>
+              </a:rPr>
+              <a:t> </a:t>
+            </a:r>
+            <a:r>
+              <a:rPr lang="en-US" sz="2800" err="1">
+                <a:latin typeface="Times New Roman"/>
+                <a:cs typeface="Times New Roman"/>
+              </a:rPr>
+              <a:t>mai</a:t>
+            </a:r>
+            <a:r>
+              <a:rPr lang="en-US" sz="2800">
+                <a:latin typeface="Times New Roman"/>
+                <a:cs typeface="Times New Roman"/>
+              </a:rPr>
+              <a:t> </a:t>
+            </a:r>
+            <a:r>
+              <a:rPr lang="en-US" sz="2800" err="1">
+                <a:latin typeface="Times New Roman"/>
+                <a:cs typeface="Times New Roman"/>
+              </a:rPr>
+              <a:t>multor</a:t>
+            </a:r>
+            <a:r>
+              <a:rPr lang="en-US" sz="2800">
+                <a:latin typeface="Times New Roman"/>
+                <a:cs typeface="Times New Roman"/>
+              </a:rPr>
+              <a:t> </a:t>
+            </a:r>
+            <a:r>
+              <a:rPr lang="en-US" sz="2800" err="1">
+                <a:latin typeface="Times New Roman"/>
+                <a:cs typeface="Times New Roman"/>
+              </a:rPr>
+              <a:t>monede</a:t>
+            </a:r>
+            <a:r>
+              <a:rPr lang="en-US" sz="2800">
+                <a:latin typeface="Times New Roman"/>
+                <a:cs typeface="Times New Roman"/>
+              </a:rPr>
+              <a:t>. </a:t>
+            </a:r>
+            <a:r>
+              <a:rPr lang="en-US" sz="2800" err="1">
+                <a:latin typeface="Times New Roman"/>
+                <a:cs typeface="Times New Roman"/>
+              </a:rPr>
+              <a:t>Și</a:t>
+            </a:r>
+            <a:r>
+              <a:rPr lang="en-US" sz="2800">
+                <a:latin typeface="Times New Roman"/>
+                <a:cs typeface="Times New Roman"/>
+              </a:rPr>
+              <a:t> </a:t>
+            </a:r>
+            <a:r>
+              <a:rPr lang="en-US" sz="2800" err="1">
+                <a:latin typeface="Times New Roman"/>
+                <a:cs typeface="Times New Roman"/>
+              </a:rPr>
+              <a:t>aceasta</a:t>
+            </a:r>
+            <a:r>
+              <a:rPr lang="en-US" sz="2800">
+                <a:latin typeface="Times New Roman"/>
+                <a:cs typeface="Times New Roman"/>
+              </a:rPr>
+              <a:t> a </a:t>
+            </a:r>
+            <a:r>
+              <a:rPr lang="en-US" sz="2800" err="1">
+                <a:latin typeface="Times New Roman"/>
+                <a:cs typeface="Times New Roman"/>
+              </a:rPr>
+              <a:t>contribuit</a:t>
+            </a:r>
+            <a:r>
+              <a:rPr lang="en-US" sz="2800">
+                <a:latin typeface="Times New Roman"/>
+                <a:cs typeface="Times New Roman"/>
+              </a:rPr>
+              <a:t> la </a:t>
+            </a:r>
+            <a:r>
+              <a:rPr lang="en-US" sz="2800" err="1">
+                <a:latin typeface="Times New Roman"/>
+                <a:cs typeface="Times New Roman"/>
+              </a:rPr>
+              <a:t>diminuarea</a:t>
+            </a:r>
+            <a:r>
+              <a:rPr lang="en-US" sz="2800">
+                <a:latin typeface="Times New Roman"/>
+                <a:cs typeface="Times New Roman"/>
+              </a:rPr>
+              <a:t> </a:t>
+            </a:r>
+            <a:r>
+              <a:rPr lang="en-US" sz="2800" err="1">
+                <a:latin typeface="Times New Roman"/>
+                <a:cs typeface="Times New Roman"/>
+              </a:rPr>
+              <a:t>investițiilor</a:t>
+            </a:r>
+            <a:r>
+              <a:rPr lang="en-US" sz="2800">
+                <a:latin typeface="Times New Roman"/>
+                <a:cs typeface="Times New Roman"/>
+              </a:rPr>
+              <a:t>, </a:t>
+            </a:r>
+            <a:r>
+              <a:rPr lang="en-US" sz="2800" err="1">
+                <a:latin typeface="Times New Roman"/>
+                <a:cs typeface="Times New Roman"/>
+              </a:rPr>
+              <a:t>fiind</a:t>
+            </a:r>
+            <a:r>
+              <a:rPr lang="en-US" sz="2800">
+                <a:latin typeface="Times New Roman"/>
+                <a:cs typeface="Times New Roman"/>
+              </a:rPr>
+              <a:t> o mare </a:t>
+            </a:r>
+            <a:r>
+              <a:rPr lang="en-US" sz="2800" err="1">
+                <a:latin typeface="Times New Roman"/>
+                <a:cs typeface="Times New Roman"/>
+              </a:rPr>
+              <a:t>consumatoare</a:t>
+            </a:r>
+            <a:r>
+              <a:rPr lang="en-US" sz="2800">
                 <a:latin typeface="Times New Roman"/>
                 <a:cs typeface="Times New Roman"/>
               </a:rPr>
               <a:t> de </a:t>
             </a:r>
             <a:r>
-              <a:rPr lang="en-US" sz="2400" dirty="0" err="1">
-                <a:latin typeface="Times New Roman"/>
-                <a:cs typeface="Times New Roman"/>
-              </a:rPr>
-              <a:t>monitorizare</a:t>
-            </a:r>
-            <a:r>
-              <a:rPr lang="en-US" sz="2400" dirty="0">
-                <a:latin typeface="Times New Roman"/>
-                <a:cs typeface="Times New Roman"/>
-              </a:rPr>
-              <a:t> a </a:t>
-            </a:r>
-            <a:r>
-              <a:rPr lang="en-US" sz="2400" dirty="0" err="1">
-                <a:latin typeface="Times New Roman"/>
-                <a:cs typeface="Times New Roman"/>
-              </a:rPr>
-              <a:t>criptomonedelor</a:t>
-            </a:r>
-            <a:r>
-              <a:rPr lang="en-US" sz="2400" dirty="0">
-                <a:latin typeface="Times New Roman"/>
-                <a:cs typeface="Times New Roman"/>
-              </a:rPr>
-              <a:t>. </a:t>
-            </a:r>
-            <a:r>
-              <a:rPr lang="en-US" sz="2400" dirty="0" err="1">
-                <a:latin typeface="Times New Roman"/>
-                <a:cs typeface="Times New Roman"/>
-              </a:rPr>
-              <a:t>Aplicatia</a:t>
-            </a:r>
-            <a:r>
-              <a:rPr lang="en-US" sz="2400" dirty="0">
-                <a:latin typeface="Times New Roman"/>
-                <a:cs typeface="Times New Roman"/>
-              </a:rPr>
-              <a:t> </a:t>
-            </a:r>
-            <a:r>
-              <a:rPr lang="en-US" sz="2400" dirty="0" err="1">
-                <a:latin typeface="Times New Roman"/>
-                <a:cs typeface="Times New Roman"/>
-              </a:rPr>
-              <a:t>va</a:t>
-            </a:r>
-            <a:r>
-              <a:rPr lang="en-US" sz="2400" dirty="0">
-                <a:latin typeface="Times New Roman"/>
-                <a:cs typeface="Times New Roman"/>
-              </a:rPr>
-              <a:t> </a:t>
-            </a:r>
-            <a:r>
-              <a:rPr lang="en-US" sz="2400" dirty="0" err="1">
-                <a:latin typeface="Times New Roman"/>
-                <a:cs typeface="Times New Roman"/>
-              </a:rPr>
-              <a:t>trimite</a:t>
-            </a:r>
-            <a:r>
-              <a:rPr lang="en-US" sz="2400" dirty="0">
-                <a:latin typeface="Times New Roman"/>
-                <a:cs typeface="Times New Roman"/>
-              </a:rPr>
-              <a:t> mail-</a:t>
-            </a:r>
-            <a:r>
-              <a:rPr lang="en-US" sz="2400" dirty="0" err="1">
-                <a:latin typeface="Times New Roman"/>
-                <a:cs typeface="Times New Roman"/>
-              </a:rPr>
-              <a:t>uri</a:t>
-            </a:r>
-            <a:r>
-              <a:rPr lang="en-US" sz="2400" dirty="0">
-                <a:latin typeface="Times New Roman"/>
-                <a:cs typeface="Times New Roman"/>
-              </a:rPr>
-              <a:t> </a:t>
-            </a:r>
-            <a:r>
-              <a:rPr lang="en-US" sz="2400" dirty="0" err="1">
-                <a:latin typeface="Times New Roman"/>
-                <a:cs typeface="Times New Roman"/>
-              </a:rPr>
-              <a:t>utilizatorilor</a:t>
-            </a:r>
-            <a:r>
-              <a:rPr lang="en-US" sz="2400" dirty="0">
-                <a:latin typeface="Times New Roman"/>
-                <a:cs typeface="Times New Roman"/>
-              </a:rPr>
-              <a:t> in </a:t>
-            </a:r>
-            <a:r>
-              <a:rPr lang="en-US" sz="2400" dirty="0" err="1">
-                <a:latin typeface="Times New Roman"/>
-                <a:cs typeface="Times New Roman"/>
-              </a:rPr>
-              <a:t>momentul</a:t>
-            </a:r>
-            <a:r>
-              <a:rPr lang="en-US" sz="2400" dirty="0">
-                <a:latin typeface="Times New Roman"/>
-                <a:cs typeface="Times New Roman"/>
-              </a:rPr>
-              <a:t> in care </a:t>
-            </a:r>
-            <a:r>
-              <a:rPr lang="en-US" sz="2400" dirty="0" err="1">
-                <a:latin typeface="Times New Roman"/>
-                <a:cs typeface="Times New Roman"/>
-              </a:rPr>
-              <a:t>valoarea</a:t>
-            </a:r>
-            <a:r>
-              <a:rPr lang="en-US" sz="2400" dirty="0">
-                <a:latin typeface="Times New Roman"/>
-                <a:cs typeface="Times New Roman"/>
-              </a:rPr>
-              <a:t> </a:t>
-            </a:r>
-            <a:r>
-              <a:rPr lang="en-US" sz="2400" dirty="0" err="1">
-                <a:latin typeface="Times New Roman"/>
-                <a:cs typeface="Times New Roman"/>
-              </a:rPr>
-              <a:t>unei</a:t>
-            </a:r>
-            <a:r>
-              <a:rPr lang="en-US" sz="2400" dirty="0">
-                <a:latin typeface="Times New Roman"/>
-                <a:cs typeface="Times New Roman"/>
-              </a:rPr>
-              <a:t> </a:t>
-            </a:r>
-            <a:r>
-              <a:rPr lang="en-US" sz="2400" dirty="0" err="1">
-                <a:latin typeface="Times New Roman"/>
-                <a:cs typeface="Times New Roman"/>
-              </a:rPr>
-              <a:t>monede</a:t>
-            </a:r>
-            <a:r>
-              <a:rPr lang="en-US" sz="2400" dirty="0">
-                <a:latin typeface="Times New Roman"/>
-                <a:cs typeface="Times New Roman"/>
-              </a:rPr>
-              <a:t> </a:t>
-            </a:r>
-            <a:r>
-              <a:rPr lang="en-US" sz="2400" dirty="0" err="1">
-                <a:latin typeface="Times New Roman"/>
-                <a:cs typeface="Times New Roman"/>
-              </a:rPr>
-              <a:t>va</a:t>
-            </a:r>
-            <a:r>
-              <a:rPr lang="en-US" sz="2400" dirty="0">
-                <a:latin typeface="Times New Roman"/>
-                <a:cs typeface="Times New Roman"/>
-              </a:rPr>
-              <a:t> </a:t>
-            </a:r>
-            <a:r>
-              <a:rPr lang="en-US" sz="2400" dirty="0" err="1">
-                <a:latin typeface="Times New Roman"/>
-                <a:cs typeface="Times New Roman"/>
-              </a:rPr>
-              <a:t>scadea</a:t>
-            </a:r>
-            <a:r>
-              <a:rPr lang="en-US" sz="2400" dirty="0">
-                <a:latin typeface="Times New Roman"/>
-                <a:cs typeface="Times New Roman"/>
-              </a:rPr>
-              <a:t> </a:t>
-            </a:r>
-            <a:r>
-              <a:rPr lang="en-US" sz="2400" dirty="0" err="1">
-                <a:latin typeface="Times New Roman"/>
-                <a:cs typeface="Times New Roman"/>
-              </a:rPr>
-              <a:t>sau</a:t>
-            </a:r>
-            <a:r>
-              <a:rPr lang="en-US" sz="2400" dirty="0">
-                <a:latin typeface="Times New Roman"/>
-                <a:cs typeface="Times New Roman"/>
-              </a:rPr>
-              <a:t> </a:t>
-            </a:r>
-            <a:r>
-              <a:rPr lang="en-US" sz="2400" dirty="0" err="1">
-                <a:latin typeface="Times New Roman"/>
-                <a:cs typeface="Times New Roman"/>
-              </a:rPr>
-              <a:t>va</a:t>
-            </a:r>
-            <a:r>
-              <a:rPr lang="en-US" sz="2400" dirty="0">
-                <a:latin typeface="Times New Roman"/>
-                <a:cs typeface="Times New Roman"/>
-              </a:rPr>
-              <a:t> </a:t>
-            </a:r>
-            <a:r>
-              <a:rPr lang="en-US" sz="2400" dirty="0" err="1">
-                <a:latin typeface="Times New Roman"/>
-                <a:cs typeface="Times New Roman"/>
-              </a:rPr>
-              <a:t>creste</a:t>
-            </a:r>
-            <a:r>
-              <a:rPr lang="en-US" sz="2400" dirty="0">
-                <a:latin typeface="Times New Roman"/>
-                <a:cs typeface="Times New Roman"/>
-              </a:rPr>
-              <a:t> </a:t>
-            </a:r>
-            <a:r>
-              <a:rPr lang="en-US" sz="2400" dirty="0" err="1">
-                <a:latin typeface="Times New Roman"/>
-                <a:cs typeface="Times New Roman"/>
-              </a:rPr>
-              <a:t>suficient</a:t>
-            </a:r>
-            <a:r>
-              <a:rPr lang="en-US" sz="2400" dirty="0">
-                <a:latin typeface="Times New Roman"/>
-                <a:cs typeface="Times New Roman"/>
-              </a:rPr>
-              <a:t> de </a:t>
-            </a:r>
-            <a:r>
-              <a:rPr lang="en-US" sz="2400" dirty="0" err="1">
-                <a:latin typeface="Times New Roman"/>
-                <a:cs typeface="Times New Roman"/>
-              </a:rPr>
-              <a:t>mult</a:t>
-            </a:r>
-            <a:r>
-              <a:rPr lang="en-US" sz="2400" dirty="0">
-                <a:latin typeface="Times New Roman"/>
-                <a:cs typeface="Times New Roman"/>
-              </a:rPr>
-              <a:t> </a:t>
-            </a:r>
-            <a:r>
-              <a:rPr lang="en-US" sz="2400" dirty="0" err="1">
-                <a:latin typeface="Times New Roman"/>
-                <a:cs typeface="Times New Roman"/>
-              </a:rPr>
-              <a:t>incat</a:t>
-            </a:r>
-            <a:r>
-              <a:rPr lang="en-US" sz="2400" dirty="0">
-                <a:latin typeface="Times New Roman"/>
-                <a:cs typeface="Times New Roman"/>
-              </a:rPr>
-              <a:t> </a:t>
-            </a:r>
-            <a:r>
-              <a:rPr lang="en-US" sz="2400" dirty="0" err="1">
-                <a:latin typeface="Times New Roman"/>
-                <a:cs typeface="Times New Roman"/>
-              </a:rPr>
-              <a:t>investitia</a:t>
-            </a:r>
-            <a:r>
-              <a:rPr lang="en-US" sz="2400" dirty="0">
-                <a:latin typeface="Times New Roman"/>
-                <a:cs typeface="Times New Roman"/>
-              </a:rPr>
-              <a:t> </a:t>
-            </a:r>
-            <a:r>
-              <a:rPr lang="en-US" sz="2400" dirty="0" err="1">
-                <a:latin typeface="Times New Roman"/>
-                <a:cs typeface="Times New Roman"/>
-              </a:rPr>
-              <a:t>sa</a:t>
-            </a:r>
-            <a:r>
-              <a:rPr lang="en-US" sz="2400" dirty="0">
-                <a:latin typeface="Times New Roman"/>
-                <a:cs typeface="Times New Roman"/>
-              </a:rPr>
-              <a:t> </a:t>
-            </a:r>
-            <a:r>
-              <a:rPr lang="en-US" sz="2400" dirty="0" err="1">
-                <a:latin typeface="Times New Roman"/>
-                <a:cs typeface="Times New Roman"/>
-              </a:rPr>
-              <a:t>aduca</a:t>
-            </a:r>
-            <a:r>
-              <a:rPr lang="en-US" sz="2400" dirty="0">
-                <a:latin typeface="Times New Roman"/>
-                <a:cs typeface="Times New Roman"/>
-              </a:rPr>
-              <a:t> profit. </a:t>
-            </a:r>
-            <a:r>
-              <a:rPr lang="en-US" sz="2400" dirty="0" err="1">
-                <a:latin typeface="Times New Roman"/>
-                <a:cs typeface="Times New Roman"/>
-              </a:rPr>
-              <a:t>Utilizatorii</a:t>
-            </a:r>
-            <a:r>
-              <a:rPr lang="en-US" sz="2400" dirty="0">
-                <a:latin typeface="Times New Roman"/>
-                <a:cs typeface="Times New Roman"/>
-              </a:rPr>
-              <a:t> au </a:t>
-            </a:r>
-            <a:r>
-              <a:rPr lang="en-US" sz="2400" dirty="0" err="1">
-                <a:latin typeface="Times New Roman"/>
-                <a:cs typeface="Times New Roman"/>
-              </a:rPr>
-              <a:t>posibilitatea</a:t>
-            </a:r>
-            <a:r>
-              <a:rPr lang="en-US" sz="2400" dirty="0">
-                <a:latin typeface="Times New Roman"/>
-                <a:cs typeface="Times New Roman"/>
-              </a:rPr>
-              <a:t> </a:t>
-            </a:r>
-            <a:r>
-              <a:rPr lang="en-US" sz="2400" dirty="0" err="1">
-                <a:latin typeface="Times New Roman"/>
-                <a:cs typeface="Times New Roman"/>
-              </a:rPr>
-              <a:t>sa</a:t>
-            </a:r>
-            <a:r>
-              <a:rPr lang="en-US" sz="2400" dirty="0">
-                <a:latin typeface="Times New Roman"/>
-                <a:cs typeface="Times New Roman"/>
-              </a:rPr>
-              <a:t> </a:t>
-            </a:r>
-            <a:r>
-              <a:rPr lang="en-US" sz="2400" dirty="0" err="1">
-                <a:latin typeface="Times New Roman"/>
-                <a:cs typeface="Times New Roman"/>
-              </a:rPr>
-              <a:t>isi</a:t>
-            </a:r>
-            <a:r>
-              <a:rPr lang="en-US" sz="2400" dirty="0">
-                <a:latin typeface="Times New Roman"/>
-                <a:cs typeface="Times New Roman"/>
-              </a:rPr>
-              <a:t> </a:t>
-            </a:r>
-            <a:r>
-              <a:rPr lang="en-US" sz="2400" dirty="0" err="1">
-                <a:latin typeface="Times New Roman"/>
-                <a:cs typeface="Times New Roman"/>
-              </a:rPr>
-              <a:t>aleaga</a:t>
-            </a:r>
-            <a:r>
-              <a:rPr lang="en-US" sz="2400" dirty="0">
-                <a:latin typeface="Times New Roman"/>
-                <a:cs typeface="Times New Roman"/>
-              </a:rPr>
-              <a:t> </a:t>
-            </a:r>
-            <a:r>
-              <a:rPr lang="en-US" sz="2400" dirty="0" err="1">
-                <a:latin typeface="Times New Roman"/>
-                <a:cs typeface="Times New Roman"/>
-              </a:rPr>
-              <a:t>monedele</a:t>
-            </a:r>
-            <a:r>
-              <a:rPr lang="en-US" sz="2400" dirty="0">
-                <a:latin typeface="Times New Roman"/>
-                <a:cs typeface="Times New Roman"/>
-              </a:rPr>
-              <a:t> care </a:t>
-            </a:r>
-            <a:r>
-              <a:rPr lang="en-US" sz="2400" dirty="0" err="1">
-                <a:latin typeface="Times New Roman"/>
-                <a:cs typeface="Times New Roman"/>
-              </a:rPr>
-              <a:t>vor</a:t>
-            </a:r>
-            <a:r>
-              <a:rPr lang="en-US" sz="2400" dirty="0">
-                <a:latin typeface="Times New Roman"/>
-                <a:cs typeface="Times New Roman"/>
-              </a:rPr>
-              <a:t> fi </a:t>
-            </a:r>
-            <a:r>
-              <a:rPr lang="en-US" sz="2400" dirty="0" err="1">
-                <a:latin typeface="Times New Roman"/>
-                <a:cs typeface="Times New Roman"/>
-              </a:rPr>
-              <a:t>urmarite</a:t>
-            </a:r>
-            <a:r>
-              <a:rPr lang="en-US" sz="2400" dirty="0">
-                <a:latin typeface="Times New Roman"/>
-                <a:cs typeface="Times New Roman"/>
-              </a:rPr>
-              <a:t> de </a:t>
-            </a:r>
-            <a:r>
-              <a:rPr lang="en-US" sz="2400" dirty="0" err="1">
-                <a:latin typeface="Times New Roman"/>
-                <a:cs typeface="Times New Roman"/>
-              </a:rPr>
-              <a:t>catre</a:t>
-            </a:r>
-            <a:r>
-              <a:rPr lang="en-US" sz="2400" dirty="0">
-                <a:latin typeface="Times New Roman"/>
-                <a:cs typeface="Times New Roman"/>
-              </a:rPr>
-              <a:t> </a:t>
-            </a:r>
-            <a:r>
-              <a:rPr lang="en-US" sz="2400" dirty="0" err="1">
-                <a:latin typeface="Times New Roman"/>
-                <a:cs typeface="Times New Roman"/>
-              </a:rPr>
-              <a:t>aplicatie</a:t>
-            </a:r>
-            <a:r>
-              <a:rPr lang="en-US" sz="2400" dirty="0">
-                <a:latin typeface="Times New Roman"/>
-                <a:cs typeface="Times New Roman"/>
-              </a:rPr>
-              <a:t> </a:t>
-            </a:r>
-            <a:r>
-              <a:rPr lang="en-US" sz="2400" dirty="0" err="1">
-                <a:latin typeface="Times New Roman"/>
-                <a:cs typeface="Times New Roman"/>
-              </a:rPr>
-              <a:t>prin</a:t>
-            </a:r>
-            <a:r>
-              <a:rPr lang="en-US" sz="2400" dirty="0">
-                <a:latin typeface="Times New Roman"/>
-                <a:cs typeface="Times New Roman"/>
-              </a:rPr>
-              <a:t> </a:t>
-            </a:r>
-            <a:r>
-              <a:rPr lang="en-US" sz="2400" dirty="0" err="1">
-                <a:latin typeface="Times New Roman"/>
-                <a:cs typeface="Times New Roman"/>
-              </a:rPr>
-              <a:t>intermediul</a:t>
-            </a:r>
-            <a:r>
-              <a:rPr lang="en-US" sz="2400" dirty="0">
-                <a:latin typeface="Times New Roman"/>
-                <a:cs typeface="Times New Roman"/>
-              </a:rPr>
-              <a:t> </a:t>
-            </a:r>
-            <a:r>
-              <a:rPr lang="en-US" sz="2400" dirty="0" err="1">
-                <a:latin typeface="Times New Roman"/>
-                <a:cs typeface="Times New Roman"/>
-              </a:rPr>
-              <a:t>unei</a:t>
-            </a:r>
-            <a:r>
-              <a:rPr lang="en-US" sz="2400" dirty="0">
-                <a:latin typeface="Times New Roman"/>
-                <a:cs typeface="Times New Roman"/>
-              </a:rPr>
-              <a:t> </a:t>
-            </a:r>
-            <a:r>
-              <a:rPr lang="en-US" sz="2400" dirty="0" err="1">
-                <a:latin typeface="Times New Roman"/>
-                <a:cs typeface="Times New Roman"/>
-              </a:rPr>
-              <a:t>interfete</a:t>
-            </a:r>
-            <a:r>
-              <a:rPr lang="en-US" sz="2400" dirty="0">
-                <a:latin typeface="Times New Roman"/>
-                <a:cs typeface="Times New Roman"/>
-              </a:rPr>
-              <a:t> </a:t>
-            </a:r>
-            <a:r>
-              <a:rPr lang="en-US" sz="2400" dirty="0" err="1">
-                <a:latin typeface="Times New Roman"/>
-                <a:cs typeface="Times New Roman"/>
-              </a:rPr>
-              <a:t>grafice</a:t>
-            </a:r>
-            <a:r>
-              <a:rPr lang="en-US" sz="2400" dirty="0">
-                <a:latin typeface="Times New Roman"/>
-                <a:cs typeface="Times New Roman"/>
-              </a:rPr>
-              <a:t>. </a:t>
-            </a:r>
-            <a:r>
-              <a:rPr lang="en-US" sz="2400" dirty="0" err="1">
-                <a:latin typeface="Times New Roman"/>
-                <a:cs typeface="Times New Roman"/>
-              </a:rPr>
-              <a:t>Aplicatia</a:t>
-            </a:r>
-            <a:r>
-              <a:rPr lang="en-US" sz="2400" dirty="0">
-                <a:latin typeface="Times New Roman"/>
-                <a:cs typeface="Times New Roman"/>
-              </a:rPr>
-              <a:t> </a:t>
-            </a:r>
-            <a:r>
-              <a:rPr lang="en-US" sz="2400" dirty="0" err="1">
-                <a:latin typeface="Times New Roman"/>
-                <a:cs typeface="Times New Roman"/>
-              </a:rPr>
-              <a:t>foloseste</a:t>
-            </a:r>
-            <a:r>
-              <a:rPr lang="en-US" sz="2400" dirty="0">
-                <a:latin typeface="Times New Roman"/>
-                <a:cs typeface="Times New Roman"/>
-              </a:rPr>
-              <a:t> </a:t>
-            </a:r>
-            <a:r>
-              <a:rPr lang="en-US" sz="2400" dirty="0" err="1">
-                <a:latin typeface="Times New Roman"/>
-                <a:cs typeface="Times New Roman"/>
-              </a:rPr>
-              <a:t>si</a:t>
-            </a:r>
-            <a:r>
-              <a:rPr lang="en-US" sz="2400" dirty="0">
-                <a:latin typeface="Times New Roman"/>
-                <a:cs typeface="Times New Roman"/>
-              </a:rPr>
-              <a:t> un </a:t>
-            </a:r>
-            <a:r>
-              <a:rPr lang="en-US" sz="2400" dirty="0" err="1">
-                <a:latin typeface="Times New Roman"/>
-                <a:cs typeface="Times New Roman"/>
-              </a:rPr>
-              <a:t>algoritm</a:t>
-            </a:r>
-            <a:r>
-              <a:rPr lang="en-US" sz="2400" dirty="0">
-                <a:latin typeface="Times New Roman"/>
-                <a:cs typeface="Times New Roman"/>
-              </a:rPr>
-              <a:t> de machine learning </a:t>
-            </a:r>
-            <a:r>
-              <a:rPr lang="en-US" sz="2400" dirty="0" err="1">
-                <a:latin typeface="Times New Roman"/>
-                <a:cs typeface="Times New Roman"/>
-              </a:rPr>
-              <a:t>pentru</a:t>
-            </a:r>
-            <a:r>
-              <a:rPr lang="en-US" sz="2400" dirty="0">
-                <a:latin typeface="Times New Roman"/>
-                <a:cs typeface="Times New Roman"/>
-              </a:rPr>
-              <a:t> </a:t>
-            </a:r>
-            <a:r>
-              <a:rPr lang="en-US" sz="2400" dirty="0" err="1">
-                <a:latin typeface="Times New Roman"/>
-                <a:cs typeface="Times New Roman"/>
-              </a:rPr>
-              <a:t>prezicerea</a:t>
-            </a:r>
-            <a:r>
-              <a:rPr lang="en-US" sz="2400" dirty="0">
-                <a:latin typeface="Times New Roman"/>
-                <a:cs typeface="Times New Roman"/>
-              </a:rPr>
-              <a:t> </a:t>
-            </a:r>
-            <a:r>
-              <a:rPr lang="en-US" sz="2400" dirty="0" err="1">
-                <a:latin typeface="Times New Roman"/>
-                <a:cs typeface="Times New Roman"/>
-              </a:rPr>
-              <a:t>urmatoarei</a:t>
-            </a:r>
-            <a:r>
-              <a:rPr lang="en-US" sz="2400" dirty="0">
-                <a:latin typeface="Times New Roman"/>
-                <a:cs typeface="Times New Roman"/>
-              </a:rPr>
-              <a:t> </a:t>
-            </a:r>
-            <a:r>
-              <a:rPr lang="en-US" sz="2400" dirty="0" err="1">
-                <a:latin typeface="Times New Roman"/>
-                <a:cs typeface="Times New Roman"/>
-              </a:rPr>
-              <a:t>valori</a:t>
-            </a:r>
-            <a:r>
-              <a:rPr lang="en-US" sz="2400" dirty="0">
-                <a:latin typeface="Times New Roman"/>
-                <a:cs typeface="Times New Roman"/>
-              </a:rPr>
-              <a:t> </a:t>
-            </a:r>
-            <a:r>
-              <a:rPr lang="en-US" sz="2400" dirty="0" err="1">
-                <a:latin typeface="Times New Roman"/>
-                <a:cs typeface="Times New Roman"/>
-              </a:rPr>
-              <a:t>pentru</a:t>
-            </a:r>
-            <a:r>
-              <a:rPr lang="en-US" sz="2400" dirty="0">
-                <a:latin typeface="Times New Roman"/>
-                <a:cs typeface="Times New Roman"/>
-              </a:rPr>
-              <a:t> </a:t>
-            </a:r>
-            <a:r>
-              <a:rPr lang="en-US" sz="2400" dirty="0" err="1">
-                <a:latin typeface="Times New Roman"/>
-                <a:cs typeface="Times New Roman"/>
-              </a:rPr>
-              <a:t>monedele</a:t>
-            </a:r>
-            <a:r>
-              <a:rPr lang="en-US" sz="2400" dirty="0">
-                <a:latin typeface="Times New Roman"/>
-                <a:cs typeface="Times New Roman"/>
-              </a:rPr>
-              <a:t> respective.</a:t>
-            </a:r>
-            <a:endParaRPr lang="en-US" sz="2400" dirty="0">
-              <a:latin typeface="Times New Roman" panose="02020603050405020304" pitchFamily="18" charset="0"/>
-              <a:cs typeface="Times New Roman" panose="02020603050405020304" pitchFamily="18" charset="0"/>
+              <a:rPr lang="en-US" sz="2800" err="1">
+                <a:latin typeface="Times New Roman"/>
+                <a:cs typeface="Times New Roman"/>
+              </a:rPr>
+              <a:t>timp.</a:t>
+            </a:r>
+            <a:endParaRPr lang="en-US" err="1">
+              <a:cs typeface="Segoe UI"/>
             </a:endParaRPr>
           </a:p>
           <a:p>
-            <a:br>
-              <a:rPr lang="en-US" sz="2400" dirty="0">
-                <a:latin typeface="Times New Roman" panose="02020603050405020304" pitchFamily="18" charset="0"/>
-                <a:cs typeface="Times New Roman" panose="02020603050405020304" pitchFamily="18" charset="0"/>
-              </a:rPr>
-            </a:br>
-            <a:endParaRPr lang="en-US" sz="2400" dirty="0">
-              <a:latin typeface="Times New Roman" panose="02020603050405020304" pitchFamily="18" charset="0"/>
-              <a:cs typeface="Times New Roman" panose="02020603050405020304" pitchFamily="18" charset="0"/>
-            </a:endParaRPr>
+            <a:endParaRPr lang="en-US"/>
           </a:p>
         </p:txBody>
       </p:sp>
     </p:spTree>
     <p:extLst>
       <p:ext uri="{BB962C8B-B14F-4D97-AF65-F5344CB8AC3E}">
-        <p14:creationId xmlns:p14="http://schemas.microsoft.com/office/powerpoint/2010/main" val="276779785"/>
+        <p14:creationId xmlns:p14="http://schemas.microsoft.com/office/powerpoint/2010/main" val="3118807439"/>
       </p:ext>
     </p:extLst>
   </p:cSld>
@@ -6335,13 +6435,27 @@
           <a:lstStyle/>
           <a:p>
             <a:r>
-              <a:rPr lang="en-US" sz="3600" b="1" dirty="0" err="1">
-                <a:latin typeface="Times New Roman" panose="02020603050405020304" pitchFamily="18" charset="0"/>
-                <a:cs typeface="Times New Roman" panose="02020603050405020304" pitchFamily="18" charset="0"/>
-              </a:rPr>
-              <a:t>Contribuții</a:t>
-            </a:r>
-            <a:endParaRPr lang="en-US" sz="3600" b="1" dirty="0">
+              <a:rPr lang="en-US" sz="3600" b="1" err="1">
+                <a:latin typeface="Times New Roman"/>
+                <a:cs typeface="Times New Roman"/>
+              </a:rPr>
+              <a:t>Prezentarea</a:t>
+            </a:r>
+            <a:r>
+              <a:rPr lang="en-US" sz="3600" b="1">
+                <a:latin typeface="Times New Roman"/>
+                <a:cs typeface="Times New Roman"/>
+              </a:rPr>
+              <a:t> </a:t>
+            </a:r>
+            <a:r>
+              <a:rPr lang="en-US" sz="3600" b="1" err="1">
+                <a:latin typeface="Times New Roman"/>
+                <a:cs typeface="Times New Roman"/>
+              </a:rPr>
+              <a:t>aplicației</a:t>
+            </a:r>
+            <a:endParaRPr lang="en-US" sz="3600" b="1" err="1">
               <a:latin typeface="Times New Roman" panose="02020603050405020304" pitchFamily="18" charset="0"/>
               <a:cs typeface="Times New Roman" panose="02020603050405020304" pitchFamily="18" charset="0"/>
             </a:endParaRPr>
@@ -6355,353 +6469,853 @@
             <a:spLocks noGrp="1"/>
           </p:cNvSpPr>
           <p:nvPr>
-            <p:ph sz="quarter" idx="4294967295"/>
+            <p:ph sz="quarter" idx="10"/>
           </p:nvPr>
         </p:nvSpPr>
         <p:spPr>
           <a:xfrm>
-            <a:off x="521207" y="1716804"/>
-            <a:ext cx="10197737" cy="3976687"/>
+            <a:off x="521207" y="1593668"/>
+            <a:ext cx="11129990" cy="4798423"/>
           </a:xfrm>
         </p:spPr>
         <p:txBody>
-          <a:bodyPr/>
+          <a:bodyPr vert="horz" lIns="91440" tIns="45720" rIns="91440" bIns="45720" rtlCol="0" anchor="t">
+            <a:noAutofit/>
+          </a:bodyPr>
           <a:lstStyle/>
           <a:p>
-            <a:pPr marL="171450" indent="-171450">
-              <a:buFont typeface="Wingdings" panose="05000000000000000000" pitchFamily="2" charset="2"/>
-              <a:buChar char="q"/>
-            </a:pPr>
-            <a:r>
-              <a:rPr lang="en-US" sz="2400" dirty="0">
+            <a:r>
+              <a:rPr lang="en-US" sz="2400">
+                <a:latin typeface="Times New Roman"/>
+                <a:cs typeface="Times New Roman"/>
+              </a:rPr>
+              <a:t> 	</a:t>
+            </a:r>
+            <a:r>
+              <a:rPr lang="en-US" sz="2400" err="1">
+                <a:latin typeface="Times New Roman"/>
+                <a:cs typeface="Times New Roman"/>
+              </a:rPr>
+              <a:t>Această</a:t>
+            </a:r>
+            <a:r>
+              <a:rPr lang="en-US" sz="2400">
+                <a:latin typeface="Times New Roman"/>
+                <a:cs typeface="Times New Roman"/>
+              </a:rPr>
+              <a:t> </a:t>
+            </a:r>
+            <a:r>
+              <a:rPr lang="en-US" sz="2400" err="1">
+                <a:latin typeface="Times New Roman"/>
+                <a:cs typeface="Times New Roman"/>
+              </a:rPr>
+              <a:t>lucrare</a:t>
+            </a:r>
+            <a:r>
+              <a:rPr lang="en-US" sz="2400">
+                <a:latin typeface="Times New Roman"/>
+                <a:cs typeface="Times New Roman"/>
+              </a:rPr>
+              <a:t> are ca </a:t>
+            </a:r>
+            <a:r>
+              <a:rPr lang="en-US" sz="2400" err="1">
+                <a:latin typeface="Times New Roman"/>
+                <a:cs typeface="Times New Roman"/>
+              </a:rPr>
+              <a:t>scop</a:t>
+            </a:r>
+            <a:r>
+              <a:rPr lang="en-US" sz="2400">
+                <a:latin typeface="Times New Roman"/>
+                <a:cs typeface="Times New Roman"/>
+              </a:rPr>
+              <a:t> </a:t>
+            </a:r>
+            <a:r>
+              <a:rPr lang="en-US" sz="2400" err="1">
+                <a:latin typeface="Times New Roman"/>
+                <a:cs typeface="Times New Roman"/>
+              </a:rPr>
+              <a:t>crearea</a:t>
+            </a:r>
+            <a:r>
+              <a:rPr lang="en-US" sz="2400">
+                <a:latin typeface="Times New Roman"/>
+                <a:cs typeface="Times New Roman"/>
+              </a:rPr>
+              <a:t> </a:t>
+            </a:r>
+            <a:r>
+              <a:rPr lang="en-US" sz="2400" err="1">
+                <a:latin typeface="Times New Roman"/>
+                <a:cs typeface="Times New Roman"/>
+              </a:rPr>
+              <a:t>unei</a:t>
+            </a:r>
+            <a:r>
+              <a:rPr lang="en-US" sz="2400">
+                <a:latin typeface="Times New Roman"/>
+                <a:cs typeface="Times New Roman"/>
+              </a:rPr>
+              <a:t> </a:t>
+            </a:r>
+            <a:r>
+              <a:rPr lang="en-US" sz="2400" err="1">
+                <a:latin typeface="Times New Roman"/>
+                <a:cs typeface="Times New Roman"/>
+              </a:rPr>
+              <a:t>aplicații</a:t>
+            </a:r>
+            <a:r>
+              <a:rPr lang="en-US" sz="2400">
+                <a:latin typeface="Times New Roman"/>
+                <a:cs typeface="Times New Roman"/>
+              </a:rPr>
+              <a:t> care </a:t>
+            </a:r>
+            <a:r>
+              <a:rPr lang="en-US" sz="2400" err="1">
+                <a:latin typeface="Times New Roman"/>
+                <a:cs typeface="Times New Roman"/>
+              </a:rPr>
+              <a:t>să</a:t>
+            </a:r>
+            <a:r>
+              <a:rPr lang="en-US" sz="2400">
                 <a:latin typeface="Times New Roman"/>
                 <a:cs typeface="Times New Roman"/>
               </a:rPr>
               <a:t> </a:t>
             </a:r>
             <a:r>
-              <a:rPr lang="en-US" sz="2400" dirty="0" err="1">
-                <a:latin typeface="Times New Roman"/>
-                <a:cs typeface="Times New Roman"/>
-              </a:rPr>
-              <a:t>Automatizarea</a:t>
-            </a:r>
-            <a:r>
-              <a:rPr lang="en-US" sz="2400" dirty="0">
-                <a:latin typeface="Times New Roman"/>
-                <a:cs typeface="Times New Roman"/>
-              </a:rPr>
-              <a:t> </a:t>
-            </a:r>
-            <a:r>
-              <a:rPr lang="en-US" sz="2400" dirty="0" err="1">
-                <a:latin typeface="Times New Roman"/>
-                <a:cs typeface="Times New Roman"/>
-              </a:rPr>
-              <a:t>unui</a:t>
-            </a:r>
-            <a:r>
-              <a:rPr lang="en-US" sz="2400" dirty="0">
-                <a:latin typeface="Times New Roman"/>
-                <a:cs typeface="Times New Roman"/>
-              </a:rPr>
-              <a:t> </a:t>
-            </a:r>
-            <a:r>
-              <a:rPr lang="en-US" sz="2400" dirty="0" err="1">
+              <a:rPr lang="en-US" sz="2400" err="1">
+                <a:latin typeface="Times New Roman"/>
+                <a:cs typeface="Times New Roman"/>
+              </a:rPr>
+              <a:t>automatizeze</a:t>
+            </a:r>
+            <a:r>
+              <a:rPr lang="en-US" sz="2400">
+                <a:latin typeface="Times New Roman"/>
+                <a:cs typeface="Times New Roman"/>
+              </a:rPr>
+              <a:t> un </a:t>
+            </a:r>
+            <a:r>
+              <a:rPr lang="en-US" sz="2400" err="1">
                 <a:latin typeface="Times New Roman"/>
                 <a:cs typeface="Times New Roman"/>
               </a:rPr>
               <a:t>proces</a:t>
             </a:r>
             <a:r>
-              <a:rPr lang="en-US" sz="2400" dirty="0">
+              <a:rPr lang="en-US" sz="2400">
                 <a:latin typeface="Times New Roman"/>
                 <a:cs typeface="Times New Roman"/>
               </a:rPr>
               <a:t> de </a:t>
             </a:r>
             <a:r>
-              <a:rPr lang="en-US" sz="2400" dirty="0" err="1">
+              <a:rPr lang="en-US" sz="2400" err="1">
                 <a:latin typeface="Times New Roman"/>
                 <a:cs typeface="Times New Roman"/>
               </a:rPr>
               <a:t>monitorizare</a:t>
             </a:r>
             <a:r>
-              <a:rPr lang="en-US" sz="2400" dirty="0">
+              <a:rPr lang="en-US" sz="2400">
                 <a:latin typeface="Times New Roman"/>
                 <a:cs typeface="Times New Roman"/>
               </a:rPr>
               <a:t> a </a:t>
             </a:r>
             <a:r>
-              <a:rPr lang="en-US" sz="2400" dirty="0" err="1">
+              <a:rPr lang="en-US" sz="2400" err="1">
                 <a:latin typeface="Times New Roman"/>
                 <a:cs typeface="Times New Roman"/>
               </a:rPr>
               <a:t>criptomonedelor</a:t>
             </a:r>
-            <a:endParaRPr lang="en-US" sz="2400" dirty="0">
-              <a:latin typeface="Times New Roman"/>
-              <a:cs typeface="Times New Roman"/>
-            </a:endParaRPr>
-          </a:p>
-          <a:p>
-            <a:pPr marL="171450" indent="-171450">
-              <a:buFont typeface="Wingdings" panose="05000000000000000000" pitchFamily="2" charset="2"/>
-              <a:buChar char="q"/>
-            </a:pPr>
-            <a:r>
-              <a:rPr lang="en-US" sz="2400" dirty="0">
+            <a:r>
+              <a:rPr lang="en-US" sz="2400">
+                <a:latin typeface="Times New Roman"/>
+                <a:cs typeface="Times New Roman"/>
+              </a:rPr>
+              <a:t>. </a:t>
+            </a:r>
+            <a:r>
+              <a:rPr lang="en-US" sz="2400" err="1">
+                <a:latin typeface="Times New Roman"/>
+                <a:cs typeface="Times New Roman"/>
+              </a:rPr>
+              <a:t>Aplicația</a:t>
+            </a:r>
+            <a:r>
+              <a:rPr lang="en-US" sz="2400">
+                <a:latin typeface="Times New Roman"/>
+                <a:cs typeface="Times New Roman"/>
+              </a:rPr>
+              <a:t> </a:t>
+            </a:r>
+            <a:r>
+              <a:rPr lang="en-US" sz="2400" err="1">
+                <a:latin typeface="Times New Roman"/>
+                <a:cs typeface="Times New Roman"/>
+              </a:rPr>
+              <a:t>va</a:t>
+            </a:r>
+            <a:r>
+              <a:rPr lang="en-US" sz="2400">
+                <a:latin typeface="Times New Roman"/>
+                <a:cs typeface="Times New Roman"/>
+              </a:rPr>
+              <a:t> </a:t>
+            </a:r>
+            <a:r>
+              <a:rPr lang="en-US" sz="2400" err="1">
+                <a:latin typeface="Times New Roman"/>
+                <a:cs typeface="Times New Roman"/>
+              </a:rPr>
+              <a:t>trimite</a:t>
+            </a:r>
+            <a:r>
+              <a:rPr lang="en-US" sz="2400">
+                <a:latin typeface="Times New Roman"/>
+                <a:cs typeface="Times New Roman"/>
+              </a:rPr>
+              <a:t> mail-</a:t>
+            </a:r>
+            <a:r>
+              <a:rPr lang="en-US" sz="2400" err="1">
+                <a:latin typeface="Times New Roman"/>
+                <a:cs typeface="Times New Roman"/>
+              </a:rPr>
+              <a:t>uri</a:t>
+            </a:r>
+            <a:r>
+              <a:rPr lang="en-US" sz="2400">
+                <a:latin typeface="Times New Roman"/>
+                <a:cs typeface="Times New Roman"/>
+              </a:rPr>
+              <a:t> </a:t>
+            </a:r>
+            <a:r>
+              <a:rPr lang="en-US" sz="2400" err="1">
+                <a:latin typeface="Times New Roman"/>
+                <a:cs typeface="Times New Roman"/>
+              </a:rPr>
+              <a:t>utilizatorilor</a:t>
+            </a:r>
+            <a:r>
+              <a:rPr lang="en-US" sz="2400">
                 <a:latin typeface="Times New Roman"/>
                 <a:cs typeface="Times New Roman"/>
               </a:rPr>
               <a:t> </a:t>
             </a:r>
             <a:r>
-              <a:rPr lang="en-US" sz="2400" dirty="0" err="1">
-                <a:latin typeface="Times New Roman"/>
-                <a:cs typeface="Times New Roman"/>
-              </a:rPr>
-              <a:t>Crearea</a:t>
-            </a:r>
-            <a:r>
-              <a:rPr lang="en-US" sz="2400" dirty="0">
-                <a:latin typeface="Times New Roman"/>
-                <a:cs typeface="Times New Roman"/>
-              </a:rPr>
-              <a:t> </a:t>
-            </a:r>
-            <a:r>
-              <a:rPr lang="en-US" sz="2400" dirty="0" err="1">
+              <a:rPr lang="en-US" sz="2400" err="1">
+                <a:latin typeface="Times New Roman"/>
+                <a:cs typeface="Times New Roman"/>
+              </a:rPr>
+              <a:t>în</a:t>
+            </a:r>
+            <a:r>
+              <a:rPr lang="en-US" sz="2400">
+                <a:latin typeface="Times New Roman"/>
+                <a:cs typeface="Times New Roman"/>
+              </a:rPr>
+              <a:t> </a:t>
+            </a:r>
+            <a:r>
+              <a:rPr lang="en-US" sz="2400" err="1">
+                <a:latin typeface="Times New Roman"/>
+                <a:cs typeface="Times New Roman"/>
+              </a:rPr>
+              <a:t>momentul</a:t>
+            </a:r>
+            <a:r>
+              <a:rPr lang="en-US" sz="2400">
+                <a:latin typeface="Times New Roman"/>
+                <a:cs typeface="Times New Roman"/>
+              </a:rPr>
+              <a:t> </a:t>
+            </a:r>
+            <a:r>
+              <a:rPr lang="en-US" sz="2400" err="1">
+                <a:latin typeface="Times New Roman"/>
+                <a:cs typeface="Times New Roman"/>
+              </a:rPr>
+              <a:t>în</a:t>
+            </a:r>
+            <a:r>
+              <a:rPr lang="en-US" sz="2400">
+                <a:latin typeface="Times New Roman"/>
+                <a:cs typeface="Times New Roman"/>
+              </a:rPr>
+              <a:t> care </a:t>
+            </a:r>
+            <a:r>
+              <a:rPr lang="en-US" sz="2400" err="1">
+                <a:latin typeface="Times New Roman"/>
+                <a:cs typeface="Times New Roman"/>
+              </a:rPr>
+              <a:t>valoarea</a:t>
+            </a:r>
+            <a:r>
+              <a:rPr lang="en-US" sz="2400">
+                <a:latin typeface="Times New Roman"/>
+                <a:cs typeface="Times New Roman"/>
+              </a:rPr>
+              <a:t> </a:t>
+            </a:r>
+            <a:r>
+              <a:rPr lang="en-US" sz="2400" err="1">
                 <a:latin typeface="Times New Roman"/>
                 <a:cs typeface="Times New Roman"/>
               </a:rPr>
               <a:t>unei</a:t>
             </a:r>
             <a:r>
-              <a:rPr lang="en-US" sz="2400" dirty="0">
-                <a:latin typeface="Times New Roman"/>
-                <a:cs typeface="Times New Roman"/>
-              </a:rPr>
-              <a:t> </a:t>
-            </a:r>
-            <a:r>
-              <a:rPr lang="en-US" sz="2400" dirty="0" err="1">
-                <a:latin typeface="Times New Roman"/>
-                <a:cs typeface="Times New Roman"/>
-              </a:rPr>
-              <a:t>interfete</a:t>
-            </a:r>
-            <a:r>
-              <a:rPr lang="en-US" sz="2400" dirty="0">
-                <a:latin typeface="Times New Roman"/>
-                <a:cs typeface="Times New Roman"/>
-              </a:rPr>
-              <a:t> </a:t>
-            </a:r>
-            <a:r>
-              <a:rPr lang="en-US" sz="2400" dirty="0" err="1">
+              <a:rPr lang="en-US" sz="2400">
+                <a:latin typeface="Times New Roman"/>
+                <a:cs typeface="Times New Roman"/>
+              </a:rPr>
+              <a:t> </a:t>
+            </a:r>
+            <a:r>
+              <a:rPr lang="en-US" sz="2400" err="1">
+                <a:latin typeface="Times New Roman"/>
+                <a:cs typeface="Times New Roman"/>
+              </a:rPr>
+              <a:t>monede</a:t>
+            </a:r>
+            <a:r>
+              <a:rPr lang="en-US" sz="2400">
+                <a:latin typeface="Times New Roman"/>
+                <a:cs typeface="Times New Roman"/>
+              </a:rPr>
+              <a:t> </a:t>
+            </a:r>
+            <a:r>
+              <a:rPr lang="en-US" sz="2400" err="1">
+                <a:latin typeface="Times New Roman"/>
+                <a:cs typeface="Times New Roman"/>
+              </a:rPr>
+              <a:t>va</a:t>
+            </a:r>
+            <a:r>
+              <a:rPr lang="en-US" sz="2400">
+                <a:latin typeface="Times New Roman"/>
+                <a:cs typeface="Times New Roman"/>
+              </a:rPr>
+              <a:t> </a:t>
+            </a:r>
+            <a:r>
+              <a:rPr lang="en-US" sz="2400" err="1">
+                <a:latin typeface="Times New Roman"/>
+                <a:cs typeface="Times New Roman"/>
+              </a:rPr>
+              <a:t>scădea</a:t>
+            </a:r>
+            <a:r>
+              <a:rPr lang="en-US" sz="2400">
+                <a:latin typeface="Times New Roman"/>
+                <a:cs typeface="Times New Roman"/>
+              </a:rPr>
+              <a:t> </a:t>
+            </a:r>
+            <a:r>
+              <a:rPr lang="en-US" sz="2400" err="1">
+                <a:latin typeface="Times New Roman"/>
+                <a:cs typeface="Times New Roman"/>
+              </a:rPr>
+              <a:t>sau</a:t>
+            </a:r>
+            <a:r>
+              <a:rPr lang="en-US" sz="2400">
+                <a:latin typeface="Times New Roman"/>
+                <a:cs typeface="Times New Roman"/>
+              </a:rPr>
+              <a:t> </a:t>
+            </a:r>
+            <a:r>
+              <a:rPr lang="en-US" sz="2400" err="1">
+                <a:latin typeface="Times New Roman"/>
+                <a:cs typeface="Times New Roman"/>
+              </a:rPr>
+              <a:t>va</a:t>
+            </a:r>
+            <a:r>
+              <a:rPr lang="en-US" sz="2400">
+                <a:latin typeface="Times New Roman"/>
+                <a:cs typeface="Times New Roman"/>
+              </a:rPr>
+              <a:t> </a:t>
+            </a:r>
+            <a:r>
+              <a:rPr lang="en-US" sz="2400" err="1">
+                <a:latin typeface="Times New Roman"/>
+                <a:cs typeface="Times New Roman"/>
+              </a:rPr>
+              <a:t>crește</a:t>
+            </a:r>
+            <a:r>
+              <a:rPr lang="en-US" sz="2400">
+                <a:latin typeface="Times New Roman"/>
+                <a:cs typeface="Times New Roman"/>
+              </a:rPr>
+              <a:t> </a:t>
+            </a:r>
+            <a:r>
+              <a:rPr lang="en-US" sz="2400" err="1">
+                <a:latin typeface="Times New Roman"/>
+                <a:cs typeface="Times New Roman"/>
+              </a:rPr>
+              <a:t>suficient</a:t>
+            </a:r>
+            <a:r>
+              <a:rPr lang="en-US" sz="2400">
+                <a:latin typeface="Times New Roman"/>
+                <a:cs typeface="Times New Roman"/>
+              </a:rPr>
+              <a:t> de </a:t>
+            </a:r>
+            <a:r>
+              <a:rPr lang="en-US" sz="2400" err="1">
+                <a:latin typeface="Times New Roman"/>
+                <a:cs typeface="Times New Roman"/>
+              </a:rPr>
+              <a:t>mult</a:t>
+            </a:r>
+            <a:r>
+              <a:rPr lang="en-US" sz="2400">
+                <a:latin typeface="Times New Roman"/>
+                <a:cs typeface="Times New Roman"/>
+              </a:rPr>
+              <a:t> </a:t>
+            </a:r>
+            <a:r>
+              <a:rPr lang="en-US" sz="2400" err="1">
+                <a:latin typeface="Times New Roman"/>
+                <a:cs typeface="Times New Roman"/>
+              </a:rPr>
+              <a:t>încât</a:t>
+            </a:r>
+            <a:r>
+              <a:rPr lang="en-US" sz="2400">
+                <a:latin typeface="Times New Roman"/>
+                <a:cs typeface="Times New Roman"/>
+              </a:rPr>
+              <a:t> </a:t>
+            </a:r>
+            <a:r>
+              <a:rPr lang="en-US" sz="2400" err="1">
+                <a:latin typeface="Times New Roman"/>
+                <a:cs typeface="Times New Roman"/>
+              </a:rPr>
+              <a:t>investiția</a:t>
+            </a:r>
+            <a:r>
+              <a:rPr lang="en-US" sz="2400">
+                <a:latin typeface="Times New Roman"/>
+                <a:cs typeface="Times New Roman"/>
+              </a:rPr>
+              <a:t> </a:t>
+            </a:r>
+            <a:r>
+              <a:rPr lang="en-US" sz="2400" err="1">
+                <a:latin typeface="Times New Roman"/>
+                <a:cs typeface="Times New Roman"/>
+              </a:rPr>
+              <a:t>să</a:t>
+            </a:r>
+            <a:r>
+              <a:rPr lang="en-US" sz="2400">
+                <a:latin typeface="Times New Roman"/>
+                <a:cs typeface="Times New Roman"/>
+              </a:rPr>
+              <a:t> </a:t>
+            </a:r>
+            <a:r>
+              <a:rPr lang="en-US" sz="2400" err="1">
+                <a:latin typeface="Times New Roman"/>
+                <a:cs typeface="Times New Roman"/>
+              </a:rPr>
+              <a:t>aducă</a:t>
+            </a:r>
+            <a:r>
+              <a:rPr lang="en-US" sz="2400">
+                <a:latin typeface="Times New Roman"/>
+                <a:cs typeface="Times New Roman"/>
+              </a:rPr>
+              <a:t> profit. </a:t>
+            </a:r>
+            <a:r>
+              <a:rPr lang="en-US" sz="2400" err="1">
+                <a:latin typeface="Times New Roman"/>
+                <a:cs typeface="Times New Roman"/>
+              </a:rPr>
+              <a:t>Utilizatorii</a:t>
+            </a:r>
+            <a:r>
+              <a:rPr lang="en-US" sz="2400">
+                <a:latin typeface="Times New Roman"/>
+                <a:cs typeface="Times New Roman"/>
+              </a:rPr>
+              <a:t> au </a:t>
+            </a:r>
+            <a:r>
+              <a:rPr lang="en-US" sz="2400" err="1">
+                <a:latin typeface="Times New Roman"/>
+                <a:cs typeface="Times New Roman"/>
+              </a:rPr>
+              <a:t>posibilitatea</a:t>
+            </a:r>
+            <a:r>
+              <a:rPr lang="en-US" sz="2400">
+                <a:latin typeface="Times New Roman"/>
+                <a:cs typeface="Times New Roman"/>
+              </a:rPr>
+              <a:t> </a:t>
+            </a:r>
+            <a:r>
+              <a:rPr lang="en-US" sz="2400" err="1">
+                <a:latin typeface="Times New Roman"/>
+                <a:cs typeface="Times New Roman"/>
+              </a:rPr>
+              <a:t>să</a:t>
+            </a:r>
+            <a:r>
+              <a:rPr lang="en-US" sz="2400">
+                <a:latin typeface="Times New Roman"/>
+                <a:cs typeface="Times New Roman"/>
+              </a:rPr>
+              <a:t> </a:t>
+            </a:r>
+            <a:r>
+              <a:rPr lang="en-US" sz="2400" err="1">
+                <a:latin typeface="Times New Roman"/>
+                <a:cs typeface="Times New Roman"/>
+              </a:rPr>
+              <a:t>își</a:t>
+            </a:r>
+            <a:r>
+              <a:rPr lang="en-US" sz="2400">
+                <a:latin typeface="Times New Roman"/>
+                <a:cs typeface="Times New Roman"/>
+              </a:rPr>
+              <a:t> </a:t>
+            </a:r>
+            <a:r>
+              <a:rPr lang="en-US" sz="2400" err="1">
+                <a:latin typeface="Times New Roman"/>
+                <a:cs typeface="Times New Roman"/>
+              </a:rPr>
+              <a:t>aleagă</a:t>
+            </a:r>
+            <a:r>
+              <a:rPr lang="en-US" sz="2400">
+                <a:latin typeface="Times New Roman"/>
+                <a:cs typeface="Times New Roman"/>
+              </a:rPr>
+              <a:t> </a:t>
+            </a:r>
+            <a:r>
+              <a:rPr lang="en-US" sz="2400" err="1">
+                <a:latin typeface="Times New Roman"/>
+                <a:cs typeface="Times New Roman"/>
+              </a:rPr>
+              <a:t>monedele</a:t>
+            </a:r>
+            <a:r>
+              <a:rPr lang="en-US" sz="2400">
+                <a:latin typeface="Times New Roman"/>
+                <a:cs typeface="Times New Roman"/>
+              </a:rPr>
+              <a:t> care </a:t>
+            </a:r>
+            <a:r>
+              <a:rPr lang="en-US" sz="2400" err="1">
+                <a:latin typeface="Times New Roman"/>
+                <a:cs typeface="Times New Roman"/>
+              </a:rPr>
+              <a:t>vor</a:t>
+            </a:r>
+            <a:r>
+              <a:rPr lang="en-US" sz="2400">
+                <a:latin typeface="Times New Roman"/>
+                <a:cs typeface="Times New Roman"/>
+              </a:rPr>
+              <a:t> fi </a:t>
+            </a:r>
+            <a:r>
+              <a:rPr lang="en-US" sz="2400" err="1">
+                <a:latin typeface="Times New Roman"/>
+                <a:cs typeface="Times New Roman"/>
+              </a:rPr>
+              <a:t>urmărite</a:t>
+            </a:r>
+            <a:r>
+              <a:rPr lang="en-US" sz="2400">
+                <a:latin typeface="Times New Roman"/>
+                <a:cs typeface="Times New Roman"/>
+              </a:rPr>
+              <a:t> de </a:t>
+            </a:r>
+            <a:r>
+              <a:rPr lang="en-US" sz="2400" err="1">
+                <a:latin typeface="Times New Roman"/>
+                <a:cs typeface="Times New Roman"/>
+              </a:rPr>
+              <a:t>către</a:t>
+            </a:r>
+            <a:r>
+              <a:rPr lang="en-US" sz="2400">
+                <a:latin typeface="Times New Roman"/>
+                <a:cs typeface="Times New Roman"/>
+              </a:rPr>
+              <a:t> </a:t>
+            </a:r>
+            <a:r>
+              <a:rPr lang="en-US" sz="2400" err="1">
+                <a:latin typeface="Times New Roman"/>
+                <a:cs typeface="Times New Roman"/>
+              </a:rPr>
+              <a:t>aplicație</a:t>
+            </a:r>
+            <a:r>
+              <a:rPr lang="en-US" sz="2400">
+                <a:latin typeface="Times New Roman"/>
+                <a:cs typeface="Times New Roman"/>
+              </a:rPr>
+              <a:t> </a:t>
+            </a:r>
+            <a:r>
+              <a:rPr lang="en-US" sz="2400" err="1">
+                <a:latin typeface="Times New Roman"/>
+                <a:cs typeface="Times New Roman"/>
+              </a:rPr>
+              <a:t>prin</a:t>
+            </a:r>
+            <a:r>
+              <a:rPr lang="en-US" sz="2400">
+                <a:latin typeface="Times New Roman"/>
+                <a:cs typeface="Times New Roman"/>
+              </a:rPr>
+              <a:t> </a:t>
+            </a:r>
+            <a:r>
+              <a:rPr lang="en-US" sz="2400" err="1">
+                <a:latin typeface="Times New Roman"/>
+                <a:cs typeface="Times New Roman"/>
+              </a:rPr>
+              <a:t>intermediul</a:t>
+            </a:r>
+            <a:r>
+              <a:rPr lang="en-US" sz="2400">
+                <a:latin typeface="Times New Roman"/>
+                <a:cs typeface="Times New Roman"/>
+              </a:rPr>
+              <a:t> </a:t>
+            </a:r>
+            <a:r>
+              <a:rPr lang="en-US" sz="2400" err="1">
+                <a:latin typeface="Times New Roman"/>
+                <a:cs typeface="Times New Roman"/>
+              </a:rPr>
+              <a:t>unei</a:t>
+            </a:r>
+            <a:r>
+              <a:rPr lang="en-US" sz="2400">
+                <a:latin typeface="Times New Roman"/>
+                <a:cs typeface="Times New Roman"/>
+              </a:rPr>
+              <a:t> </a:t>
+            </a:r>
+            <a:r>
+              <a:rPr lang="en-US" sz="2400" err="1">
+                <a:latin typeface="Times New Roman"/>
+                <a:cs typeface="Times New Roman"/>
+              </a:rPr>
+              <a:t>interfețe</a:t>
+            </a:r>
+            <a:r>
+              <a:rPr lang="en-US" sz="2400">
+                <a:latin typeface="Times New Roman"/>
+                <a:cs typeface="Times New Roman"/>
+              </a:rPr>
+              <a:t> </a:t>
+            </a:r>
+            <a:r>
+              <a:rPr lang="en-US" sz="2400" err="1">
                 <a:latin typeface="Times New Roman"/>
                 <a:cs typeface="Times New Roman"/>
               </a:rPr>
               <a:t>grafice</a:t>
             </a:r>
             <a:r>
-              <a:rPr lang="en-US" sz="2400" dirty="0">
-                <a:latin typeface="Times New Roman"/>
-                <a:cs typeface="Times New Roman"/>
-              </a:rPr>
-              <a:t> </a:t>
-            </a:r>
-            <a:r>
-              <a:rPr lang="en-US" sz="2400" dirty="0" err="1">
+              <a:rPr lang="en-US" sz="2400">
+                <a:latin typeface="Times New Roman"/>
+                <a:cs typeface="Times New Roman"/>
+              </a:rPr>
+              <a:t>. </a:t>
+            </a:r>
+            <a:r>
+              <a:rPr lang="en-US" sz="2400" err="1">
+                <a:latin typeface="Times New Roman"/>
+                <a:cs typeface="Times New Roman"/>
+              </a:rPr>
+              <a:t>Aplicația</a:t>
+            </a:r>
+            <a:r>
+              <a:rPr lang="en-US" sz="2400">
+                <a:latin typeface="Times New Roman"/>
+                <a:cs typeface="Times New Roman"/>
+              </a:rPr>
+              <a:t> </a:t>
+            </a:r>
+            <a:r>
+              <a:rPr lang="en-US" sz="2400" err="1">
+                <a:latin typeface="Times New Roman"/>
+                <a:cs typeface="Times New Roman"/>
+              </a:rPr>
+              <a:t>folosește</a:t>
+            </a:r>
+            <a:r>
+              <a:rPr lang="en-US" sz="2400">
+                <a:latin typeface="Times New Roman"/>
+                <a:cs typeface="Times New Roman"/>
+              </a:rPr>
+              <a:t> </a:t>
+            </a:r>
+            <a:r>
+              <a:rPr lang="en-US" sz="2400" err="1">
+                <a:latin typeface="Times New Roman"/>
+                <a:cs typeface="Times New Roman"/>
+              </a:rPr>
+              <a:t>și</a:t>
+            </a:r>
+            <a:r>
+              <a:rPr lang="en-US" sz="2400">
+                <a:latin typeface="Times New Roman"/>
+                <a:cs typeface="Times New Roman"/>
+              </a:rPr>
+              <a:t> un </a:t>
+            </a:r>
+            <a:r>
+              <a:rPr lang="en-US" sz="2400" err="1">
+                <a:latin typeface="Times New Roman"/>
+                <a:cs typeface="Times New Roman"/>
+              </a:rPr>
+              <a:t>algoritm</a:t>
+            </a:r>
+            <a:r>
+              <a:rPr lang="en-US" sz="2400">
+                <a:latin typeface="Times New Roman"/>
+                <a:cs typeface="Times New Roman"/>
+              </a:rPr>
+              <a:t> de machine learning </a:t>
+            </a:r>
+            <a:r>
+              <a:rPr lang="en-US" sz="2400" err="1">
                 <a:latin typeface="Times New Roman"/>
                 <a:cs typeface="Times New Roman"/>
               </a:rPr>
               <a:t>pentru</a:t>
             </a:r>
             <a:r>
-              <a:rPr lang="en-US" sz="2400" dirty="0">
-                <a:latin typeface="Times New Roman"/>
-                <a:cs typeface="Times New Roman"/>
-              </a:rPr>
-              <a:t> </a:t>
-            </a:r>
-            <a:r>
-              <a:rPr lang="en-US" sz="2400" dirty="0" err="1">
-                <a:latin typeface="Times New Roman"/>
-                <a:cs typeface="Times New Roman"/>
-              </a:rPr>
-              <a:t>utilizatori</a:t>
-            </a:r>
-            <a:endParaRPr lang="en-US" sz="2400" dirty="0">
-              <a:latin typeface="Times New Roman"/>
-              <a:cs typeface="Times New Roman"/>
-            </a:endParaRPr>
-          </a:p>
-          <a:p>
-            <a:pPr marL="171450" indent="-171450">
-              <a:buFont typeface="Wingdings" panose="05000000000000000000" pitchFamily="2" charset="2"/>
-              <a:buChar char="q"/>
-            </a:pPr>
-            <a:r>
-              <a:rPr lang="en-US" sz="2400" dirty="0">
-                <a:latin typeface="Times New Roman"/>
-                <a:cs typeface="Times New Roman"/>
-              </a:rPr>
-              <a:t> Deploy-</a:t>
-            </a:r>
-            <a:r>
-              <a:rPr lang="en-US" sz="2400" dirty="0" err="1">
-                <a:latin typeface="Times New Roman"/>
-                <a:cs typeface="Times New Roman"/>
-              </a:rPr>
-              <a:t>ul</a:t>
-            </a:r>
-            <a:r>
-              <a:rPr lang="en-US" sz="2400" dirty="0">
-                <a:latin typeface="Times New Roman"/>
-                <a:cs typeface="Times New Roman"/>
-              </a:rPr>
-              <a:t> </a:t>
-            </a:r>
-            <a:r>
-              <a:rPr lang="en-US" sz="2400" dirty="0" err="1">
-                <a:latin typeface="Times New Roman"/>
-                <a:cs typeface="Times New Roman"/>
-              </a:rPr>
-              <a:t>aplicatiei</a:t>
-            </a:r>
-            <a:r>
-              <a:rPr lang="en-US" sz="2400" dirty="0">
-                <a:latin typeface="Times New Roman"/>
-                <a:cs typeface="Times New Roman"/>
-              </a:rPr>
-              <a:t> </a:t>
-            </a:r>
-            <a:r>
-              <a:rPr lang="en-US" sz="2400" dirty="0" err="1">
-                <a:latin typeface="Times New Roman"/>
-                <a:cs typeface="Times New Roman"/>
-              </a:rPr>
-              <a:t>pe</a:t>
-            </a:r>
-            <a:r>
-              <a:rPr lang="en-US" sz="2400" dirty="0">
-                <a:latin typeface="Times New Roman"/>
-                <a:cs typeface="Times New Roman"/>
-              </a:rPr>
-              <a:t> un server online </a:t>
-            </a:r>
-            <a:r>
-              <a:rPr lang="en-US" sz="2400" dirty="0" err="1">
+              <a:rPr lang="en-US" sz="2400">
+                <a:latin typeface="Times New Roman"/>
+                <a:cs typeface="Times New Roman"/>
+              </a:rPr>
+              <a:t> </a:t>
+            </a:r>
+            <a:r>
+              <a:rPr lang="en-US" sz="2400" err="1">
+                <a:latin typeface="Times New Roman"/>
+                <a:cs typeface="Times New Roman"/>
+              </a:rPr>
+              <a:t>prezicerea</a:t>
+            </a:r>
+            <a:r>
+              <a:rPr lang="en-US" sz="2400">
+                <a:latin typeface="Times New Roman"/>
+                <a:cs typeface="Times New Roman"/>
+              </a:rPr>
+              <a:t> </a:t>
+            </a:r>
+            <a:r>
+              <a:rPr lang="en-US" sz="2400" err="1">
+                <a:latin typeface="Times New Roman"/>
+                <a:cs typeface="Times New Roman"/>
+              </a:rPr>
+              <a:t>urmatoarei</a:t>
+            </a:r>
+            <a:r>
+              <a:rPr lang="en-US" sz="2400">
+                <a:latin typeface="Times New Roman"/>
+                <a:cs typeface="Times New Roman"/>
+              </a:rPr>
+              <a:t> </a:t>
+            </a:r>
+            <a:r>
+              <a:rPr lang="en-US" sz="2400" err="1">
+                <a:latin typeface="Times New Roman"/>
+                <a:cs typeface="Times New Roman"/>
+              </a:rPr>
+              <a:t>valori</a:t>
+            </a:r>
+            <a:r>
+              <a:rPr lang="en-US" sz="2400">
+                <a:latin typeface="Times New Roman"/>
+                <a:cs typeface="Times New Roman"/>
+              </a:rPr>
+              <a:t> </a:t>
+            </a:r>
+            <a:r>
+              <a:rPr lang="en-US" sz="2400" err="1">
                 <a:latin typeface="Times New Roman"/>
                 <a:cs typeface="Times New Roman"/>
               </a:rPr>
               <a:t>pentru</a:t>
             </a:r>
             <a:r>
-              <a:rPr lang="en-US" sz="2400" dirty="0">
-                <a:latin typeface="Times New Roman"/>
-                <a:cs typeface="Times New Roman"/>
-              </a:rPr>
-              <a:t> </a:t>
-            </a:r>
-            <a:r>
-              <a:rPr lang="en-US" sz="2400" dirty="0" err="1">
-                <a:latin typeface="Times New Roman"/>
-                <a:cs typeface="Times New Roman"/>
-              </a:rPr>
-              <a:t>rularea</a:t>
-            </a:r>
-            <a:r>
-              <a:rPr lang="en-US" sz="2400" dirty="0">
-                <a:latin typeface="Times New Roman"/>
-                <a:cs typeface="Times New Roman"/>
-              </a:rPr>
-              <a:t> continua a task-</a:t>
-            </a:r>
-            <a:r>
-              <a:rPr lang="en-US" sz="2400" dirty="0" err="1">
-                <a:latin typeface="Times New Roman"/>
-                <a:cs typeface="Times New Roman"/>
-              </a:rPr>
-              <a:t>ului</a:t>
-            </a:r>
-            <a:endParaRPr lang="en-US" sz="2400" dirty="0">
-              <a:latin typeface="Times New Roman"/>
-              <a:cs typeface="Times New Roman"/>
-            </a:endParaRPr>
-          </a:p>
-          <a:p>
-            <a:pPr marL="171450" indent="-171450">
-              <a:buFont typeface="Wingdings" panose="05000000000000000000" pitchFamily="2" charset="2"/>
-              <a:buChar char="q"/>
-            </a:pPr>
-            <a:r>
-              <a:rPr lang="en-US" sz="2400" dirty="0">
-                <a:latin typeface="Times New Roman"/>
-                <a:cs typeface="Times New Roman"/>
-              </a:rPr>
-              <a:t> </a:t>
-            </a:r>
-            <a:r>
-              <a:rPr lang="en-US" sz="2400" dirty="0" err="1">
-                <a:latin typeface="Times New Roman"/>
-                <a:cs typeface="Times New Roman"/>
-              </a:rPr>
-              <a:t>Proiectarea</a:t>
-            </a:r>
-            <a:r>
-              <a:rPr lang="en-US" sz="2400" dirty="0">
-                <a:latin typeface="Times New Roman"/>
-                <a:cs typeface="Times New Roman"/>
-              </a:rPr>
-              <a:t> </a:t>
-            </a:r>
-            <a:r>
-              <a:rPr lang="en-US" sz="2400" dirty="0" err="1">
-                <a:latin typeface="Times New Roman"/>
-                <a:cs typeface="Times New Roman"/>
-              </a:rPr>
-              <a:t>unui</a:t>
-            </a:r>
-            <a:r>
-              <a:rPr lang="en-US" sz="2400" dirty="0">
-                <a:latin typeface="Times New Roman"/>
-                <a:cs typeface="Times New Roman"/>
-              </a:rPr>
-              <a:t> </a:t>
-            </a:r>
-            <a:r>
-              <a:rPr lang="en-US" sz="2400" dirty="0" err="1">
-                <a:latin typeface="Times New Roman"/>
-                <a:cs typeface="Times New Roman"/>
-              </a:rPr>
-              <a:t>algoritm</a:t>
-            </a:r>
-            <a:r>
-              <a:rPr lang="en-US" sz="2400" dirty="0">
-                <a:latin typeface="Times New Roman"/>
-                <a:cs typeface="Times New Roman"/>
-              </a:rPr>
-              <a:t> de machine learning </a:t>
-            </a:r>
-          </a:p>
-          <a:p>
-            <a:endParaRPr lang="en-US" sz="2400" dirty="0">
+              <a:rPr lang="en-US" sz="2400">
+                <a:latin typeface="Times New Roman"/>
+                <a:cs typeface="Times New Roman"/>
+              </a:rPr>
+              <a:t> </a:t>
+            </a:r>
+            <a:r>
+              <a:rPr lang="en-US" sz="2400" err="1">
+                <a:latin typeface="Times New Roman"/>
+                <a:cs typeface="Times New Roman"/>
+              </a:rPr>
+              <a:t>monedele</a:t>
+            </a:r>
+            <a:r>
+              <a:rPr lang="en-US" sz="2400">
+                <a:latin typeface="Times New Roman"/>
+                <a:cs typeface="Times New Roman"/>
+              </a:rPr>
+              <a:t> respective.</a:t>
+            </a:r>
+            <a:endParaRPr lang="en-US" sz="2400">
               <a:latin typeface="Times New Roman" panose="02020603050405020304" pitchFamily="18" charset="0"/>
               <a:cs typeface="Times New Roman" panose="02020603050405020304" pitchFamily="18" charset="0"/>
             </a:endParaRPr>
           </a:p>
           <a:p>
-            <a:pPr marL="171450" indent="-171450">
-              <a:buFont typeface="Wingdings" panose="05000000000000000000" pitchFamily="2" charset="2"/>
-              <a:buChar char="q"/>
-            </a:pPr>
-            <a:endParaRPr lang="en-US" sz="2400" dirty="0">
+            <a:br>
+              <a:rPr lang="en-US" sz="2400">
+                <a:latin typeface="Times New Roman" panose="02020603050405020304" pitchFamily="18" charset="0"/>
+                <a:cs typeface="Times New Roman" panose="02020603050405020304" pitchFamily="18" charset="0"/>
+              </a:rPr>
+            </a:br>
+            <a:endParaRPr lang="en-US" sz="2400">
               <a:latin typeface="Times New Roman" panose="02020603050405020304" pitchFamily="18" charset="0"/>
               <a:cs typeface="Times New Roman" panose="02020603050405020304" pitchFamily="18" charset="0"/>
             </a:endParaRPr>
@@ -6711,7 +7325,7 @@
     </p:spTree>
     <p:extLst>
       <p:ext uri="{BB962C8B-B14F-4D97-AF65-F5344CB8AC3E}">
-        <p14:creationId xmlns:p14="http://schemas.microsoft.com/office/powerpoint/2010/main" val="1316814892"/>
+        <p14:creationId xmlns:p14="http://schemas.microsoft.com/office/powerpoint/2010/main" val="276779785"/>
       </p:ext>
     </p:extLst>
   </p:cSld>
@@ -6756,13 +7370,394 @@
           <a:lstStyle/>
           <a:p>
             <a:r>
-              <a:rPr lang="en-US" sz="3600" b="1" dirty="0" err="1">
+              <a:rPr lang="en-US" sz="3600" b="1" err="1">
                 <a:latin typeface="Times New Roman" panose="02020603050405020304" pitchFamily="18" charset="0"/>
                 <a:cs typeface="Times New Roman" panose="02020603050405020304" pitchFamily="18" charset="0"/>
               </a:rPr>
-              <a:t>Arhitectura</a:t>
-            </a:r>
-            <a:endParaRPr lang="en-US" sz="3600" b="1" dirty="0">
+              <a:t>Contribuții</a:t>
+            </a:r>
+            <a:endParaRPr lang="en-US" sz="3600" b="1">
+              <a:latin typeface="Times New Roman" panose="02020603050405020304" pitchFamily="18" charset="0"/>
+              <a:cs typeface="Times New Roman" panose="02020603050405020304" pitchFamily="18" charset="0"/>
+            </a:endParaRPr>
+          </a:p>
+        </p:txBody>
+      </p:sp>
+      <p:sp>
+        <p:nvSpPr>
+          <p:cNvPr id="3" name="Content Placeholder 2"/>
+          <p:cNvSpPr>
+            <a:spLocks noGrp="1"/>
+          </p:cNvSpPr>
+          <p:nvPr>
+            <p:ph sz="quarter" idx="4294967295"/>
+          </p:nvPr>
+        </p:nvSpPr>
+        <p:spPr>
+          <a:xfrm>
+            <a:off x="521207" y="1716804"/>
+            <a:ext cx="10197737" cy="3976687"/>
+          </a:xfrm>
+        </p:spPr>
+        <p:txBody>
+          <a:bodyPr vert="horz" lIns="91440" tIns="45720" rIns="91440" bIns="45720" rtlCol="0" anchor="t">
+            <a:normAutofit/>
+          </a:bodyPr>
+          <a:lstStyle/>
+          <a:p>
+            <a:pPr marL="171450" indent="-171450">
+              <a:buFont typeface="Wingdings" panose="05000000000000000000" pitchFamily="2" charset="2"/>
+              <a:buChar char="q"/>
+            </a:pPr>
+            <a:r>
+              <a:rPr lang="en-US" sz="2400">
+                <a:latin typeface="Times New Roman"/>
+                <a:cs typeface="Times New Roman"/>
+              </a:rPr>
+              <a:t> </a:t>
+            </a:r>
+            <a:r>
+              <a:rPr lang="en-US" sz="2400" err="1">
+                <a:latin typeface="Times New Roman"/>
+                <a:cs typeface="Times New Roman"/>
+              </a:rPr>
+              <a:t>Automatizarea</a:t>
+            </a:r>
+            <a:r>
+              <a:rPr lang="en-US" sz="2400">
+                <a:latin typeface="Times New Roman"/>
+                <a:cs typeface="Times New Roman"/>
+              </a:rPr>
+              <a:t> </a:t>
+            </a:r>
+            <a:r>
+              <a:rPr lang="en-US" sz="2400" err="1">
+                <a:latin typeface="Times New Roman"/>
+                <a:cs typeface="Times New Roman"/>
+              </a:rPr>
+              <a:t>unui</a:t>
+            </a:r>
+            <a:r>
+              <a:rPr lang="en-US" sz="2400">
+                <a:latin typeface="Times New Roman"/>
+                <a:cs typeface="Times New Roman"/>
+              </a:rPr>
+              <a:t> </a:t>
+            </a:r>
+            <a:r>
+              <a:rPr lang="en-US" sz="2400" err="1">
+                <a:latin typeface="Times New Roman"/>
+                <a:cs typeface="Times New Roman"/>
+              </a:rPr>
+              <a:t>proces</a:t>
+            </a:r>
+            <a:r>
+              <a:rPr lang="en-US" sz="2400">
+                <a:latin typeface="Times New Roman"/>
+                <a:cs typeface="Times New Roman"/>
+              </a:rPr>
+              <a:t> de </a:t>
+            </a:r>
+            <a:r>
+              <a:rPr lang="en-US" sz="2400" err="1">
+                <a:latin typeface="Times New Roman"/>
+                <a:cs typeface="Times New Roman"/>
+              </a:rPr>
+              <a:t>monitorizare</a:t>
+            </a:r>
+            <a:r>
+              <a:rPr lang="en-US" sz="2400">
+                <a:latin typeface="Times New Roman"/>
+                <a:cs typeface="Times New Roman"/>
+              </a:rPr>
+              <a:t> a </a:t>
+            </a:r>
+            <a:r>
+              <a:rPr lang="en-US" sz="2400" err="1">
+                <a:latin typeface="Times New Roman"/>
+                <a:cs typeface="Times New Roman"/>
+              </a:rPr>
+              <a:t>criptomonedelor</a:t>
+            </a:r>
+            <a:endParaRPr lang="en-US" sz="2400">
+              <a:latin typeface="Times New Roman"/>
+              <a:cs typeface="Times New Roman"/>
+            </a:endParaRPr>
+          </a:p>
+          <a:p>
+            <a:pPr marL="171450" indent="-171450">
+              <a:buFont typeface="Wingdings" panose="05000000000000000000" pitchFamily="2" charset="2"/>
+              <a:buChar char="q"/>
+            </a:pPr>
+            <a:r>
+              <a:rPr lang="en-US" sz="2400">
+                <a:latin typeface="Times New Roman"/>
+                <a:cs typeface="Times New Roman"/>
+              </a:rPr>
+              <a:t> </a:t>
+            </a:r>
+            <a:r>
+              <a:rPr lang="en-US" sz="2400" err="1">
+                <a:latin typeface="Times New Roman"/>
+                <a:cs typeface="Times New Roman"/>
+              </a:rPr>
+              <a:t>Crearea</a:t>
+            </a:r>
+            <a:r>
+              <a:rPr lang="en-US" sz="2400">
+                <a:latin typeface="Times New Roman"/>
+                <a:cs typeface="Times New Roman"/>
+              </a:rPr>
+              <a:t> </a:t>
+            </a:r>
+            <a:r>
+              <a:rPr lang="en-US" sz="2400" err="1">
+                <a:latin typeface="Times New Roman"/>
+                <a:cs typeface="Times New Roman"/>
+              </a:rPr>
+              <a:t>unei</a:t>
+            </a:r>
+            <a:r>
+              <a:rPr lang="en-US" sz="2400">
+                <a:latin typeface="Times New Roman"/>
+                <a:cs typeface="Times New Roman"/>
+              </a:rPr>
+              <a:t> </a:t>
+            </a:r>
+            <a:r>
+              <a:rPr lang="en-US" sz="2400" err="1">
+                <a:latin typeface="Times New Roman"/>
+                <a:cs typeface="Times New Roman"/>
+              </a:rPr>
+              <a:t>interfețe</a:t>
+            </a:r>
+            <a:r>
+              <a:rPr lang="en-US" sz="2400">
+                <a:latin typeface="Times New Roman"/>
+                <a:cs typeface="Times New Roman"/>
+              </a:rPr>
+              <a:t> </a:t>
+            </a:r>
+            <a:r>
+              <a:rPr lang="en-US" sz="2400" err="1">
+                <a:latin typeface="Times New Roman"/>
+                <a:cs typeface="Times New Roman"/>
+              </a:rPr>
+              <a:t>grafice</a:t>
+            </a:r>
+            <a:r>
+              <a:rPr lang="en-US" sz="2400">
+                <a:latin typeface="Times New Roman"/>
+                <a:cs typeface="Times New Roman"/>
+              </a:rPr>
+              <a:t> </a:t>
+            </a:r>
+            <a:r>
+              <a:rPr lang="en-US" sz="2400" err="1">
+                <a:latin typeface="Times New Roman"/>
+                <a:cs typeface="Times New Roman"/>
+              </a:rPr>
+              <a:t>pentru</a:t>
+            </a:r>
+            <a:r>
+              <a:rPr lang="en-US" sz="2400">
+                <a:latin typeface="Times New Roman"/>
+                <a:cs typeface="Times New Roman"/>
+              </a:rPr>
+              <a:t> </a:t>
+            </a:r>
+            <a:r>
+              <a:rPr lang="en-US" sz="2400" err="1">
+                <a:latin typeface="Times New Roman"/>
+                <a:cs typeface="Times New Roman"/>
+              </a:rPr>
+              <a:t>utilizatori</a:t>
+            </a:r>
+            <a:endParaRPr lang="en-US" sz="2400">
+              <a:latin typeface="Times New Roman"/>
+              <a:cs typeface="Times New Roman"/>
+            </a:endParaRPr>
+          </a:p>
+          <a:p>
+            <a:pPr marL="171450" indent="-171450">
+              <a:buFont typeface="Wingdings" panose="05000000000000000000" pitchFamily="2" charset="2"/>
+              <a:buChar char="q"/>
+            </a:pPr>
+            <a:r>
+              <a:rPr lang="en-US" sz="2400">
+                <a:latin typeface="Times New Roman"/>
+                <a:cs typeface="Times New Roman"/>
+              </a:rPr>
+              <a:t> Deploy-ul aplicației pe un server online </a:t>
+            </a:r>
+            <a:r>
+              <a:rPr lang="en-US" sz="2400" err="1">
+                <a:latin typeface="Times New Roman"/>
+                <a:cs typeface="Times New Roman"/>
+              </a:rPr>
+              <a:t>pentru</a:t>
+            </a:r>
+            <a:r>
+              <a:rPr lang="en-US" sz="2400">
+                <a:latin typeface="Times New Roman"/>
+                <a:cs typeface="Times New Roman"/>
+              </a:rPr>
+              <a:t> </a:t>
+            </a:r>
+            <a:r>
+              <a:rPr lang="en-US" sz="2400" err="1">
+                <a:latin typeface="Times New Roman"/>
+                <a:cs typeface="Times New Roman"/>
+              </a:rPr>
+              <a:t>rularea</a:t>
+            </a:r>
+            <a:r>
+              <a:rPr lang="en-US" sz="2400">
+                <a:latin typeface="Times New Roman"/>
+                <a:cs typeface="Times New Roman"/>
+              </a:rPr>
+              <a:t> continuă a task-</a:t>
+            </a:r>
+            <a:r>
+              <a:rPr lang="en-US" sz="2400" err="1">
+                <a:latin typeface="Times New Roman"/>
+                <a:cs typeface="Times New Roman"/>
+              </a:rPr>
+              <a:t>ului</a:t>
+            </a:r>
+            <a:endParaRPr lang="en-US" sz="2400">
+              <a:latin typeface="Times New Roman"/>
+              <a:cs typeface="Times New Roman"/>
+            </a:endParaRPr>
+          </a:p>
+          <a:p>
+            <a:pPr marL="171450" indent="-171450">
+              <a:buFont typeface="Wingdings" panose="05000000000000000000" pitchFamily="2" charset="2"/>
+              <a:buChar char="q"/>
+            </a:pPr>
+            <a:r>
+              <a:rPr lang="en-US" sz="2400">
+                <a:latin typeface="Times New Roman"/>
+                <a:cs typeface="Times New Roman"/>
+              </a:rPr>
+              <a:t> </a:t>
+            </a:r>
+            <a:r>
+              <a:rPr lang="en-US" sz="2400" err="1">
+                <a:latin typeface="Times New Roman"/>
+                <a:cs typeface="Times New Roman"/>
+              </a:rPr>
+              <a:t>Proiectarea</a:t>
+            </a:r>
+            <a:r>
+              <a:rPr lang="en-US" sz="2400">
+                <a:latin typeface="Times New Roman"/>
+                <a:cs typeface="Times New Roman"/>
+              </a:rPr>
+              <a:t> </a:t>
+            </a:r>
+            <a:r>
+              <a:rPr lang="en-US" sz="2400" err="1">
+                <a:latin typeface="Times New Roman"/>
+                <a:cs typeface="Times New Roman"/>
+              </a:rPr>
+              <a:t>unui</a:t>
+            </a:r>
+            <a:r>
+              <a:rPr lang="en-US" sz="2400">
+                <a:latin typeface="Times New Roman"/>
+                <a:cs typeface="Times New Roman"/>
+              </a:rPr>
+              <a:t> </a:t>
+            </a:r>
+            <a:r>
+              <a:rPr lang="en-US" sz="2400" err="1">
+                <a:latin typeface="Times New Roman"/>
+                <a:cs typeface="Times New Roman"/>
+              </a:rPr>
+              <a:t>algoritm</a:t>
+            </a:r>
+            <a:r>
+              <a:rPr lang="en-US" sz="2400">
+                <a:latin typeface="Times New Roman"/>
+                <a:cs typeface="Times New Roman"/>
+              </a:rPr>
+              <a:t> de machine learning </a:t>
+            </a:r>
+          </a:p>
+          <a:p>
+            <a:endParaRPr lang="en-US" sz="2400">
+              <a:latin typeface="Times New Roman" panose="02020603050405020304" pitchFamily="18" charset="0"/>
+              <a:cs typeface="Times New Roman" panose="02020603050405020304" pitchFamily="18" charset="0"/>
+            </a:endParaRPr>
+          </a:p>
+          <a:p>
+            <a:pPr marL="171450" indent="-171450">
+              <a:buFont typeface="Wingdings" panose="05000000000000000000" pitchFamily="2" charset="2"/>
+              <a:buChar char="q"/>
+            </a:pPr>
+            <a:endParaRPr lang="en-US" sz="2400">
+              <a:latin typeface="Times New Roman" panose="02020603050405020304" pitchFamily="18" charset="0"/>
+              <a:cs typeface="Times New Roman" panose="02020603050405020304" pitchFamily="18" charset="0"/>
+            </a:endParaRPr>
+          </a:p>
+        </p:txBody>
+      </p:sp>
+    </p:spTree>
+    <p:extLst>
+      <p:ext uri="{BB962C8B-B14F-4D97-AF65-F5344CB8AC3E}">
+        <p14:creationId xmlns:p14="http://schemas.microsoft.com/office/powerpoint/2010/main" val="1316814892"/>
+      </p:ext>
+    </p:extLst>
+  </p:cSld>
+  <p:clrMapOvr>
+    <a:masterClrMapping/>
+  </p:clrMapOvr>
+</p:sld>
+</file>
+
+<file path=ppt/slides/slide8.xml><?xml version="1.0" encoding="utf-8"?>
+<p:sld xmlns:a="http://schemas.openxmlformats.org/drawingml/2006/main" xmlns:r="http://schemas.openxmlformats.org/officeDocument/2006/relationships" xmlns:p="http://schemas.openxmlformats.org/presentationml/2006/main">
+  <p:cSld>
+    <p:spTree>
+      <p:nvGrpSpPr>
+        <p:cNvPr id="1" name=""/>
+        <p:cNvGrpSpPr/>
+        <p:nvPr/>
+      </p:nvGrpSpPr>
+      <p:grpSpPr>
+        <a:xfrm>
+          <a:off x="0" y="0"/>
+          <a:ext cx="0" cy="0"/>
+          <a:chOff x="0" y="0"/>
+          <a:chExt cx="0" cy="0"/>
+        </a:xfrm>
+      </p:grpSpPr>
+      <p:sp>
+        <p:nvSpPr>
+          <p:cNvPr id="2" name="Title 1"/>
+          <p:cNvSpPr>
+            <a:spLocks noGrp="1"/>
+          </p:cNvSpPr>
+          <p:nvPr>
+            <p:ph type="title"/>
+          </p:nvPr>
+        </p:nvSpPr>
+        <p:spPr/>
+        <p:txBody>
+          <a:bodyPr>
+            <a:normAutofit/>
+          </a:bodyPr>
+          <a:lstStyle/>
+          <a:p>
+            <a:r>
+              <a:rPr lang="en-US" sz="3600" b="1" err="1">
+                <a:latin typeface="Times New Roman"/>
+                <a:cs typeface="Times New Roman"/>
+              </a:rPr>
+              <a:t>Arhitectură</a:t>
+            </a:r>
+            <a:endParaRPr lang="en-US" sz="3600" b="1" err="1">
               <a:latin typeface="Times New Roman" panose="02020603050405020304" pitchFamily="18" charset="0"/>
               <a:cs typeface="Times New Roman" panose="02020603050405020304" pitchFamily="18" charset="0"/>
             </a:endParaRPr>
@@ -6814,7 +7809,7 @@
 </p:sld>
 </file>
 
-<file path=ppt/slides/slide8.xml><?xml version="1.0" encoding="utf-8"?>
+<file path=ppt/slides/slide9.xml><?xml version="1.0" encoding="utf-8"?>
 <p:sld xmlns:a="http://schemas.openxmlformats.org/drawingml/2006/main" xmlns:r="http://schemas.openxmlformats.org/officeDocument/2006/relationships" xmlns:p="http://schemas.openxmlformats.org/presentationml/2006/main">
   <p:cSld>
     <p:spTree>
@@ -6855,14 +7850,14 @@
           <a:lstStyle/>
           <a:p>
             <a:r>
-              <a:rPr lang="en-US" sz="3600" b="1" dirty="0">
+              <a:rPr lang="en-US" sz="3600" b="1">
                 <a:latin typeface="Times New Roman"/>
                 <a:ea typeface="FangSong"/>
                 <a:cs typeface="Segoe UI Light"/>
               </a:rPr>
               <a:t>Demo</a:t>
             </a:r>
-            <a:endParaRPr lang="en-US" sz="3600" b="1" dirty="0">
+            <a:endParaRPr lang="en-US" sz="3600" b="1">
               <a:latin typeface="Times New Roman"/>
               <a:ea typeface="FangSong"/>
             </a:endParaRPr>
@@ -6904,532 +7899,6 @@
     <p:extLst>
       <p:ext uri="{BB962C8B-B14F-4D97-AF65-F5344CB8AC3E}">
         <p14:creationId xmlns:p14="http://schemas.microsoft.com/office/powerpoint/2010/main" val="1739929906"/>
-      </p:ext>
-    </p:extLst>
-  </p:cSld>
-  <p:clrMapOvr>
-    <a:masterClrMapping/>
-  </p:clrMapOvr>
-</p:sld>
-</file>
-
-<file path=ppt/slides/slide9.xml><?xml version="1.0" encoding="utf-8"?>
-<p:sld xmlns:a="http://schemas.openxmlformats.org/drawingml/2006/main" xmlns:r="http://schemas.openxmlformats.org/officeDocument/2006/relationships" xmlns:p="http://schemas.openxmlformats.org/presentationml/2006/main">
-  <p:cSld>
-    <p:spTree>
-      <p:nvGrpSpPr>
-        <p:cNvPr id="1" name=""/>
-        <p:cNvGrpSpPr/>
-        <p:nvPr/>
-      </p:nvGrpSpPr>
-      <p:grpSpPr>
-        <a:xfrm>
-          <a:off x="0" y="0"/>
-          <a:ext cx="0" cy="0"/>
-          <a:chOff x="0" y="0"/>
-          <a:chExt cx="0" cy="0"/>
-        </a:xfrm>
-      </p:grpSpPr>
-      <p:sp>
-        <p:nvSpPr>
-          <p:cNvPr id="2" name="Title 1"/>
-          <p:cNvSpPr>
-            <a:spLocks noGrp="1"/>
-          </p:cNvSpPr>
-          <p:nvPr>
-            <p:ph type="title"/>
-          </p:nvPr>
-        </p:nvSpPr>
-        <p:spPr/>
-        <p:txBody>
-          <a:bodyPr>
-            <a:normAutofit/>
-          </a:bodyPr>
-          <a:lstStyle/>
-          <a:p>
-            <a:r>
-              <a:rPr lang="en-US" sz="3600" b="1" dirty="0" err="1">
-                <a:latin typeface="Times New Roman" panose="02020603050405020304" pitchFamily="18" charset="0"/>
-                <a:cs typeface="Times New Roman" panose="02020603050405020304" pitchFamily="18" charset="0"/>
-              </a:rPr>
-              <a:t>Concluziile</a:t>
-            </a:r>
-            <a:r>
-              <a:rPr lang="en-US" sz="3600" b="1" dirty="0">
-                <a:latin typeface="Times New Roman" panose="02020603050405020304" pitchFamily="18" charset="0"/>
-                <a:cs typeface="Times New Roman" panose="02020603050405020304" pitchFamily="18" charset="0"/>
-              </a:rPr>
-              <a:t> </a:t>
-            </a:r>
-            <a:r>
-              <a:rPr lang="en-US" sz="3600" b="1" dirty="0" err="1">
-                <a:latin typeface="Times New Roman" panose="02020603050405020304" pitchFamily="18" charset="0"/>
-                <a:cs typeface="Times New Roman" panose="02020603050405020304" pitchFamily="18" charset="0"/>
-              </a:rPr>
-              <a:t>lucrarii</a:t>
-            </a:r>
-            <a:endParaRPr lang="en-US" sz="3600" b="1" dirty="0">
-              <a:latin typeface="Times New Roman" panose="02020603050405020304" pitchFamily="18" charset="0"/>
-              <a:cs typeface="Times New Roman" panose="02020603050405020304" pitchFamily="18" charset="0"/>
-            </a:endParaRPr>
-          </a:p>
-        </p:txBody>
-      </p:sp>
-      <p:sp>
-        <p:nvSpPr>
-          <p:cNvPr id="3" name="Content Placeholder 2"/>
-          <p:cNvSpPr>
-            <a:spLocks noGrp="1"/>
-          </p:cNvSpPr>
-          <p:nvPr>
-            <p:ph sz="quarter" idx="10"/>
-          </p:nvPr>
-        </p:nvSpPr>
-        <p:spPr>
-          <a:xfrm>
-            <a:off x="521134" y="1435607"/>
-            <a:ext cx="11036188" cy="5069695"/>
-          </a:xfrm>
-        </p:spPr>
-        <p:txBody>
-          <a:bodyPr vert="horz" lIns="91440" tIns="45720" rIns="91440" bIns="45720" rtlCol="0" anchor="t">
-            <a:noAutofit/>
-          </a:bodyPr>
-          <a:lstStyle/>
-          <a:p>
-            <a:r>
-              <a:rPr lang="en-US" sz="2000" dirty="0">
-                <a:latin typeface="Times New Roman"/>
-                <a:cs typeface="Times New Roman"/>
-              </a:rPr>
-              <a:t>	</a:t>
-            </a:r>
-            <a:r>
-              <a:rPr lang="en-US" sz="2400" err="1">
-                <a:latin typeface="Times New Roman"/>
-                <a:cs typeface="Times New Roman"/>
-              </a:rPr>
-              <a:t>Aplicatia</a:t>
-            </a:r>
-            <a:r>
-              <a:rPr lang="en-US" sz="2400" dirty="0">
-                <a:latin typeface="Times New Roman"/>
-                <a:cs typeface="Times New Roman"/>
-              </a:rPr>
-              <a:t> </a:t>
-            </a:r>
-            <a:r>
-              <a:rPr lang="en-US" sz="2400" err="1">
-                <a:latin typeface="Times New Roman"/>
-                <a:cs typeface="Times New Roman"/>
-              </a:rPr>
-              <a:t>CryptoManagement</a:t>
-            </a:r>
-            <a:r>
-              <a:rPr lang="en-US" sz="2400" dirty="0">
-                <a:latin typeface="Times New Roman"/>
-                <a:cs typeface="Times New Roman"/>
-              </a:rPr>
-              <a:t> vine in </a:t>
-            </a:r>
-            <a:r>
-              <a:rPr lang="en-US" sz="2400" err="1">
-                <a:latin typeface="Times New Roman"/>
-                <a:cs typeface="Times New Roman"/>
-              </a:rPr>
-              <a:t>ajutorul</a:t>
-            </a:r>
-            <a:r>
-              <a:rPr lang="en-US" sz="2400" dirty="0">
-                <a:latin typeface="Times New Roman"/>
-                <a:cs typeface="Times New Roman"/>
-              </a:rPr>
-              <a:t> </a:t>
-            </a:r>
-            <a:r>
-              <a:rPr lang="en-US" sz="2400" err="1">
-                <a:latin typeface="Times New Roman"/>
-                <a:cs typeface="Times New Roman"/>
-              </a:rPr>
-              <a:t>utilizatorilor</a:t>
-            </a:r>
-            <a:r>
-              <a:rPr lang="en-US" sz="2400" dirty="0">
-                <a:latin typeface="Times New Roman"/>
-                <a:cs typeface="Times New Roman"/>
-              </a:rPr>
-              <a:t>, </a:t>
-            </a:r>
-            <a:r>
-              <a:rPr lang="en-US" sz="2400" err="1">
-                <a:latin typeface="Times New Roman"/>
-                <a:cs typeface="Times New Roman"/>
-              </a:rPr>
-              <a:t>automatizand</a:t>
-            </a:r>
-            <a:r>
-              <a:rPr lang="en-US" sz="2400" dirty="0">
-                <a:latin typeface="Times New Roman"/>
-                <a:cs typeface="Times New Roman"/>
-              </a:rPr>
-              <a:t> un </a:t>
-            </a:r>
-            <a:r>
-              <a:rPr lang="en-US" sz="2400" err="1">
-                <a:latin typeface="Times New Roman"/>
-                <a:cs typeface="Times New Roman"/>
-              </a:rPr>
-              <a:t>proces</a:t>
-            </a:r>
-            <a:r>
-              <a:rPr lang="en-US" sz="2400" dirty="0">
-                <a:latin typeface="Times New Roman"/>
-                <a:cs typeface="Times New Roman"/>
-              </a:rPr>
-              <a:t> care </a:t>
-            </a:r>
-            <a:r>
-              <a:rPr lang="en-US" sz="2400" err="1">
-                <a:latin typeface="Times New Roman"/>
-                <a:cs typeface="Times New Roman"/>
-              </a:rPr>
-              <a:t>poate</a:t>
-            </a:r>
-            <a:r>
-              <a:rPr lang="en-US" sz="2400" dirty="0">
-                <a:latin typeface="Times New Roman"/>
-                <a:cs typeface="Times New Roman"/>
-              </a:rPr>
-              <a:t> fi </a:t>
-            </a:r>
-            <a:r>
-              <a:rPr lang="en-US" sz="2400" err="1">
-                <a:latin typeface="Times New Roman"/>
-                <a:cs typeface="Times New Roman"/>
-              </a:rPr>
-              <a:t>costisitor</a:t>
-            </a:r>
-            <a:r>
-              <a:rPr lang="en-US" sz="2400" dirty="0">
-                <a:latin typeface="Times New Roman"/>
-                <a:cs typeface="Times New Roman"/>
-              </a:rPr>
-              <a:t> in </a:t>
-            </a:r>
-            <a:r>
-              <a:rPr lang="en-US" sz="2400" err="1">
-                <a:latin typeface="Times New Roman"/>
-                <a:cs typeface="Times New Roman"/>
-              </a:rPr>
-              <a:t>privinta</a:t>
-            </a:r>
-            <a:r>
-              <a:rPr lang="en-US" sz="2400" dirty="0">
-                <a:latin typeface="Times New Roman"/>
-                <a:cs typeface="Times New Roman"/>
-              </a:rPr>
-              <a:t> </a:t>
-            </a:r>
-            <a:r>
-              <a:rPr lang="en-US" sz="2400" err="1">
-                <a:latin typeface="Times New Roman"/>
-                <a:cs typeface="Times New Roman"/>
-              </a:rPr>
-              <a:t>timpului</a:t>
-            </a:r>
-            <a:r>
-              <a:rPr lang="en-US" sz="2400" dirty="0">
-                <a:latin typeface="Times New Roman"/>
-                <a:cs typeface="Times New Roman"/>
-              </a:rPr>
-              <a:t> </a:t>
-            </a:r>
-            <a:r>
-              <a:rPr lang="en-US" sz="2400" err="1">
-                <a:latin typeface="Times New Roman"/>
-                <a:cs typeface="Times New Roman"/>
-              </a:rPr>
-              <a:t>si</a:t>
-            </a:r>
-            <a:r>
-              <a:rPr lang="en-US" sz="2400" dirty="0">
-                <a:latin typeface="Times New Roman"/>
-                <a:cs typeface="Times New Roman"/>
-              </a:rPr>
-              <a:t> </a:t>
-            </a:r>
-            <a:r>
-              <a:rPr lang="en-US" sz="2400" err="1">
-                <a:latin typeface="Times New Roman"/>
-                <a:cs typeface="Times New Roman"/>
-              </a:rPr>
-              <a:t>ofera</a:t>
-            </a:r>
-            <a:r>
-              <a:rPr lang="en-US" sz="2400" dirty="0">
-                <a:latin typeface="Times New Roman"/>
-                <a:cs typeface="Times New Roman"/>
-              </a:rPr>
-              <a:t> </a:t>
-            </a:r>
-            <a:r>
-              <a:rPr lang="en-US" sz="2400" err="1">
-                <a:latin typeface="Times New Roman"/>
-                <a:cs typeface="Times New Roman"/>
-              </a:rPr>
-              <a:t>acestora</a:t>
-            </a:r>
-            <a:r>
-              <a:rPr lang="en-US" sz="2400" dirty="0">
-                <a:latin typeface="Times New Roman"/>
-                <a:cs typeface="Times New Roman"/>
-              </a:rPr>
-              <a:t> o </a:t>
-            </a:r>
-            <a:r>
-              <a:rPr lang="en-US" sz="2400" err="1">
-                <a:latin typeface="Times New Roman"/>
-                <a:cs typeface="Times New Roman"/>
-              </a:rPr>
-              <a:t>experienta</a:t>
-            </a:r>
-            <a:r>
-              <a:rPr lang="en-US" sz="2400" dirty="0">
-                <a:latin typeface="Times New Roman"/>
-                <a:cs typeface="Times New Roman"/>
-              </a:rPr>
-              <a:t> </a:t>
-            </a:r>
-            <a:r>
-              <a:rPr lang="en-US" sz="2400" err="1">
-                <a:latin typeface="Times New Roman"/>
-                <a:cs typeface="Times New Roman"/>
-              </a:rPr>
-              <a:t>placuta</a:t>
-            </a:r>
-            <a:r>
-              <a:rPr lang="en-US" sz="2400" dirty="0">
-                <a:latin typeface="Times New Roman"/>
-                <a:cs typeface="Times New Roman"/>
-              </a:rPr>
-              <a:t>, </a:t>
-            </a:r>
-            <a:r>
-              <a:rPr lang="en-US" sz="2400" err="1">
-                <a:latin typeface="Times New Roman"/>
-                <a:cs typeface="Times New Roman"/>
-              </a:rPr>
-              <a:t>atat</a:t>
-            </a:r>
-            <a:r>
-              <a:rPr lang="en-US" sz="2400" dirty="0">
-                <a:latin typeface="Times New Roman"/>
-                <a:cs typeface="Times New Roman"/>
-              </a:rPr>
-              <a:t> </a:t>
-            </a:r>
-            <a:r>
-              <a:rPr lang="en-US" sz="2400" err="1">
-                <a:latin typeface="Times New Roman"/>
-                <a:cs typeface="Times New Roman"/>
-              </a:rPr>
-              <a:t>datorita</a:t>
-            </a:r>
-            <a:r>
-              <a:rPr lang="en-US" sz="2400" dirty="0">
-                <a:latin typeface="Times New Roman"/>
-                <a:cs typeface="Times New Roman"/>
-              </a:rPr>
-              <a:t> </a:t>
-            </a:r>
-            <a:r>
-              <a:rPr lang="en-US" sz="2400" err="1">
-                <a:latin typeface="Times New Roman"/>
-                <a:cs typeface="Times New Roman"/>
-              </a:rPr>
-              <a:t>sugestiilor</a:t>
-            </a:r>
-            <a:r>
-              <a:rPr lang="en-US" sz="2400" dirty="0">
-                <a:latin typeface="Times New Roman"/>
-                <a:cs typeface="Times New Roman"/>
-              </a:rPr>
-              <a:t> </a:t>
-            </a:r>
-            <a:r>
-              <a:rPr lang="en-US" sz="2400" err="1">
-                <a:latin typeface="Times New Roman"/>
-                <a:cs typeface="Times New Roman"/>
-              </a:rPr>
-              <a:t>pe</a:t>
-            </a:r>
-            <a:r>
-              <a:rPr lang="en-US" sz="2400" dirty="0">
-                <a:latin typeface="Times New Roman"/>
-                <a:cs typeface="Times New Roman"/>
-              </a:rPr>
-              <a:t> care </a:t>
-            </a:r>
-            <a:r>
-              <a:rPr lang="en-US" sz="2400" err="1">
-                <a:latin typeface="Times New Roman"/>
-                <a:cs typeface="Times New Roman"/>
-              </a:rPr>
-              <a:t>aceasta</a:t>
-            </a:r>
-            <a:r>
-              <a:rPr lang="en-US" sz="2400" dirty="0">
-                <a:latin typeface="Times New Roman"/>
-                <a:cs typeface="Times New Roman"/>
-              </a:rPr>
-              <a:t> le </a:t>
-            </a:r>
-            <a:r>
-              <a:rPr lang="en-US" sz="2400" err="1">
-                <a:latin typeface="Times New Roman"/>
-                <a:cs typeface="Times New Roman"/>
-              </a:rPr>
-              <a:t>ofera</a:t>
-            </a:r>
-            <a:r>
-              <a:rPr lang="en-US" sz="2400" dirty="0">
-                <a:latin typeface="Times New Roman"/>
-                <a:cs typeface="Times New Roman"/>
-              </a:rPr>
-              <a:t>, cat </a:t>
-            </a:r>
-            <a:r>
-              <a:rPr lang="en-US" sz="2400" err="1">
-                <a:latin typeface="Times New Roman"/>
-                <a:cs typeface="Times New Roman"/>
-              </a:rPr>
-              <a:t>si</a:t>
-            </a:r>
-            <a:r>
-              <a:rPr lang="en-US" sz="2400" dirty="0">
-                <a:latin typeface="Times New Roman"/>
-                <a:cs typeface="Times New Roman"/>
-              </a:rPr>
-              <a:t> </a:t>
-            </a:r>
-            <a:r>
-              <a:rPr lang="en-US" sz="2400" err="1">
-                <a:latin typeface="Times New Roman"/>
-                <a:cs typeface="Times New Roman"/>
-              </a:rPr>
-              <a:t>datorita</a:t>
-            </a:r>
-            <a:r>
-              <a:rPr lang="en-US" sz="2400" dirty="0">
-                <a:latin typeface="Times New Roman"/>
-                <a:cs typeface="Times New Roman"/>
-              </a:rPr>
-              <a:t> </a:t>
-            </a:r>
-            <a:r>
-              <a:rPr lang="en-US" sz="2400" err="1">
-                <a:latin typeface="Times New Roman"/>
-                <a:cs typeface="Times New Roman"/>
-              </a:rPr>
-              <a:t>predictiilor</a:t>
-            </a:r>
-            <a:r>
-              <a:rPr lang="en-US" sz="2400" dirty="0">
-                <a:latin typeface="Times New Roman"/>
-                <a:cs typeface="Times New Roman"/>
-              </a:rPr>
-              <a:t> </a:t>
-            </a:r>
-            <a:r>
-              <a:rPr lang="en-US" sz="2400" err="1">
-                <a:latin typeface="Times New Roman"/>
-                <a:cs typeface="Times New Roman"/>
-              </a:rPr>
-              <a:t>pentru</a:t>
-            </a:r>
-            <a:r>
-              <a:rPr lang="en-US" sz="2400" dirty="0">
-                <a:latin typeface="Times New Roman"/>
-                <a:cs typeface="Times New Roman"/>
-              </a:rPr>
-              <a:t> </a:t>
-            </a:r>
-            <a:r>
-              <a:rPr lang="en-US" sz="2400" err="1">
-                <a:latin typeface="Times New Roman"/>
-                <a:cs typeface="Times New Roman"/>
-              </a:rPr>
-              <a:t>urmatoarele</a:t>
-            </a:r>
-            <a:r>
-              <a:rPr lang="en-US" sz="2400" dirty="0">
-                <a:latin typeface="Times New Roman"/>
-                <a:cs typeface="Times New Roman"/>
-              </a:rPr>
-              <a:t> </a:t>
-            </a:r>
-            <a:r>
-              <a:rPr lang="en-US" sz="2400" err="1">
-                <a:latin typeface="Times New Roman"/>
-                <a:cs typeface="Times New Roman"/>
-              </a:rPr>
-              <a:t>valori</a:t>
-            </a:r>
-            <a:r>
-              <a:rPr lang="en-US" sz="2400" dirty="0">
-                <a:latin typeface="Times New Roman"/>
-                <a:cs typeface="Times New Roman"/>
-              </a:rPr>
-              <a:t> ale </a:t>
-            </a:r>
-            <a:r>
-              <a:rPr lang="en-US" sz="2400">
-                <a:latin typeface="Times New Roman"/>
-                <a:cs typeface="Times New Roman"/>
-              </a:rPr>
-              <a:t>monedei.</a:t>
-            </a:r>
-          </a:p>
-          <a:p>
-            <a:r>
-              <a:rPr lang="en-US" sz="2400" dirty="0">
-                <a:latin typeface="Times New Roman"/>
-                <a:cs typeface="Times New Roman"/>
-              </a:rPr>
-              <a:t>           Un flow end-to-end care pleaca de la interactiunea utilizatorilor cu aplicatia </a:t>
-            </a:r>
-            <a:r>
-              <a:rPr lang="en-US" sz="2400">
-                <a:latin typeface="Times New Roman"/>
-                <a:cs typeface="Times New Roman"/>
-              </a:rPr>
-              <a:t>pana la componente care include servere online si 3-party-uri pentru trimiterea de emailuri.</a:t>
-            </a:r>
-            <a:br>
-              <a:rPr lang="en-US" dirty="0"/>
-            </a:br>
-            <a:endParaRPr lang="en-US">
-              <a:cs typeface="Segoe UI"/>
-            </a:endParaRPr>
-          </a:p>
-          <a:p>
-            <a:endParaRPr lang="en-US" sz="2400" dirty="0">
-              <a:latin typeface="Times New Roman"/>
-              <a:cs typeface="Times New Roman"/>
-            </a:endParaRPr>
-          </a:p>
-          <a:p>
-            <a:br>
-              <a:rPr lang="en-US" sz="2000" dirty="0"/>
-            </a:br>
-            <a:endParaRPr lang="en-US" sz="2000" dirty="0"/>
-          </a:p>
-        </p:txBody>
-      </p:sp>
-    </p:spTree>
-    <p:extLst>
-      <p:ext uri="{BB962C8B-B14F-4D97-AF65-F5344CB8AC3E}">
-        <p14:creationId xmlns:p14="http://schemas.microsoft.com/office/powerpoint/2010/main" val="2152706768"/>
       </p:ext>
     </p:extLst>
   </p:cSld>
@@ -8197,23 +8666,6 @@
 </file>
 
 <file path=customXml/item1.xml><?xml version="1.0" encoding="utf-8"?>
-<p:properties xmlns:p="http://schemas.microsoft.com/office/2006/metadata/properties" xmlns:xsi="http://www.w3.org/2001/XMLSchema-instance" xmlns:pc="http://schemas.microsoft.com/office/infopath/2007/PartnerControls">
-  <documentManagement>
-    <MediaServiceKeyPoints xmlns="71af3243-3dd4-4a8d-8c0d-dd76da1f02a5" xsi:nil="true"/>
-  </documentManagement>
-</p:properties>
-</file>
-
-<file path=customXml/item2.xml><?xml version="1.0" encoding="utf-8"?>
-<?mso-contentType ?>
-<FormTemplates xmlns="http://schemas.microsoft.com/sharepoint/v3/contenttype/forms">
-  <Display>DocumentLibraryForm</Display>
-  <Edit>DocumentLibraryForm</Edit>
-  <New>DocumentLibraryForm</New>
-</FormTemplates>
-</file>
-
-<file path=customXml/item3.xml><?xml version="1.0" encoding="utf-8"?>
 <ct:contentTypeSchema xmlns:ct="http://schemas.microsoft.com/office/2006/metadata/contentType" xmlns:ma="http://schemas.microsoft.com/office/2006/metadata/properties/metaAttributes" ct:_="" ma:_="" ma:contentTypeName="Document" ma:contentTypeID="0x01010079F111ED35F8CC479449609E8A0923A6" ma:contentTypeVersion="11" ma:contentTypeDescription="Create a new document." ma:contentTypeScope="" ma:versionID="96291512c1ee715ab617f4c07df79fc1">
   <xsd:schema xmlns:xsd="http://www.w3.org/2001/XMLSchema" xmlns:xs="http://www.w3.org/2001/XMLSchema" xmlns:p="http://schemas.microsoft.com/office/2006/metadata/properties" xmlns:ns2="71af3243-3dd4-4a8d-8c0d-dd76da1f02a5" xmlns:ns3="16c05727-aa75-4e4a-9b5f-8a80a1165891" targetNamespace="http://schemas.microsoft.com/office/2006/metadata/properties" ma:root="true" ma:fieldsID="8256c27c40ca5c40ce1cf6c44f0205df" ns2:_="" ns3:_="">
     <xsd:import namespace="71af3243-3dd4-4a8d-8c0d-dd76da1f02a5"/>
@@ -8424,19 +8876,38 @@
 </ct:contentTypeSchema>
 </file>
 
+<file path=customXml/item2.xml><?xml version="1.0" encoding="utf-8"?>
+<?mso-contentType ?>
+<FormTemplates xmlns="http://schemas.microsoft.com/sharepoint/v3/contenttype/forms">
+  <Display>DocumentLibraryForm</Display>
+  <Edit>DocumentLibraryForm</Edit>
+  <New>DocumentLibraryForm</New>
+</FormTemplates>
+</file>
+
+<file path=customXml/item3.xml><?xml version="1.0" encoding="utf-8"?>
+<p:properties xmlns:p="http://schemas.microsoft.com/office/2006/metadata/properties" xmlns:xsi="http://www.w3.org/2001/XMLSchema-instance" xmlns:pc="http://schemas.microsoft.com/office/infopath/2007/PartnerControls">
+  <documentManagement>
+    <MediaServiceKeyPoints xmlns="71af3243-3dd4-4a8d-8c0d-dd76da1f02a5" xsi:nil="true"/>
+  </documentManagement>
+</p:properties>
+</file>
+
 <file path=customXml/itemProps1.xml><?xml version="1.0" encoding="utf-8"?>
-<ds:datastoreItem xmlns:ds="http://schemas.openxmlformats.org/officeDocument/2006/customXml" ds:itemID="{7BED6A94-6CEC-4690-B5D0-3E831BCC769C}">
+<ds:datastoreItem xmlns:ds="http://schemas.openxmlformats.org/officeDocument/2006/customXml" ds:itemID="{E60B3179-FCE1-482B-B473-8B7BB6F9AC8B}">
   <ds:schemaRefs>
+    <ds:schemaRef ds:uri="16c05727-aa75-4e4a-9b5f-8a80a1165891"/>
+    <ds:schemaRef ds:uri="71af3243-3dd4-4a8d-8c0d-dd76da1f02a5"/>
+    <ds:schemaRef ds:uri="http://purl.org/dc/elements/1.1/"/>
+    <ds:schemaRef ds:uri="http://purl.org/dc/terms/"/>
+    <ds:schemaRef ds:uri="http://schemas.microsoft.com/internal/obd"/>
+    <ds:schemaRef ds:uri="http://schemas.microsoft.com/office/2006/documentManagement/types"/>
+    <ds:schemaRef ds:uri="http://schemas.microsoft.com/office/2006/metadata/contentType"/>
     <ds:schemaRef ds:uri="http://schemas.microsoft.com/office/2006/metadata/properties"/>
-    <ds:schemaRef ds:uri="http://purl.org/dc/dcmitype/"/>
-    <ds:schemaRef ds:uri="http://purl.org/dc/terms/"/>
+    <ds:schemaRef ds:uri="http://schemas.microsoft.com/office/2006/metadata/properties/metaAttributes"/>
+    <ds:schemaRef ds:uri="http://schemas.microsoft.com/office/infopath/2007/PartnerControls"/>
     <ds:schemaRef ds:uri="http://schemas.openxmlformats.org/package/2006/metadata/core-properties"/>
-    <ds:schemaRef ds:uri="http://schemas.microsoft.com/office/2006/documentManagement/types"/>
-    <ds:schemaRef ds:uri="71af3243-3dd4-4a8d-8c0d-dd76da1f02a5"/>
-    <ds:schemaRef ds:uri="http://schemas.microsoft.com/office/infopath/2007/PartnerControls"/>
-    <ds:schemaRef ds:uri="16c05727-aa75-4e4a-9b5f-8a80a1165891"/>
-    <ds:schemaRef ds:uri="http://www.w3.org/XML/1998/namespace"/>
-    <ds:schemaRef ds:uri="http://purl.org/dc/elements/1.1/"/>
+    <ds:schemaRef ds:uri="http://www.w3.org/2001/XMLSchema"/>
   </ds:schemaRefs>
 </ds:datastoreItem>
 </file>
@@ -8450,20 +8921,18 @@
 </file>
 
 <file path=customXml/itemProps3.xml><?xml version="1.0" encoding="utf-8"?>
-<ds:datastoreItem xmlns:ds="http://schemas.openxmlformats.org/officeDocument/2006/customXml" ds:itemID="{E60B3179-FCE1-482B-B473-8B7BB6F9AC8B}">
+<ds:datastoreItem xmlns:ds="http://schemas.openxmlformats.org/officeDocument/2006/customXml" ds:itemID="{7BED6A94-6CEC-4690-B5D0-3E831BCC769C}">
   <ds:schemaRefs>
-    <ds:schemaRef ds:uri="http://schemas.microsoft.com/office/2006/metadata/contentType"/>
-    <ds:schemaRef ds:uri="http://schemas.microsoft.com/office/2006/metadata/properties/metaAttributes"/>
-    <ds:schemaRef ds:uri="http://www.w3.org/2001/XMLSchema"/>
+    <ds:schemaRef ds:uri="16c05727-aa75-4e4a-9b5f-8a80a1165891"/>
+    <ds:schemaRef ds:uri="71af3243-3dd4-4a8d-8c0d-dd76da1f02a5"/>
+    <ds:schemaRef ds:uri="http://purl.org/dc/dcmitype/"/>
+    <ds:schemaRef ds:uri="http://purl.org/dc/elements/1.1/"/>
+    <ds:schemaRef ds:uri="http://purl.org/dc/terms/"/>
+    <ds:schemaRef ds:uri="http://schemas.microsoft.com/office/2006/documentManagement/types"/>
     <ds:schemaRef ds:uri="http://schemas.microsoft.com/office/2006/metadata/properties"/>
-    <ds:schemaRef ds:uri="71af3243-3dd4-4a8d-8c0d-dd76da1f02a5"/>
-    <ds:schemaRef ds:uri="16c05727-aa75-4e4a-9b5f-8a80a1165891"/>
-    <ds:schemaRef ds:uri="http://schemas.microsoft.com/office/2006/documentManagement/types"/>
     <ds:schemaRef ds:uri="http://schemas.microsoft.com/office/infopath/2007/PartnerControls"/>
     <ds:schemaRef ds:uri="http://schemas.openxmlformats.org/package/2006/metadata/core-properties"/>
-    <ds:schemaRef ds:uri="http://purl.org/dc/elements/1.1/"/>
-    <ds:schemaRef ds:uri="http://purl.org/dc/terms/"/>
-    <ds:schemaRef ds:uri="http://schemas.microsoft.com/internal/obd"/>
+    <ds:schemaRef ds:uri="http://www.w3.org/XML/1998/namespace"/>
   </ds:schemaRefs>
 </ds:datastoreItem>
 </file>